--- a/Cipher.pptx
+++ b/Cipher.pptx
@@ -19,26 +19,30 @@
     <p:sldId id="264" r:id="rId14"/>
     <p:sldId id="265" r:id="rId15"/>
     <p:sldId id="266" r:id="rId16"/>
+    <p:sldId id="267" r:id="rId17"/>
+    <p:sldId id="268" r:id="rId18"/>
+    <p:sldId id="269" r:id="rId19"/>
+    <p:sldId id="270" r:id="rId20"/>
   </p:sldIdLst>
   <p:sldSz cy="5143500" cx="9144000"/>
   <p:notesSz cx="6858000" cy="9144000"/>
   <p:embeddedFontLst>
     <p:embeddedFont>
       <p:font typeface="Dosis"/>
-      <p:regular r:id="rId17"/>
-      <p:bold r:id="rId18"/>
+      <p:regular r:id="rId21"/>
+      <p:bold r:id="rId22"/>
     </p:embeddedFont>
     <p:embeddedFont>
       <p:font typeface="Roboto"/>
-      <p:regular r:id="rId19"/>
-      <p:bold r:id="rId20"/>
-      <p:italic r:id="rId21"/>
-      <p:boldItalic r:id="rId22"/>
+      <p:regular r:id="rId23"/>
+      <p:bold r:id="rId24"/>
+      <p:italic r:id="rId25"/>
+      <p:boldItalic r:id="rId26"/>
     </p:embeddedFont>
     <p:embeddedFont>
       <p:font typeface="Caveat"/>
-      <p:regular r:id="rId23"/>
-      <p:bold r:id="rId24"/>
+      <p:regular r:id="rId27"/>
+      <p:bold r:id="rId28"/>
     </p:embeddedFont>
   </p:embeddedFontLst>
   <p:defaultTextStyle>
@@ -819,7 +823,7 @@
   <p:cSld>
     <p:spTree>
       <p:nvGrpSpPr>
-        <p:cNvPr id="156" name="Shape 156"/>
+        <p:cNvPr id="149" name="Shape 149"/>
         <p:cNvGrpSpPr/>
         <p:nvPr/>
       </p:nvGrpSpPr>
@@ -833,7 +837,7 @@
       </p:grpSpPr>
       <p:sp>
         <p:nvSpPr>
-          <p:cNvPr id="157" name="Google Shape;157;ge348e76129_0_10:notes"/>
+          <p:cNvPr id="150" name="Google Shape;150;ge33136a93a_0_78:notes"/>
           <p:cNvSpPr/>
           <p:nvPr>
             <p:ph idx="2" type="sldImg"/>
@@ -868,7 +872,7 @@
       </p:sp>
       <p:sp>
         <p:nvSpPr>
-          <p:cNvPr id="158" name="Google Shape;158;ge348e76129_0_10:notes"/>
+          <p:cNvPr id="151" name="Google Shape;151;ge33136a93a_0_78:notes"/>
           <p:cNvSpPr txBox="1"/>
           <p:nvPr>
             <p:ph idx="1" type="body"/>
@@ -918,7 +922,7 @@
   <p:cSld>
     <p:spTree>
       <p:nvGrpSpPr>
-        <p:cNvPr id="164" name="Shape 164"/>
+        <p:cNvPr id="158" name="Shape 158"/>
         <p:cNvGrpSpPr/>
         <p:nvPr/>
       </p:nvGrpSpPr>
@@ -932,7 +936,7 @@
       </p:grpSpPr>
       <p:sp>
         <p:nvSpPr>
-          <p:cNvPr id="165" name="Google Shape;165;ge348e76129_0_25:notes"/>
+          <p:cNvPr id="159" name="Google Shape;159;ge348e76129_0_0:notes"/>
           <p:cNvSpPr/>
           <p:nvPr>
             <p:ph idx="2" type="sldImg"/>
@@ -967,7 +971,403 @@
       </p:sp>
       <p:sp>
         <p:nvSpPr>
-          <p:cNvPr id="166" name="Google Shape;166;ge348e76129_0_25:notes"/>
+          <p:cNvPr id="160" name="Google Shape;160;ge348e76129_0_0:notes"/>
+          <p:cNvSpPr txBox="1"/>
+          <p:nvPr>
+            <p:ph idx="1" type="body"/>
+          </p:nvPr>
+        </p:nvSpPr>
+        <p:spPr>
+          <a:xfrm>
+            <a:off x="685800" y="4343400"/>
+            <a:ext cx="5486400" cy="4114800"/>
+          </a:xfrm>
+          <a:prstGeom prst="rect">
+            <a:avLst/>
+          </a:prstGeom>
+        </p:spPr>
+        <p:txBody>
+          <a:bodyPr anchorCtr="0" anchor="t" bIns="91425" lIns="91425" spcFirstLastPara="1" rIns="91425" wrap="square" tIns="91425">
+            <a:noAutofit/>
+          </a:bodyPr>
+          <a:lstStyle/>
+          <a:p>
+            <a:pPr indent="0" lvl="0" marL="0" rtl="0" algn="l">
+              <a:spcBef>
+                <a:spcPts val="0"/>
+              </a:spcBef>
+              <a:spcAft>
+                <a:spcPts val="0"/>
+              </a:spcAft>
+              <a:buNone/>
+            </a:pPr>
+            <a:r>
+              <a:t/>
+            </a:r>
+            <a:endParaRPr/>
+          </a:p>
+        </p:txBody>
+      </p:sp>
+    </p:spTree>
+  </p:cSld>
+  <p:clrMapOvr>
+    <a:masterClrMapping/>
+  </p:clrMapOvr>
+</p:notes>
+</file>
+
+<file path=ppt/notesSlides/notesSlide12.xml><?xml version="1.0" encoding="utf-8"?>
+<p:notes xmlns:a="http://schemas.openxmlformats.org/drawingml/2006/main" xmlns:r="http://schemas.openxmlformats.org/officeDocument/2006/relationships" xmlns:mc="http://schemas.openxmlformats.org/markup-compatibility/2006" xmlns:mv="urn:schemas-microsoft-com:mac:vml" xmlns:p="http://schemas.openxmlformats.org/presentationml/2006/main" xmlns:c="http://schemas.openxmlformats.org/drawingml/2006/chart" xmlns:dgm="http://schemas.openxmlformats.org/drawingml/2006/diagram" xmlns:o="urn:schemas-microsoft-com:office:office" xmlns:v="urn:schemas-microsoft-com:vml" xmlns:pvml="urn:schemas-microsoft-com:office:powerpoint" xmlns:com="http://schemas.openxmlformats.org/drawingml/2006/compatibility" xmlns:p14="http://schemas.microsoft.com/office/powerpoint/2010/main" xmlns:p15="http://schemas.microsoft.com/office/powerpoint/2012/main" xmlns:ahyp="http://schemas.microsoft.com/office/drawing/2018/hyperlinkcolor" showMasterPhAnim="0" showMasterSp="0">
+  <p:cSld>
+    <p:spTree>
+      <p:nvGrpSpPr>
+        <p:cNvPr id="168" name="Shape 168"/>
+        <p:cNvGrpSpPr/>
+        <p:nvPr/>
+      </p:nvGrpSpPr>
+      <p:grpSpPr>
+        <a:xfrm>
+          <a:off x="0" y="0"/>
+          <a:ext cx="0" cy="0"/>
+          <a:chOff x="0" y="0"/>
+          <a:chExt cx="0" cy="0"/>
+        </a:xfrm>
+      </p:grpSpPr>
+      <p:sp>
+        <p:nvSpPr>
+          <p:cNvPr id="169" name="Google Shape;169;ge348e76129_0_5:notes"/>
+          <p:cNvSpPr/>
+          <p:nvPr>
+            <p:ph idx="2" type="sldImg"/>
+          </p:nvPr>
+        </p:nvSpPr>
+        <p:spPr>
+          <a:xfrm>
+            <a:off x="381300" y="685800"/>
+            <a:ext cx="6096000" cy="3429000"/>
+          </a:xfrm>
+          <a:custGeom>
+            <a:rect b="b" l="l" r="r" t="t"/>
+            <a:pathLst>
+              <a:path extrusionOk="0" h="120000" w="120000">
+                <a:moveTo>
+                  <a:pt x="0" y="0"/>
+                </a:moveTo>
+                <a:lnTo>
+                  <a:pt x="120000" y="0"/>
+                </a:lnTo>
+                <a:lnTo>
+                  <a:pt x="120000" y="120000"/>
+                </a:lnTo>
+                <a:lnTo>
+                  <a:pt x="0" y="120000"/>
+                </a:lnTo>
+                <a:close/>
+              </a:path>
+            </a:pathLst>
+          </a:custGeom>
+        </p:spPr>
+      </p:sp>
+      <p:sp>
+        <p:nvSpPr>
+          <p:cNvPr id="170" name="Google Shape;170;ge348e76129_0_5:notes"/>
+          <p:cNvSpPr txBox="1"/>
+          <p:nvPr>
+            <p:ph idx="1" type="body"/>
+          </p:nvPr>
+        </p:nvSpPr>
+        <p:spPr>
+          <a:xfrm>
+            <a:off x="685800" y="4343400"/>
+            <a:ext cx="5486400" cy="4114800"/>
+          </a:xfrm>
+          <a:prstGeom prst="rect">
+            <a:avLst/>
+          </a:prstGeom>
+        </p:spPr>
+        <p:txBody>
+          <a:bodyPr anchorCtr="0" anchor="t" bIns="91425" lIns="91425" spcFirstLastPara="1" rIns="91425" wrap="square" tIns="91425">
+            <a:noAutofit/>
+          </a:bodyPr>
+          <a:lstStyle/>
+          <a:p>
+            <a:pPr indent="0" lvl="0" marL="0" rtl="0" algn="l">
+              <a:spcBef>
+                <a:spcPts val="0"/>
+              </a:spcBef>
+              <a:spcAft>
+                <a:spcPts val="0"/>
+              </a:spcAft>
+              <a:buNone/>
+            </a:pPr>
+            <a:r>
+              <a:t/>
+            </a:r>
+            <a:endParaRPr/>
+          </a:p>
+        </p:txBody>
+      </p:sp>
+    </p:spTree>
+  </p:cSld>
+  <p:clrMapOvr>
+    <a:masterClrMapping/>
+  </p:clrMapOvr>
+</p:notes>
+</file>
+
+<file path=ppt/notesSlides/notesSlide13.xml><?xml version="1.0" encoding="utf-8"?>
+<p:notes xmlns:a="http://schemas.openxmlformats.org/drawingml/2006/main" xmlns:r="http://schemas.openxmlformats.org/officeDocument/2006/relationships" xmlns:mc="http://schemas.openxmlformats.org/markup-compatibility/2006" xmlns:mv="urn:schemas-microsoft-com:mac:vml" xmlns:p="http://schemas.openxmlformats.org/presentationml/2006/main" xmlns:c="http://schemas.openxmlformats.org/drawingml/2006/chart" xmlns:dgm="http://schemas.openxmlformats.org/drawingml/2006/diagram" xmlns:o="urn:schemas-microsoft-com:office:office" xmlns:v="urn:schemas-microsoft-com:vml" xmlns:pvml="urn:schemas-microsoft-com:office:powerpoint" xmlns:com="http://schemas.openxmlformats.org/drawingml/2006/compatibility" xmlns:p14="http://schemas.microsoft.com/office/powerpoint/2010/main" xmlns:p15="http://schemas.microsoft.com/office/powerpoint/2012/main" xmlns:ahyp="http://schemas.microsoft.com/office/drawing/2018/hyperlinkcolor" showMasterPhAnim="0" showMasterSp="0">
+  <p:cSld>
+    <p:spTree>
+      <p:nvGrpSpPr>
+        <p:cNvPr id="176" name="Shape 176"/>
+        <p:cNvGrpSpPr/>
+        <p:nvPr/>
+      </p:nvGrpSpPr>
+      <p:grpSpPr>
+        <a:xfrm>
+          <a:off x="0" y="0"/>
+          <a:ext cx="0" cy="0"/>
+          <a:chOff x="0" y="0"/>
+          <a:chExt cx="0" cy="0"/>
+        </a:xfrm>
+      </p:grpSpPr>
+      <p:sp>
+        <p:nvSpPr>
+          <p:cNvPr id="177" name="Google Shape;177;ge348e76129_0_10:notes"/>
+          <p:cNvSpPr/>
+          <p:nvPr>
+            <p:ph idx="2" type="sldImg"/>
+          </p:nvPr>
+        </p:nvSpPr>
+        <p:spPr>
+          <a:xfrm>
+            <a:off x="381300" y="685800"/>
+            <a:ext cx="6096000" cy="3429000"/>
+          </a:xfrm>
+          <a:custGeom>
+            <a:rect b="b" l="l" r="r" t="t"/>
+            <a:pathLst>
+              <a:path extrusionOk="0" h="120000" w="120000">
+                <a:moveTo>
+                  <a:pt x="0" y="0"/>
+                </a:moveTo>
+                <a:lnTo>
+                  <a:pt x="120000" y="0"/>
+                </a:lnTo>
+                <a:lnTo>
+                  <a:pt x="120000" y="120000"/>
+                </a:lnTo>
+                <a:lnTo>
+                  <a:pt x="0" y="120000"/>
+                </a:lnTo>
+                <a:close/>
+              </a:path>
+            </a:pathLst>
+          </a:custGeom>
+        </p:spPr>
+      </p:sp>
+      <p:sp>
+        <p:nvSpPr>
+          <p:cNvPr id="178" name="Google Shape;178;ge348e76129_0_10:notes"/>
+          <p:cNvSpPr txBox="1"/>
+          <p:nvPr>
+            <p:ph idx="1" type="body"/>
+          </p:nvPr>
+        </p:nvSpPr>
+        <p:spPr>
+          <a:xfrm>
+            <a:off x="685800" y="4343400"/>
+            <a:ext cx="5486400" cy="4114800"/>
+          </a:xfrm>
+          <a:prstGeom prst="rect">
+            <a:avLst/>
+          </a:prstGeom>
+        </p:spPr>
+        <p:txBody>
+          <a:bodyPr anchorCtr="0" anchor="t" bIns="91425" lIns="91425" spcFirstLastPara="1" rIns="91425" wrap="square" tIns="91425">
+            <a:noAutofit/>
+          </a:bodyPr>
+          <a:lstStyle/>
+          <a:p>
+            <a:pPr indent="0" lvl="0" marL="0" rtl="0" algn="l">
+              <a:spcBef>
+                <a:spcPts val="0"/>
+              </a:spcBef>
+              <a:spcAft>
+                <a:spcPts val="0"/>
+              </a:spcAft>
+              <a:buNone/>
+            </a:pPr>
+            <a:r>
+              <a:t/>
+            </a:r>
+            <a:endParaRPr/>
+          </a:p>
+        </p:txBody>
+      </p:sp>
+    </p:spTree>
+  </p:cSld>
+  <p:clrMapOvr>
+    <a:masterClrMapping/>
+  </p:clrMapOvr>
+</p:notes>
+</file>
+
+<file path=ppt/notesSlides/notesSlide14.xml><?xml version="1.0" encoding="utf-8"?>
+<p:notes xmlns:a="http://schemas.openxmlformats.org/drawingml/2006/main" xmlns:r="http://schemas.openxmlformats.org/officeDocument/2006/relationships" xmlns:mc="http://schemas.openxmlformats.org/markup-compatibility/2006" xmlns:mv="urn:schemas-microsoft-com:mac:vml" xmlns:p="http://schemas.openxmlformats.org/presentationml/2006/main" xmlns:c="http://schemas.openxmlformats.org/drawingml/2006/chart" xmlns:dgm="http://schemas.openxmlformats.org/drawingml/2006/diagram" xmlns:o="urn:schemas-microsoft-com:office:office" xmlns:v="urn:schemas-microsoft-com:vml" xmlns:pvml="urn:schemas-microsoft-com:office:powerpoint" xmlns:com="http://schemas.openxmlformats.org/drawingml/2006/compatibility" xmlns:p14="http://schemas.microsoft.com/office/powerpoint/2010/main" xmlns:p15="http://schemas.microsoft.com/office/powerpoint/2012/main" xmlns:ahyp="http://schemas.microsoft.com/office/drawing/2018/hyperlinkcolor" showMasterPhAnim="0" showMasterSp="0">
+  <p:cSld>
+    <p:spTree>
+      <p:nvGrpSpPr>
+        <p:cNvPr id="184" name="Shape 184"/>
+        <p:cNvGrpSpPr/>
+        <p:nvPr/>
+      </p:nvGrpSpPr>
+      <p:grpSpPr>
+        <a:xfrm>
+          <a:off x="0" y="0"/>
+          <a:ext cx="0" cy="0"/>
+          <a:chOff x="0" y="0"/>
+          <a:chExt cx="0" cy="0"/>
+        </a:xfrm>
+      </p:grpSpPr>
+      <p:sp>
+        <p:nvSpPr>
+          <p:cNvPr id="185" name="Google Shape;185;ge348e76129_0_30:notes"/>
+          <p:cNvSpPr/>
+          <p:nvPr>
+            <p:ph idx="2" type="sldImg"/>
+          </p:nvPr>
+        </p:nvSpPr>
+        <p:spPr>
+          <a:xfrm>
+            <a:off x="381300" y="685800"/>
+            <a:ext cx="6096000" cy="3429000"/>
+          </a:xfrm>
+          <a:custGeom>
+            <a:rect b="b" l="l" r="r" t="t"/>
+            <a:pathLst>
+              <a:path extrusionOk="0" h="120000" w="120000">
+                <a:moveTo>
+                  <a:pt x="0" y="0"/>
+                </a:moveTo>
+                <a:lnTo>
+                  <a:pt x="120000" y="0"/>
+                </a:lnTo>
+                <a:lnTo>
+                  <a:pt x="120000" y="120000"/>
+                </a:lnTo>
+                <a:lnTo>
+                  <a:pt x="0" y="120000"/>
+                </a:lnTo>
+                <a:close/>
+              </a:path>
+            </a:pathLst>
+          </a:custGeom>
+        </p:spPr>
+      </p:sp>
+      <p:sp>
+        <p:nvSpPr>
+          <p:cNvPr id="186" name="Google Shape;186;ge348e76129_0_30:notes"/>
+          <p:cNvSpPr txBox="1"/>
+          <p:nvPr>
+            <p:ph idx="1" type="body"/>
+          </p:nvPr>
+        </p:nvSpPr>
+        <p:spPr>
+          <a:xfrm>
+            <a:off x="685800" y="4343400"/>
+            <a:ext cx="5486400" cy="4114800"/>
+          </a:xfrm>
+          <a:prstGeom prst="rect">
+            <a:avLst/>
+          </a:prstGeom>
+        </p:spPr>
+        <p:txBody>
+          <a:bodyPr anchorCtr="0" anchor="t" bIns="91425" lIns="91425" spcFirstLastPara="1" rIns="91425" wrap="square" tIns="91425">
+            <a:noAutofit/>
+          </a:bodyPr>
+          <a:lstStyle/>
+          <a:p>
+            <a:pPr indent="0" lvl="0" marL="0" rtl="0" algn="l">
+              <a:spcBef>
+                <a:spcPts val="0"/>
+              </a:spcBef>
+              <a:spcAft>
+                <a:spcPts val="0"/>
+              </a:spcAft>
+              <a:buNone/>
+            </a:pPr>
+            <a:r>
+              <a:t/>
+            </a:r>
+            <a:endParaRPr/>
+          </a:p>
+        </p:txBody>
+      </p:sp>
+    </p:spTree>
+  </p:cSld>
+  <p:clrMapOvr>
+    <a:masterClrMapping/>
+  </p:clrMapOvr>
+</p:notes>
+</file>
+
+<file path=ppt/notesSlides/notesSlide15.xml><?xml version="1.0" encoding="utf-8"?>
+<p:notes xmlns:a="http://schemas.openxmlformats.org/drawingml/2006/main" xmlns:r="http://schemas.openxmlformats.org/officeDocument/2006/relationships" xmlns:mc="http://schemas.openxmlformats.org/markup-compatibility/2006" xmlns:mv="urn:schemas-microsoft-com:mac:vml" xmlns:p="http://schemas.openxmlformats.org/presentationml/2006/main" xmlns:c="http://schemas.openxmlformats.org/drawingml/2006/chart" xmlns:dgm="http://schemas.openxmlformats.org/drawingml/2006/diagram" xmlns:o="urn:schemas-microsoft-com:office:office" xmlns:v="urn:schemas-microsoft-com:vml" xmlns:pvml="urn:schemas-microsoft-com:office:powerpoint" xmlns:com="http://schemas.openxmlformats.org/drawingml/2006/compatibility" xmlns:p14="http://schemas.microsoft.com/office/powerpoint/2010/main" xmlns:p15="http://schemas.microsoft.com/office/powerpoint/2012/main" xmlns:ahyp="http://schemas.microsoft.com/office/drawing/2018/hyperlinkcolor" showMasterPhAnim="0" showMasterSp="0">
+  <p:cSld>
+    <p:spTree>
+      <p:nvGrpSpPr>
+        <p:cNvPr id="190" name="Shape 190"/>
+        <p:cNvGrpSpPr/>
+        <p:nvPr/>
+      </p:nvGrpSpPr>
+      <p:grpSpPr>
+        <a:xfrm>
+          <a:off x="0" y="0"/>
+          <a:ext cx="0" cy="0"/>
+          <a:chOff x="0" y="0"/>
+          <a:chExt cx="0" cy="0"/>
+        </a:xfrm>
+      </p:grpSpPr>
+      <p:sp>
+        <p:nvSpPr>
+          <p:cNvPr id="191" name="Google Shape;191;ge348e76129_0_25:notes"/>
+          <p:cNvSpPr/>
+          <p:nvPr>
+            <p:ph idx="2" type="sldImg"/>
+          </p:nvPr>
+        </p:nvSpPr>
+        <p:spPr>
+          <a:xfrm>
+            <a:off x="381300" y="685800"/>
+            <a:ext cx="6096000" cy="3429000"/>
+          </a:xfrm>
+          <a:custGeom>
+            <a:rect b="b" l="l" r="r" t="t"/>
+            <a:pathLst>
+              <a:path extrusionOk="0" h="120000" w="120000">
+                <a:moveTo>
+                  <a:pt x="0" y="0"/>
+                </a:moveTo>
+                <a:lnTo>
+                  <a:pt x="120000" y="0"/>
+                </a:lnTo>
+                <a:lnTo>
+                  <a:pt x="120000" y="120000"/>
+                </a:lnTo>
+                <a:lnTo>
+                  <a:pt x="0" y="120000"/>
+                </a:lnTo>
+                <a:close/>
+              </a:path>
+            </a:pathLst>
+          </a:custGeom>
+        </p:spPr>
+      </p:sp>
+      <p:sp>
+        <p:nvSpPr>
+          <p:cNvPr id="192" name="Google Shape;192;ge348e76129_0_25:notes"/>
           <p:cNvSpPr txBox="1"/>
           <p:nvPr>
             <p:ph idx="1" type="body"/>
@@ -1031,7 +1431,7 @@
       </p:grpSpPr>
       <p:sp>
         <p:nvSpPr>
-          <p:cNvPr id="70" name="Google Shape;70;ge348e76129_1_0:notes"/>
+          <p:cNvPr id="70" name="Google Shape;70;ge348e76129_0_40:notes"/>
           <p:cNvSpPr/>
           <p:nvPr>
             <p:ph idx="2" type="sldImg"/>
@@ -1066,7 +1466,7 @@
       </p:sp>
       <p:sp>
         <p:nvSpPr>
-          <p:cNvPr id="71" name="Google Shape;71;ge348e76129_1_0:notes"/>
+          <p:cNvPr id="71" name="Google Shape;71;ge348e76129_0_40:notes"/>
           <p:cNvSpPr txBox="1"/>
           <p:nvPr>
             <p:ph idx="1" type="body"/>
@@ -1130,7 +1530,7 @@
       </p:grpSpPr>
       <p:sp>
         <p:nvSpPr>
-          <p:cNvPr id="76" name="Google Shape;76;ge348e76129_2_0:notes"/>
+          <p:cNvPr id="76" name="Google Shape;76;ge348e76129_0_45:notes"/>
           <p:cNvSpPr/>
           <p:nvPr>
             <p:ph idx="2" type="sldImg"/>
@@ -1165,7 +1565,7 @@
       </p:sp>
       <p:sp>
         <p:nvSpPr>
-          <p:cNvPr id="77" name="Google Shape;77;ge348e76129_2_0:notes"/>
+          <p:cNvPr id="77" name="Google Shape;77;ge348e76129_0_45:notes"/>
           <p:cNvSpPr txBox="1"/>
           <p:nvPr>
             <p:ph idx="1" type="body"/>
@@ -1215,7 +1615,7 @@
   <p:cSld>
     <p:spTree>
       <p:nvGrpSpPr>
-        <p:cNvPr id="81" name="Shape 81"/>
+        <p:cNvPr id="83" name="Shape 83"/>
         <p:cNvGrpSpPr/>
         <p:nvPr/>
       </p:nvGrpSpPr>
@@ -1229,7 +1629,7 @@
       </p:grpSpPr>
       <p:sp>
         <p:nvSpPr>
-          <p:cNvPr id="82" name="Google Shape;82;ge33136a93a_0_63:notes"/>
+          <p:cNvPr id="84" name="Google Shape;84;ge348e76129_1_0:notes"/>
           <p:cNvSpPr/>
           <p:nvPr>
             <p:ph idx="2" type="sldImg"/>
@@ -1264,7 +1664,7 @@
       </p:sp>
       <p:sp>
         <p:nvSpPr>
-          <p:cNvPr id="83" name="Google Shape;83;ge33136a93a_0_63:notes"/>
+          <p:cNvPr id="85" name="Google Shape;85;ge348e76129_1_0:notes"/>
           <p:cNvSpPr txBox="1"/>
           <p:nvPr>
             <p:ph idx="1" type="body"/>
@@ -1314,7 +1714,7 @@
   <p:cSld>
     <p:spTree>
       <p:nvGrpSpPr>
-        <p:cNvPr id="90" name="Shape 90"/>
+        <p:cNvPr id="89" name="Shape 89"/>
         <p:cNvGrpSpPr/>
         <p:nvPr/>
       </p:nvGrpSpPr>
@@ -1328,7 +1728,7 @@
       </p:grpSpPr>
       <p:sp>
         <p:nvSpPr>
-          <p:cNvPr id="91" name="Google Shape;91;ge33136a93a_0_73:notes"/>
+          <p:cNvPr id="90" name="Google Shape;90;ge348e76129_2_0:notes"/>
           <p:cNvSpPr/>
           <p:nvPr>
             <p:ph idx="2" type="sldImg"/>
@@ -1363,7 +1763,7 @@
       </p:sp>
       <p:sp>
         <p:nvSpPr>
-          <p:cNvPr id="92" name="Google Shape;92;ge33136a93a_0_73:notes"/>
+          <p:cNvPr id="91" name="Google Shape;91;ge348e76129_2_0:notes"/>
           <p:cNvSpPr txBox="1"/>
           <p:nvPr>
             <p:ph idx="1" type="body"/>
@@ -1413,7 +1813,7 @@
   <p:cSld>
     <p:spTree>
       <p:nvGrpSpPr>
-        <p:cNvPr id="102" name="Shape 102"/>
+        <p:cNvPr id="95" name="Shape 95"/>
         <p:cNvGrpSpPr/>
         <p:nvPr/>
       </p:nvGrpSpPr>
@@ -1427,7 +1827,7 @@
       </p:grpSpPr>
       <p:sp>
         <p:nvSpPr>
-          <p:cNvPr id="103" name="Google Shape;103;ge33136a93a_0_68:notes"/>
+          <p:cNvPr id="96" name="Google Shape;96;ge33136a93a_0_63:notes"/>
           <p:cNvSpPr/>
           <p:nvPr>
             <p:ph idx="2" type="sldImg"/>
@@ -1462,7 +1862,7 @@
       </p:sp>
       <p:sp>
         <p:nvSpPr>
-          <p:cNvPr id="104" name="Google Shape;104;ge33136a93a_0_68:notes"/>
+          <p:cNvPr id="97" name="Google Shape;97;ge33136a93a_0_63:notes"/>
           <p:cNvSpPr txBox="1"/>
           <p:nvPr>
             <p:ph idx="1" type="body"/>
@@ -1484,16 +1884,28 @@
           <a:lstStyle/>
           <a:p>
             <a:pPr indent="0" lvl="0" marL="0" rtl="0" algn="l">
-              <a:spcBef>
-                <a:spcPts val="0"/>
-              </a:spcBef>
-              <a:spcAft>
-                <a:spcPts val="0"/>
-              </a:spcAft>
-              <a:buNone/>
-            </a:pPr>
-            <a:r>
-              <a:t/>
+              <a:lnSpc>
+                <a:spcPct val="115000"/>
+              </a:lnSpc>
+              <a:spcBef>
+                <a:spcPts val="0"/>
+              </a:spcBef>
+              <a:spcAft>
+                <a:spcPts val="1200"/>
+              </a:spcAft>
+              <a:buNone/>
+            </a:pPr>
+            <a:r>
+              <a:rPr lang="en" sz="1500">
+                <a:solidFill>
+                  <a:srgbClr val="737373"/>
+                </a:solidFill>
+                <a:latin typeface="Roboto"/>
+                <a:ea typeface="Roboto"/>
+                <a:cs typeface="Roboto"/>
+                <a:sym typeface="Roboto"/>
+              </a:rPr>
+              <a:t>In reality, there can be an infinite number of weights for these nodes.</a:t>
             </a:r>
             <a:endParaRPr/>
           </a:p>
@@ -1512,7 +1924,7 @@
   <p:cSld>
     <p:spTree>
       <p:nvGrpSpPr>
-        <p:cNvPr id="129" name="Shape 129"/>
+        <p:cNvPr id="104" name="Shape 104"/>
         <p:cNvGrpSpPr/>
         <p:nvPr/>
       </p:nvGrpSpPr>
@@ -1526,7 +1938,7 @@
       </p:grpSpPr>
       <p:sp>
         <p:nvSpPr>
-          <p:cNvPr id="130" name="Google Shape;130;ge33136a93a_0_78:notes"/>
+          <p:cNvPr id="105" name="Google Shape;105;ge33136a93a_0_73:notes"/>
           <p:cNvSpPr/>
           <p:nvPr>
             <p:ph idx="2" type="sldImg"/>
@@ -1561,7 +1973,7 @@
       </p:sp>
       <p:sp>
         <p:nvSpPr>
-          <p:cNvPr id="131" name="Google Shape;131;ge33136a93a_0_78:notes"/>
+          <p:cNvPr id="106" name="Google Shape;106;ge33136a93a_0_73:notes"/>
           <p:cNvSpPr txBox="1"/>
           <p:nvPr>
             <p:ph idx="1" type="body"/>
@@ -1611,7 +2023,7 @@
   <p:cSld>
     <p:spTree>
       <p:nvGrpSpPr>
-        <p:cNvPr id="138" name="Shape 138"/>
+        <p:cNvPr id="116" name="Shape 116"/>
         <p:cNvGrpSpPr/>
         <p:nvPr/>
       </p:nvGrpSpPr>
@@ -1625,7 +2037,7 @@
       </p:grpSpPr>
       <p:sp>
         <p:nvSpPr>
-          <p:cNvPr id="139" name="Google Shape;139;ge348e76129_0_0:notes"/>
+          <p:cNvPr id="117" name="Google Shape;117;ge34ebfe344_0_0:notes"/>
           <p:cNvSpPr/>
           <p:nvPr>
             <p:ph idx="2" type="sldImg"/>
@@ -1660,7 +2072,7 @@
       </p:sp>
       <p:sp>
         <p:nvSpPr>
-          <p:cNvPr id="140" name="Google Shape;140;ge348e76129_0_0:notes"/>
+          <p:cNvPr id="118" name="Google Shape;118;ge34ebfe344_0_0:notes"/>
           <p:cNvSpPr txBox="1"/>
           <p:nvPr>
             <p:ph idx="1" type="body"/>
@@ -1710,7 +2122,7 @@
   <p:cSld>
     <p:spTree>
       <p:nvGrpSpPr>
-        <p:cNvPr id="148" name="Shape 148"/>
+        <p:cNvPr id="122" name="Shape 122"/>
         <p:cNvGrpSpPr/>
         <p:nvPr/>
       </p:nvGrpSpPr>
@@ -1724,7 +2136,7 @@
       </p:grpSpPr>
       <p:sp>
         <p:nvSpPr>
-          <p:cNvPr id="149" name="Google Shape;149;ge348e76129_0_5:notes"/>
+          <p:cNvPr id="123" name="Google Shape;123;ge33136a93a_0_68:notes"/>
           <p:cNvSpPr/>
           <p:nvPr>
             <p:ph idx="2" type="sldImg"/>
@@ -1759,7 +2171,7 @@
       </p:sp>
       <p:sp>
         <p:nvSpPr>
-          <p:cNvPr id="150" name="Google Shape;150;ge348e76129_0_5:notes"/>
+          <p:cNvPr id="124" name="Google Shape;124;ge33136a93a_0_68:notes"/>
           <p:cNvSpPr txBox="1"/>
           <p:nvPr>
             <p:ph idx="1" type="body"/>
@@ -1781,16 +2193,33 @@
           <a:lstStyle/>
           <a:p>
             <a:pPr indent="0" lvl="0" marL="0" rtl="0" algn="l">
-              <a:spcBef>
-                <a:spcPts val="0"/>
-              </a:spcBef>
-              <a:spcAft>
-                <a:spcPts val="0"/>
-              </a:spcAft>
-              <a:buNone/>
-            </a:pPr>
-            <a:r>
-              <a:t/>
+              <a:lnSpc>
+                <a:spcPct val="115000"/>
+              </a:lnSpc>
+              <a:spcBef>
+                <a:spcPts val="0"/>
+              </a:spcBef>
+              <a:spcAft>
+                <a:spcPts val="1200"/>
+              </a:spcAft>
+              <a:buClr>
+                <a:schemeClr val="dk1"/>
+              </a:buClr>
+              <a:buSzPts val="1100"/>
+              <a:buFont typeface="Arial"/>
+              <a:buNone/>
+            </a:pPr>
+            <a:r>
+              <a:rPr lang="en" sz="1350">
+                <a:solidFill>
+                  <a:srgbClr val="737373"/>
+                </a:solidFill>
+                <a:latin typeface="Roboto"/>
+                <a:ea typeface="Roboto"/>
+                <a:cs typeface="Roboto"/>
+                <a:sym typeface="Roboto"/>
+              </a:rPr>
+              <a:t>First, we had to choose how we were going to visualize the KL algorithm. We could’ve used a game engine such as Unity or Unreal. Since the the nodes and weights were just simple lines and circles, the HTML and Javascript canvas was perfect.</a:t>
             </a:r>
             <a:endParaRPr/>
           </a:p>
@@ -7816,7 +8245,7 @@
   <p:cSld>
     <p:spTree>
       <p:nvGrpSpPr>
-        <p:cNvPr id="159" name="Shape 159"/>
+        <p:cNvPr id="152" name="Shape 152"/>
         <p:cNvGrpSpPr/>
         <p:nvPr/>
       </p:nvGrpSpPr>
@@ -7830,7 +8259,7 @@
       </p:grpSpPr>
       <p:sp>
         <p:nvSpPr>
-          <p:cNvPr id="160" name="Google Shape;160;p22"/>
+          <p:cNvPr id="153" name="Google Shape;153;p22"/>
           <p:cNvSpPr txBox="1"/>
           <p:nvPr>
             <p:ph type="title"/>
@@ -7862,7 +8291,7 @@
             </a:pPr>
             <a:r>
               <a:rPr lang="en"/>
-              <a:t>Quadrature Mincut: Wirelength</a:t>
+              <a:t>Visualization</a:t>
             </a:r>
             <a:endParaRPr/>
           </a:p>
@@ -7870,7 +8299,7 @@
       </p:sp>
       <p:sp>
         <p:nvSpPr>
-          <p:cNvPr id="161" name="Google Shape;161;p22"/>
+          <p:cNvPr id="154" name="Google Shape;154;p22"/>
           <p:cNvSpPr txBox="1"/>
           <p:nvPr>
             <p:ph idx="1" type="body"/>
@@ -7878,8 +8307,8 @@
         </p:nvSpPr>
         <p:spPr>
           <a:xfrm>
-            <a:off x="471900" y="1919075"/>
-            <a:ext cx="4100100" cy="2710200"/>
+            <a:off x="3723600" y="1844925"/>
+            <a:ext cx="1718700" cy="552900"/>
           </a:xfrm>
           <a:prstGeom prst="rect">
             <a:avLst/>
@@ -7891,82 +8320,43 @@
           </a:bodyPr>
           <a:lstStyle/>
           <a:p>
-            <a:pPr indent="0" lvl="0" marL="0" rtl="0" algn="l">
-              <a:spcBef>
-                <a:spcPts val="0"/>
-              </a:spcBef>
-              <a:spcAft>
-                <a:spcPts val="0"/>
-              </a:spcAft>
-              <a:buNone/>
-            </a:pPr>
-            <a:r>
-              <a:rPr lang="en"/>
-              <a:t>2. Calculating Wirelength</a:t>
-            </a:r>
-            <a:endParaRPr/>
-          </a:p>
-          <a:p>
-            <a:pPr indent="-317500" lvl="0" marL="457200" rtl="0" algn="l">
-              <a:spcBef>
+            <a:pPr indent="0" lvl="0" marL="0" rtl="0" algn="ctr">
+              <a:spcBef>
+                <a:spcPts val="0"/>
+              </a:spcBef>
+              <a:spcAft>
                 <a:spcPts val="1200"/>
-              </a:spcBef>
-              <a:spcAft>
-                <a:spcPts val="0"/>
-              </a:spcAft>
-              <a:buSzPts val="1400"/>
-              <a:buChar char="●"/>
-            </a:pPr>
-            <a:r>
-              <a:rPr lang="en" sz="1400"/>
-              <a:t>A bounding box is drawn around coordinates in a clique netlist</a:t>
-            </a:r>
-            <a:endParaRPr sz="1400"/>
-          </a:p>
-          <a:p>
-            <a:pPr indent="-317500" lvl="0" marL="457200" rtl="0" algn="l">
-              <a:spcBef>
-                <a:spcPts val="0"/>
-              </a:spcBef>
-              <a:spcAft>
-                <a:spcPts val="0"/>
-              </a:spcAft>
-              <a:buSzPts val="1400"/>
-              <a:buChar char="●"/>
-            </a:pPr>
-            <a:r>
-              <a:rPr lang="en" sz="1400"/>
-              <a:t>The half-perimeter of the bounding box is calculated</a:t>
-            </a:r>
-            <a:endParaRPr sz="1400"/>
-          </a:p>
-          <a:p>
-            <a:pPr indent="-317500" lvl="0" marL="457200" rtl="0" algn="l">
-              <a:spcBef>
-                <a:spcPts val="0"/>
-              </a:spcBef>
-              <a:spcAft>
-                <a:spcPts val="0"/>
-              </a:spcAft>
-              <a:buSzPts val="1400"/>
-              <a:buChar char="●"/>
-            </a:pPr>
-            <a:r>
-              <a:rPr lang="en" sz="1400"/>
-              <a:t>Wirelength cost equals all the half-perimeters of all clique netlist bounding boxes in a graph</a:t>
-            </a:r>
-            <a:endParaRPr sz="1400"/>
+              </a:spcAft>
+              <a:buNone/>
+            </a:pPr>
+            <a:r>
+              <a:rPr b="1" lang="en">
+                <a:latin typeface="Caveat"/>
+                <a:ea typeface="Caveat"/>
+                <a:cs typeface="Caveat"/>
+                <a:sym typeface="Caveat"/>
+              </a:rPr>
+              <a:t>Click Me!</a:t>
+            </a:r>
+            <a:endParaRPr b="1">
+              <a:latin typeface="Caveat"/>
+              <a:ea typeface="Caveat"/>
+              <a:cs typeface="Caveat"/>
+              <a:sym typeface="Caveat"/>
+            </a:endParaRPr>
           </a:p>
         </p:txBody>
       </p:sp>
       <p:pic>
         <p:nvPicPr>
-          <p:cNvPr id="162" name="Google Shape;162;p22"/>
+          <p:cNvPr id="155" name="Google Shape;155;p22">
+            <a:hlinkClick r:id="rId3"/>
+          </p:cNvPr>
           <p:cNvPicPr preferRelativeResize="0"/>
           <p:nvPr/>
         </p:nvPicPr>
         <p:blipFill>
-          <a:blip r:embed="rId3">
+          <a:blip r:embed="rId4">
             <a:alphaModFix/>
           </a:blip>
           <a:stretch>
@@ -7975,8 +8365,8 @@
         </p:blipFill>
         <p:spPr>
           <a:xfrm>
-            <a:off x="5832525" y="1919075"/>
-            <a:ext cx="2368100" cy="2741400"/>
+            <a:off x="3479986" y="2397825"/>
+            <a:ext cx="2205950" cy="2470650"/>
           </a:xfrm>
           <a:prstGeom prst="rect">
             <a:avLst/>
@@ -7989,26 +8379,37 @@
       </p:pic>
       <p:sp>
         <p:nvSpPr>
-          <p:cNvPr id="163" name="Google Shape;163;p22"/>
-          <p:cNvSpPr txBox="1"/>
+          <p:cNvPr id="156" name="Google Shape;156;p22"/>
+          <p:cNvSpPr/>
           <p:nvPr/>
         </p:nvSpPr>
         <p:spPr>
           <a:xfrm>
-            <a:off x="5832525" y="4660475"/>
-            <a:ext cx="2368200" cy="554100"/>
-          </a:xfrm>
-          <a:prstGeom prst="rect">
-            <a:avLst/>
+            <a:off x="688275" y="3026900"/>
+            <a:ext cx="2294100" cy="518100"/>
+          </a:xfrm>
+          <a:prstGeom prst="rightArrow">
+            <a:avLst>
+              <a:gd fmla="val 50000" name="adj1"/>
+              <a:gd fmla="val 50000" name="adj2"/>
+            </a:avLst>
           </a:prstGeom>
-          <a:noFill/>
-          <a:ln>
-            <a:noFill/>
+          <a:solidFill>
+            <a:schemeClr val="lt2"/>
+          </a:solidFill>
+          <a:ln cap="flat" cmpd="sng" w="9525">
+            <a:solidFill>
+              <a:schemeClr val="dk2"/>
+            </a:solidFill>
+            <a:prstDash val="solid"/>
+            <a:round/>
+            <a:headEnd len="sm" w="sm" type="none"/>
+            <a:tailEnd len="sm" w="sm" type="none"/>
           </a:ln>
         </p:spPr>
         <p:txBody>
-          <a:bodyPr anchorCtr="0" anchor="t" bIns="91425" lIns="91425" spcFirstLastPara="1" rIns="91425" wrap="square" tIns="91425">
-            <a:spAutoFit/>
+          <a:bodyPr anchorCtr="0" anchor="ctr" bIns="91425" lIns="91425" spcFirstLastPara="1" rIns="91425" wrap="square" tIns="91425">
+            <a:noAutofit/>
           </a:bodyPr>
           <a:lstStyle/>
           <a:p>
@@ -8022,26 +8423,61 @@
               <a:buNone/>
             </a:pPr>
             <a:r>
-              <a:rPr lang="en" sz="800">
-                <a:solidFill>
-                  <a:schemeClr val="lt2"/>
-                </a:solidFill>
-                <a:latin typeface="Roboto"/>
-                <a:ea typeface="Roboto"/>
-                <a:cs typeface="Roboto"/>
-                <a:sym typeface="Roboto"/>
-              </a:rPr>
-              <a:t>Image Credit: Northwestern University (http://users.eecs.northwestern.edu/~haizhou/357/lec4.pdf)</a:t>
-            </a:r>
-            <a:endParaRPr sz="800">
-              <a:solidFill>
-                <a:schemeClr val="lt2"/>
-              </a:solidFill>
-              <a:latin typeface="Roboto"/>
-              <a:ea typeface="Roboto"/>
-              <a:cs typeface="Roboto"/>
-              <a:sym typeface="Roboto"/>
-            </a:endParaRPr>
+              <a:t/>
+            </a:r>
+            <a:endParaRPr/>
+          </a:p>
+        </p:txBody>
+      </p:sp>
+      <p:sp>
+        <p:nvSpPr>
+          <p:cNvPr id="157" name="Google Shape;157;p22"/>
+          <p:cNvSpPr/>
+          <p:nvPr/>
+        </p:nvSpPr>
+        <p:spPr>
+          <a:xfrm rot="10800000">
+            <a:off x="6183550" y="3026900"/>
+            <a:ext cx="2294100" cy="518100"/>
+          </a:xfrm>
+          <a:prstGeom prst="rightArrow">
+            <a:avLst>
+              <a:gd fmla="val 50000" name="adj1"/>
+              <a:gd fmla="val 50000" name="adj2"/>
+            </a:avLst>
+          </a:prstGeom>
+          <a:solidFill>
+            <a:schemeClr val="lt2"/>
+          </a:solidFill>
+          <a:ln cap="flat" cmpd="sng" w="9525">
+            <a:solidFill>
+              <a:schemeClr val="dk2"/>
+            </a:solidFill>
+            <a:prstDash val="solid"/>
+            <a:round/>
+            <a:headEnd len="sm" w="sm" type="none"/>
+            <a:tailEnd len="sm" w="sm" type="none"/>
+          </a:ln>
+        </p:spPr>
+        <p:txBody>
+          <a:bodyPr anchorCtr="0" anchor="ctr" bIns="91425" lIns="91425" spcFirstLastPara="1" rIns="91425" wrap="square" tIns="91425">
+            <a:noAutofit/>
+          </a:bodyPr>
+          <a:lstStyle/>
+          <a:p>
+            <a:pPr indent="0" lvl="0" marL="0" rtl="0" algn="l">
+              <a:spcBef>
+                <a:spcPts val="0"/>
+              </a:spcBef>
+              <a:spcAft>
+                <a:spcPts val="0"/>
+              </a:spcAft>
+              <a:buNone/>
+            </a:pPr>
+            <a:r>
+              <a:t/>
+            </a:r>
+            <a:endParaRPr/>
           </a:p>
         </p:txBody>
       </p:sp>
@@ -8058,7 +8494,7 @@
   <p:cSld>
     <p:spTree>
       <p:nvGrpSpPr>
-        <p:cNvPr id="167" name="Shape 167"/>
+        <p:cNvPr id="161" name="Shape 161"/>
         <p:cNvGrpSpPr/>
         <p:nvPr/>
       </p:nvGrpSpPr>
@@ -8072,7 +8508,1019 @@
       </p:grpSpPr>
       <p:sp>
         <p:nvSpPr>
-          <p:cNvPr id="168" name="Google Shape;168;p23"/>
+          <p:cNvPr id="162" name="Google Shape;162;p23"/>
+          <p:cNvSpPr txBox="1"/>
+          <p:nvPr>
+            <p:ph type="title"/>
+          </p:nvPr>
+        </p:nvSpPr>
+        <p:spPr>
+          <a:xfrm>
+            <a:off x="471900" y="738725"/>
+            <a:ext cx="8222100" cy="767700"/>
+          </a:xfrm>
+          <a:prstGeom prst="rect">
+            <a:avLst/>
+          </a:prstGeom>
+        </p:spPr>
+        <p:txBody>
+          <a:bodyPr anchorCtr="0" anchor="b" bIns="91425" lIns="91425" spcFirstLastPara="1" rIns="91425" wrap="square" tIns="91425">
+            <a:normAutofit/>
+          </a:bodyPr>
+          <a:lstStyle/>
+          <a:p>
+            <a:pPr indent="0" lvl="0" marL="0" rtl="0" algn="l">
+              <a:spcBef>
+                <a:spcPts val="0"/>
+              </a:spcBef>
+              <a:spcAft>
+                <a:spcPts val="0"/>
+              </a:spcAft>
+              <a:buNone/>
+            </a:pPr>
+            <a:r>
+              <a:rPr lang="en"/>
+              <a:t>Quadrature Mincut: High Level Overview</a:t>
+            </a:r>
+            <a:endParaRPr/>
+          </a:p>
+        </p:txBody>
+      </p:sp>
+      <p:sp>
+        <p:nvSpPr>
+          <p:cNvPr id="163" name="Google Shape;163;p23"/>
+          <p:cNvSpPr txBox="1"/>
+          <p:nvPr>
+            <p:ph idx="1" type="body"/>
+          </p:nvPr>
+        </p:nvSpPr>
+        <p:spPr>
+          <a:xfrm>
+            <a:off x="471900" y="1919075"/>
+            <a:ext cx="4100100" cy="3007200"/>
+          </a:xfrm>
+          <a:prstGeom prst="rect">
+            <a:avLst/>
+          </a:prstGeom>
+        </p:spPr>
+        <p:txBody>
+          <a:bodyPr anchorCtr="0" anchor="t" bIns="91425" lIns="91425" spcFirstLastPara="1" rIns="91425" wrap="square" tIns="91425">
+            <a:normAutofit fontScale="92500" lnSpcReduction="10000"/>
+          </a:bodyPr>
+          <a:lstStyle/>
+          <a:p>
+            <a:pPr indent="-334327" lvl="0" marL="457200" rtl="0" algn="l">
+              <a:spcBef>
+                <a:spcPts val="0"/>
+              </a:spcBef>
+              <a:spcAft>
+                <a:spcPts val="0"/>
+              </a:spcAft>
+              <a:buSzPct val="100000"/>
+              <a:buChar char="●"/>
+            </a:pPr>
+            <a:r>
+              <a:rPr lang="en"/>
+              <a:t>Goal is to find a placement for each node (representing logic gates) while minimizing wirelength</a:t>
+            </a:r>
+            <a:endParaRPr/>
+          </a:p>
+          <a:p>
+            <a:pPr indent="-334327" lvl="0" marL="457200" rtl="0" algn="l">
+              <a:spcBef>
+                <a:spcPts val="0"/>
+              </a:spcBef>
+              <a:spcAft>
+                <a:spcPts val="0"/>
+              </a:spcAft>
+              <a:buSzPct val="100000"/>
+              <a:buChar char="●"/>
+            </a:pPr>
+            <a:r>
+              <a:rPr lang="en"/>
+              <a:t>Alternate between horizontal and vertical cuts to create smaller and smaller quadrants</a:t>
+            </a:r>
+            <a:endParaRPr/>
+          </a:p>
+          <a:p>
+            <a:pPr indent="-334327" lvl="0" marL="457200" rtl="0" algn="l">
+              <a:spcBef>
+                <a:spcPts val="0"/>
+              </a:spcBef>
+              <a:spcAft>
+                <a:spcPts val="0"/>
+              </a:spcAft>
+              <a:buSzPct val="100000"/>
+              <a:buChar char="●"/>
+            </a:pPr>
+            <a:r>
+              <a:rPr lang="en"/>
+              <a:t>The Kernighan-Lin (KL) algorithm, or some other partitioning algorithm, runs each time a cut is made to minimize the cut size</a:t>
+            </a:r>
+            <a:endParaRPr/>
+          </a:p>
+        </p:txBody>
+      </p:sp>
+      <p:pic>
+        <p:nvPicPr>
+          <p:cNvPr id="164" name="Google Shape;164;p23"/>
+          <p:cNvPicPr preferRelativeResize="0"/>
+          <p:nvPr/>
+        </p:nvPicPr>
+        <p:blipFill>
+          <a:blip r:embed="rId3">
+            <a:alphaModFix/>
+          </a:blip>
+          <a:stretch>
+            <a:fillRect/>
+          </a:stretch>
+        </p:blipFill>
+        <p:spPr>
+          <a:xfrm>
+            <a:off x="4695425" y="1850863"/>
+            <a:ext cx="2481325" cy="1503050"/>
+          </a:xfrm>
+          <a:prstGeom prst="rect">
+            <a:avLst/>
+          </a:prstGeom>
+          <a:noFill/>
+          <a:ln>
+            <a:noFill/>
+          </a:ln>
+        </p:spPr>
+      </p:pic>
+      <p:pic>
+        <p:nvPicPr>
+          <p:cNvPr id="165" name="Google Shape;165;p23"/>
+          <p:cNvPicPr preferRelativeResize="0"/>
+          <p:nvPr/>
+        </p:nvPicPr>
+        <p:blipFill>
+          <a:blip r:embed="rId4">
+            <a:alphaModFix/>
+          </a:blip>
+          <a:stretch>
+            <a:fillRect/>
+          </a:stretch>
+        </p:blipFill>
+        <p:spPr>
+          <a:xfrm>
+            <a:off x="4995363" y="3466675"/>
+            <a:ext cx="1881454" cy="1676825"/>
+          </a:xfrm>
+          <a:prstGeom prst="rect">
+            <a:avLst/>
+          </a:prstGeom>
+          <a:noFill/>
+          <a:ln>
+            <a:noFill/>
+          </a:ln>
+        </p:spPr>
+      </p:pic>
+      <p:sp>
+        <p:nvSpPr>
+          <p:cNvPr id="166" name="Google Shape;166;p23"/>
+          <p:cNvSpPr txBox="1"/>
+          <p:nvPr/>
+        </p:nvSpPr>
+        <p:spPr>
+          <a:xfrm>
+            <a:off x="7491200" y="2287050"/>
+            <a:ext cx="1164000" cy="569400"/>
+          </a:xfrm>
+          <a:prstGeom prst="rect">
+            <a:avLst/>
+          </a:prstGeom>
+          <a:noFill/>
+          <a:ln>
+            <a:noFill/>
+          </a:ln>
+        </p:spPr>
+        <p:txBody>
+          <a:bodyPr anchorCtr="0" anchor="t" bIns="91425" lIns="91425" spcFirstLastPara="1" rIns="91425" wrap="square" tIns="91425">
+            <a:spAutoFit/>
+          </a:bodyPr>
+          <a:lstStyle/>
+          <a:p>
+            <a:pPr indent="0" lvl="0" marL="0" rtl="0" algn="l">
+              <a:spcBef>
+                <a:spcPts val="0"/>
+              </a:spcBef>
+              <a:spcAft>
+                <a:spcPts val="0"/>
+              </a:spcAft>
+              <a:buNone/>
+            </a:pPr>
+            <a:r>
+              <a:rPr lang="en" sz="2500">
+                <a:latin typeface="Roboto"/>
+                <a:ea typeface="Roboto"/>
+                <a:cs typeface="Roboto"/>
+                <a:sym typeface="Roboto"/>
+              </a:rPr>
+              <a:t>Before</a:t>
+            </a:r>
+            <a:endParaRPr sz="2500">
+              <a:latin typeface="Roboto"/>
+              <a:ea typeface="Roboto"/>
+              <a:cs typeface="Roboto"/>
+              <a:sym typeface="Roboto"/>
+            </a:endParaRPr>
+          </a:p>
+        </p:txBody>
+      </p:sp>
+      <p:sp>
+        <p:nvSpPr>
+          <p:cNvPr id="167" name="Google Shape;167;p23"/>
+          <p:cNvSpPr txBox="1"/>
+          <p:nvPr/>
+        </p:nvSpPr>
+        <p:spPr>
+          <a:xfrm>
+            <a:off x="7597992" y="4020388"/>
+            <a:ext cx="950400" cy="569400"/>
+          </a:xfrm>
+          <a:prstGeom prst="rect">
+            <a:avLst/>
+          </a:prstGeom>
+          <a:noFill/>
+          <a:ln>
+            <a:noFill/>
+          </a:ln>
+        </p:spPr>
+        <p:txBody>
+          <a:bodyPr anchorCtr="0" anchor="t" bIns="91425" lIns="91425" spcFirstLastPara="1" rIns="91425" wrap="square" tIns="91425">
+            <a:spAutoFit/>
+          </a:bodyPr>
+          <a:lstStyle/>
+          <a:p>
+            <a:pPr indent="0" lvl="0" marL="0" rtl="0" algn="l">
+              <a:spcBef>
+                <a:spcPts val="0"/>
+              </a:spcBef>
+              <a:spcAft>
+                <a:spcPts val="0"/>
+              </a:spcAft>
+              <a:buNone/>
+            </a:pPr>
+            <a:r>
+              <a:rPr lang="en" sz="2500">
+                <a:latin typeface="Roboto"/>
+                <a:ea typeface="Roboto"/>
+                <a:cs typeface="Roboto"/>
+                <a:sym typeface="Roboto"/>
+              </a:rPr>
+              <a:t>After</a:t>
+            </a:r>
+            <a:endParaRPr sz="2500">
+              <a:latin typeface="Roboto"/>
+              <a:ea typeface="Roboto"/>
+              <a:cs typeface="Roboto"/>
+              <a:sym typeface="Roboto"/>
+            </a:endParaRPr>
+          </a:p>
+        </p:txBody>
+      </p:sp>
+    </p:spTree>
+  </p:cSld>
+  <p:clrMapOvr>
+    <a:masterClrMapping/>
+  </p:clrMapOvr>
+</p:sld>
+</file>
+
+<file path=ppt/slides/slide12.xml><?xml version="1.0" encoding="utf-8"?>
+<p:sld xmlns:a="http://schemas.openxmlformats.org/drawingml/2006/main" xmlns:r="http://schemas.openxmlformats.org/officeDocument/2006/relationships" xmlns:mc="http://schemas.openxmlformats.org/markup-compatibility/2006" xmlns:mv="urn:schemas-microsoft-com:mac:vml" xmlns:p="http://schemas.openxmlformats.org/presentationml/2006/main" xmlns:c="http://schemas.openxmlformats.org/drawingml/2006/chart" xmlns:dgm="http://schemas.openxmlformats.org/drawingml/2006/diagram" xmlns:o="urn:schemas-microsoft-com:office:office" xmlns:v="urn:schemas-microsoft-com:vml" xmlns:pvml="urn:schemas-microsoft-com:office:powerpoint" xmlns:com="http://schemas.openxmlformats.org/drawingml/2006/compatibility" xmlns:p14="http://schemas.microsoft.com/office/powerpoint/2010/main" xmlns:p15="http://schemas.microsoft.com/office/powerpoint/2012/main" xmlns:ahyp="http://schemas.microsoft.com/office/drawing/2018/hyperlinkcolor">
+  <p:cSld>
+    <p:spTree>
+      <p:nvGrpSpPr>
+        <p:cNvPr id="171" name="Shape 171"/>
+        <p:cNvGrpSpPr/>
+        <p:nvPr/>
+      </p:nvGrpSpPr>
+      <p:grpSpPr>
+        <a:xfrm>
+          <a:off x="0" y="0"/>
+          <a:ext cx="0" cy="0"/>
+          <a:chOff x="0" y="0"/>
+          <a:chExt cx="0" cy="0"/>
+        </a:xfrm>
+      </p:grpSpPr>
+      <p:sp>
+        <p:nvSpPr>
+          <p:cNvPr id="172" name="Google Shape;172;p24"/>
+          <p:cNvSpPr txBox="1"/>
+          <p:nvPr>
+            <p:ph type="title"/>
+          </p:nvPr>
+        </p:nvSpPr>
+        <p:spPr>
+          <a:xfrm>
+            <a:off x="471900" y="738725"/>
+            <a:ext cx="8222100" cy="767700"/>
+          </a:xfrm>
+          <a:prstGeom prst="rect">
+            <a:avLst/>
+          </a:prstGeom>
+        </p:spPr>
+        <p:txBody>
+          <a:bodyPr anchorCtr="0" anchor="b" bIns="91425" lIns="91425" spcFirstLastPara="1" rIns="91425" wrap="square" tIns="91425">
+            <a:normAutofit/>
+          </a:bodyPr>
+          <a:lstStyle/>
+          <a:p>
+            <a:pPr indent="0" lvl="0" marL="0" rtl="0" algn="l">
+              <a:spcBef>
+                <a:spcPts val="0"/>
+              </a:spcBef>
+              <a:spcAft>
+                <a:spcPts val="0"/>
+              </a:spcAft>
+              <a:buNone/>
+            </a:pPr>
+            <a:r>
+              <a:rPr lang="en"/>
+              <a:t>Quadrature Mincut: Recursion</a:t>
+            </a:r>
+            <a:endParaRPr/>
+          </a:p>
+        </p:txBody>
+      </p:sp>
+      <p:sp>
+        <p:nvSpPr>
+          <p:cNvPr id="173" name="Google Shape;173;p24"/>
+          <p:cNvSpPr txBox="1"/>
+          <p:nvPr>
+            <p:ph idx="1" type="body"/>
+          </p:nvPr>
+        </p:nvSpPr>
+        <p:spPr>
+          <a:xfrm>
+            <a:off x="471900" y="1919075"/>
+            <a:ext cx="4100100" cy="2710200"/>
+          </a:xfrm>
+          <a:prstGeom prst="rect">
+            <a:avLst/>
+          </a:prstGeom>
+        </p:spPr>
+        <p:txBody>
+          <a:bodyPr anchorCtr="0" anchor="t" bIns="91425" lIns="91425" spcFirstLastPara="1" rIns="91425" wrap="square" tIns="91425">
+            <a:normAutofit lnSpcReduction="20000"/>
+          </a:bodyPr>
+          <a:lstStyle/>
+          <a:p>
+            <a:pPr indent="0" lvl="0" marL="0" rtl="0" algn="l">
+              <a:spcBef>
+                <a:spcPts val="0"/>
+              </a:spcBef>
+              <a:spcAft>
+                <a:spcPts val="0"/>
+              </a:spcAft>
+              <a:buNone/>
+            </a:pPr>
+            <a:r>
+              <a:rPr lang="en"/>
+              <a:t>1. Recursion</a:t>
+            </a:r>
+            <a:endParaRPr/>
+          </a:p>
+          <a:p>
+            <a:pPr indent="-317500" lvl="0" marL="457200" rtl="0" algn="l">
+              <a:spcBef>
+                <a:spcPts val="1200"/>
+              </a:spcBef>
+              <a:spcAft>
+                <a:spcPts val="0"/>
+              </a:spcAft>
+              <a:buSzPts val="1400"/>
+              <a:buChar char="●"/>
+            </a:pPr>
+            <a:r>
+              <a:rPr lang="en" sz="1400"/>
+              <a:t>KL runs recursively, repeatedly running with each new grouping that is made</a:t>
+            </a:r>
+            <a:endParaRPr sz="1400"/>
+          </a:p>
+          <a:p>
+            <a:pPr indent="-317500" lvl="0" marL="457200" rtl="0" algn="l">
+              <a:spcBef>
+                <a:spcPts val="0"/>
+              </a:spcBef>
+              <a:spcAft>
+                <a:spcPts val="0"/>
+              </a:spcAft>
+              <a:buSzPts val="1400"/>
+              <a:buChar char="●"/>
+            </a:pPr>
+            <a:r>
+              <a:rPr lang="en" sz="1400"/>
+              <a:t>Lowest cutsize is found by running through the entire KL process until all nodes are locked, but the best cut size and best pair is saved in a variable and returned</a:t>
+            </a:r>
+            <a:endParaRPr sz="1400"/>
+          </a:p>
+          <a:p>
+            <a:pPr indent="-317500" lvl="0" marL="457200" rtl="0" algn="l">
+              <a:spcBef>
+                <a:spcPts val="0"/>
+              </a:spcBef>
+              <a:spcAft>
+                <a:spcPts val="0"/>
+              </a:spcAft>
+              <a:buSzPts val="1400"/>
+              <a:buChar char="●"/>
+            </a:pPr>
+            <a:r>
+              <a:rPr lang="en" sz="1400"/>
+              <a:t>KL runs until each node is allocated one quadrant via Mincut</a:t>
+            </a:r>
+            <a:endParaRPr sz="1400"/>
+          </a:p>
+          <a:p>
+            <a:pPr indent="-317500" lvl="0" marL="457200" rtl="0" algn="l">
+              <a:spcBef>
+                <a:spcPts val="0"/>
+              </a:spcBef>
+              <a:spcAft>
+                <a:spcPts val="0"/>
+              </a:spcAft>
+              <a:buSzPts val="1400"/>
+              <a:buChar char="●"/>
+            </a:pPr>
+            <a:r>
+              <a:rPr lang="en" sz="1400"/>
+              <a:t>Coordinates are set for each grouping</a:t>
+            </a:r>
+            <a:endParaRPr sz="1400"/>
+          </a:p>
+        </p:txBody>
+      </p:sp>
+      <p:sp>
+        <p:nvSpPr>
+          <p:cNvPr id="174" name="Google Shape;174;p24"/>
+          <p:cNvSpPr txBox="1"/>
+          <p:nvPr>
+            <p:ph idx="1" type="body"/>
+          </p:nvPr>
+        </p:nvSpPr>
+        <p:spPr>
+          <a:xfrm>
+            <a:off x="4739100" y="1807450"/>
+            <a:ext cx="4100100" cy="1782600"/>
+          </a:xfrm>
+          <a:prstGeom prst="rect">
+            <a:avLst/>
+          </a:prstGeom>
+        </p:spPr>
+        <p:txBody>
+          <a:bodyPr anchorCtr="0" anchor="t" bIns="91425" lIns="91425" spcFirstLastPara="1" rIns="91425" wrap="square" tIns="91425">
+            <a:normAutofit lnSpcReduction="10000"/>
+          </a:bodyPr>
+          <a:lstStyle/>
+          <a:p>
+            <a:pPr indent="0" lvl="0" marL="0" rtl="0" algn="l">
+              <a:lnSpc>
+                <a:spcPct val="115000"/>
+              </a:lnSpc>
+              <a:spcBef>
+                <a:spcPts val="0"/>
+              </a:spcBef>
+              <a:spcAft>
+                <a:spcPts val="0"/>
+              </a:spcAft>
+              <a:buNone/>
+            </a:pPr>
+            <a:r>
+              <a:rPr lang="en" sz="1200"/>
+              <a:t>function recursive_KL(group_of_nodes) {</a:t>
+            </a:r>
+            <a:endParaRPr sz="1200"/>
+          </a:p>
+          <a:p>
+            <a:pPr indent="0" lvl="0" marL="0" rtl="0" algn="l">
+              <a:lnSpc>
+                <a:spcPct val="115000"/>
+              </a:lnSpc>
+              <a:spcBef>
+                <a:spcPts val="0"/>
+              </a:spcBef>
+              <a:spcAft>
+                <a:spcPts val="0"/>
+              </a:spcAft>
+              <a:buNone/>
+            </a:pPr>
+            <a:r>
+              <a:rPr lang="en" sz="1200"/>
+              <a:t>	First_half, second_half = </a:t>
+            </a:r>
+            <a:r>
+              <a:rPr lang="en" sz="1200"/>
+              <a:t>s</a:t>
+            </a:r>
+            <a:r>
+              <a:rPr lang="en" sz="1200"/>
+              <a:t>plit group_of_nodes into two;</a:t>
+            </a:r>
+            <a:endParaRPr sz="1200"/>
+          </a:p>
+          <a:p>
+            <a:pPr indent="0" lvl="0" marL="0" rtl="0" algn="l">
+              <a:lnSpc>
+                <a:spcPct val="115000"/>
+              </a:lnSpc>
+              <a:spcBef>
+                <a:spcPts val="0"/>
+              </a:spcBef>
+              <a:spcAft>
+                <a:spcPts val="0"/>
+              </a:spcAft>
+              <a:buNone/>
+            </a:pPr>
+            <a:r>
+              <a:rPr lang="en" sz="1200"/>
+              <a:t>	resulting_first_half, resulting_second_half = run_KL_algorithm(first_half, second_half);</a:t>
+            </a:r>
+            <a:endParaRPr sz="1200"/>
+          </a:p>
+          <a:p>
+            <a:pPr indent="0" lvl="0" marL="0" rtl="0" algn="l">
+              <a:lnSpc>
+                <a:spcPct val="115000"/>
+              </a:lnSpc>
+              <a:spcBef>
+                <a:spcPts val="0"/>
+              </a:spcBef>
+              <a:spcAft>
+                <a:spcPts val="0"/>
+              </a:spcAft>
+              <a:buNone/>
+            </a:pPr>
+            <a:r>
+              <a:rPr lang="en" sz="1200"/>
+              <a:t>	recursive_KL(resulting_first_half);</a:t>
+            </a:r>
+            <a:endParaRPr sz="1200"/>
+          </a:p>
+          <a:p>
+            <a:pPr indent="0" lvl="0" marL="0" rtl="0" algn="l">
+              <a:lnSpc>
+                <a:spcPct val="115000"/>
+              </a:lnSpc>
+              <a:spcBef>
+                <a:spcPts val="0"/>
+              </a:spcBef>
+              <a:spcAft>
+                <a:spcPts val="0"/>
+              </a:spcAft>
+              <a:buNone/>
+            </a:pPr>
+            <a:r>
+              <a:rPr lang="en" sz="1200"/>
+              <a:t>	recursive_KL(resulting_second_half);</a:t>
+            </a:r>
+            <a:endParaRPr sz="1200"/>
+          </a:p>
+          <a:p>
+            <a:pPr indent="0" lvl="0" marL="0" rtl="0" algn="l">
+              <a:lnSpc>
+                <a:spcPct val="115000"/>
+              </a:lnSpc>
+              <a:spcBef>
+                <a:spcPts val="0"/>
+              </a:spcBef>
+              <a:spcAft>
+                <a:spcPts val="0"/>
+              </a:spcAft>
+              <a:buNone/>
+            </a:pPr>
+            <a:r>
+              <a:rPr lang="en" sz="1200"/>
+              <a:t>}</a:t>
+            </a:r>
+            <a:endParaRPr sz="800"/>
+          </a:p>
+        </p:txBody>
+      </p:sp>
+      <p:pic>
+        <p:nvPicPr>
+          <p:cNvPr id="175" name="Google Shape;175;p24"/>
+          <p:cNvPicPr preferRelativeResize="0"/>
+          <p:nvPr/>
+        </p:nvPicPr>
+        <p:blipFill>
+          <a:blip r:embed="rId3">
+            <a:alphaModFix/>
+          </a:blip>
+          <a:stretch>
+            <a:fillRect/>
+          </a:stretch>
+        </p:blipFill>
+        <p:spPr>
+          <a:xfrm>
+            <a:off x="5466963" y="3367875"/>
+            <a:ext cx="2644373" cy="1804600"/>
+          </a:xfrm>
+          <a:prstGeom prst="rect">
+            <a:avLst/>
+          </a:prstGeom>
+          <a:noFill/>
+          <a:ln>
+            <a:noFill/>
+          </a:ln>
+        </p:spPr>
+      </p:pic>
+    </p:spTree>
+  </p:cSld>
+  <p:clrMapOvr>
+    <a:masterClrMapping/>
+  </p:clrMapOvr>
+</p:sld>
+</file>
+
+<file path=ppt/slides/slide13.xml><?xml version="1.0" encoding="utf-8"?>
+<p:sld xmlns:a="http://schemas.openxmlformats.org/drawingml/2006/main" xmlns:r="http://schemas.openxmlformats.org/officeDocument/2006/relationships" xmlns:mc="http://schemas.openxmlformats.org/markup-compatibility/2006" xmlns:mv="urn:schemas-microsoft-com:mac:vml" xmlns:p="http://schemas.openxmlformats.org/presentationml/2006/main" xmlns:c="http://schemas.openxmlformats.org/drawingml/2006/chart" xmlns:dgm="http://schemas.openxmlformats.org/drawingml/2006/diagram" xmlns:o="urn:schemas-microsoft-com:office:office" xmlns:v="urn:schemas-microsoft-com:vml" xmlns:pvml="urn:schemas-microsoft-com:office:powerpoint" xmlns:com="http://schemas.openxmlformats.org/drawingml/2006/compatibility" xmlns:p14="http://schemas.microsoft.com/office/powerpoint/2010/main" xmlns:p15="http://schemas.microsoft.com/office/powerpoint/2012/main" xmlns:ahyp="http://schemas.microsoft.com/office/drawing/2018/hyperlinkcolor">
+  <p:cSld>
+    <p:spTree>
+      <p:nvGrpSpPr>
+        <p:cNvPr id="179" name="Shape 179"/>
+        <p:cNvGrpSpPr/>
+        <p:nvPr/>
+      </p:nvGrpSpPr>
+      <p:grpSpPr>
+        <a:xfrm>
+          <a:off x="0" y="0"/>
+          <a:ext cx="0" cy="0"/>
+          <a:chOff x="0" y="0"/>
+          <a:chExt cx="0" cy="0"/>
+        </a:xfrm>
+      </p:grpSpPr>
+      <p:sp>
+        <p:nvSpPr>
+          <p:cNvPr id="180" name="Google Shape;180;p25"/>
+          <p:cNvSpPr txBox="1"/>
+          <p:nvPr>
+            <p:ph type="title"/>
+          </p:nvPr>
+        </p:nvSpPr>
+        <p:spPr>
+          <a:xfrm>
+            <a:off x="471900" y="738725"/>
+            <a:ext cx="8222100" cy="767700"/>
+          </a:xfrm>
+          <a:prstGeom prst="rect">
+            <a:avLst/>
+          </a:prstGeom>
+        </p:spPr>
+        <p:txBody>
+          <a:bodyPr anchorCtr="0" anchor="b" bIns="91425" lIns="91425" spcFirstLastPara="1" rIns="91425" wrap="square" tIns="91425">
+            <a:normAutofit/>
+          </a:bodyPr>
+          <a:lstStyle/>
+          <a:p>
+            <a:pPr indent="0" lvl="0" marL="0" rtl="0" algn="l">
+              <a:spcBef>
+                <a:spcPts val="0"/>
+              </a:spcBef>
+              <a:spcAft>
+                <a:spcPts val="0"/>
+              </a:spcAft>
+              <a:buNone/>
+            </a:pPr>
+            <a:r>
+              <a:rPr lang="en"/>
+              <a:t>Quadrature Mincut: Wirelength</a:t>
+            </a:r>
+            <a:endParaRPr/>
+          </a:p>
+        </p:txBody>
+      </p:sp>
+      <p:sp>
+        <p:nvSpPr>
+          <p:cNvPr id="181" name="Google Shape;181;p25"/>
+          <p:cNvSpPr txBox="1"/>
+          <p:nvPr>
+            <p:ph idx="1" type="body"/>
+          </p:nvPr>
+        </p:nvSpPr>
+        <p:spPr>
+          <a:xfrm>
+            <a:off x="471900" y="1919075"/>
+            <a:ext cx="4100100" cy="2710200"/>
+          </a:xfrm>
+          <a:prstGeom prst="rect">
+            <a:avLst/>
+          </a:prstGeom>
+        </p:spPr>
+        <p:txBody>
+          <a:bodyPr anchorCtr="0" anchor="t" bIns="91425" lIns="91425" spcFirstLastPara="1" rIns="91425" wrap="square" tIns="91425">
+            <a:normAutofit/>
+          </a:bodyPr>
+          <a:lstStyle/>
+          <a:p>
+            <a:pPr indent="0" lvl="0" marL="0" rtl="0" algn="l">
+              <a:spcBef>
+                <a:spcPts val="0"/>
+              </a:spcBef>
+              <a:spcAft>
+                <a:spcPts val="0"/>
+              </a:spcAft>
+              <a:buNone/>
+            </a:pPr>
+            <a:r>
+              <a:rPr lang="en"/>
+              <a:t>2. Calculating Wirelength</a:t>
+            </a:r>
+            <a:endParaRPr/>
+          </a:p>
+          <a:p>
+            <a:pPr indent="-317500" lvl="0" marL="457200" rtl="0" algn="l">
+              <a:spcBef>
+                <a:spcPts val="1200"/>
+              </a:spcBef>
+              <a:spcAft>
+                <a:spcPts val="0"/>
+              </a:spcAft>
+              <a:buSzPts val="1400"/>
+              <a:buChar char="●"/>
+            </a:pPr>
+            <a:r>
+              <a:rPr lang="en" sz="1400"/>
+              <a:t>A bounding box is drawn around coordinates in a clique netlist</a:t>
+            </a:r>
+            <a:endParaRPr sz="1400"/>
+          </a:p>
+          <a:p>
+            <a:pPr indent="-317500" lvl="0" marL="457200" rtl="0" algn="l">
+              <a:spcBef>
+                <a:spcPts val="0"/>
+              </a:spcBef>
+              <a:spcAft>
+                <a:spcPts val="0"/>
+              </a:spcAft>
+              <a:buSzPts val="1400"/>
+              <a:buChar char="●"/>
+            </a:pPr>
+            <a:r>
+              <a:rPr lang="en" sz="1400"/>
+              <a:t>The half-perimeter of the bounding box is calculated</a:t>
+            </a:r>
+            <a:endParaRPr sz="1400"/>
+          </a:p>
+          <a:p>
+            <a:pPr indent="-317500" lvl="0" marL="457200" rtl="0" algn="l">
+              <a:spcBef>
+                <a:spcPts val="0"/>
+              </a:spcBef>
+              <a:spcAft>
+                <a:spcPts val="0"/>
+              </a:spcAft>
+              <a:buSzPts val="1400"/>
+              <a:buChar char="●"/>
+            </a:pPr>
+            <a:r>
+              <a:rPr lang="en" sz="1400"/>
+              <a:t>Wirelength cost equals all the half-perimeters of all clique netlist bounding boxes in a graph</a:t>
+            </a:r>
+            <a:endParaRPr sz="1400"/>
+          </a:p>
+        </p:txBody>
+      </p:sp>
+      <p:pic>
+        <p:nvPicPr>
+          <p:cNvPr id="182" name="Google Shape;182;p25"/>
+          <p:cNvPicPr preferRelativeResize="0"/>
+          <p:nvPr/>
+        </p:nvPicPr>
+        <p:blipFill>
+          <a:blip r:embed="rId3">
+            <a:alphaModFix/>
+          </a:blip>
+          <a:stretch>
+            <a:fillRect/>
+          </a:stretch>
+        </p:blipFill>
+        <p:spPr>
+          <a:xfrm>
+            <a:off x="5832525" y="1919075"/>
+            <a:ext cx="2368100" cy="2741400"/>
+          </a:xfrm>
+          <a:prstGeom prst="rect">
+            <a:avLst/>
+          </a:prstGeom>
+          <a:noFill/>
+          <a:ln>
+            <a:noFill/>
+          </a:ln>
+        </p:spPr>
+      </p:pic>
+      <p:sp>
+        <p:nvSpPr>
+          <p:cNvPr id="183" name="Google Shape;183;p25"/>
+          <p:cNvSpPr txBox="1"/>
+          <p:nvPr/>
+        </p:nvSpPr>
+        <p:spPr>
+          <a:xfrm>
+            <a:off x="5832525" y="4660475"/>
+            <a:ext cx="2368200" cy="554100"/>
+          </a:xfrm>
+          <a:prstGeom prst="rect">
+            <a:avLst/>
+          </a:prstGeom>
+          <a:noFill/>
+          <a:ln>
+            <a:noFill/>
+          </a:ln>
+        </p:spPr>
+        <p:txBody>
+          <a:bodyPr anchorCtr="0" anchor="t" bIns="91425" lIns="91425" spcFirstLastPara="1" rIns="91425" wrap="square" tIns="91425">
+            <a:spAutoFit/>
+          </a:bodyPr>
+          <a:lstStyle/>
+          <a:p>
+            <a:pPr indent="0" lvl="0" marL="0" rtl="0" algn="l">
+              <a:spcBef>
+                <a:spcPts val="0"/>
+              </a:spcBef>
+              <a:spcAft>
+                <a:spcPts val="0"/>
+              </a:spcAft>
+              <a:buNone/>
+            </a:pPr>
+            <a:r>
+              <a:rPr lang="en" sz="800">
+                <a:solidFill>
+                  <a:schemeClr val="lt2"/>
+                </a:solidFill>
+                <a:latin typeface="Roboto"/>
+                <a:ea typeface="Roboto"/>
+                <a:cs typeface="Roboto"/>
+                <a:sym typeface="Roboto"/>
+              </a:rPr>
+              <a:t>Image Credit: Northwestern University (http://users.eecs.northwestern.edu/~haizhou/357/lec4.pdf)</a:t>
+            </a:r>
+            <a:endParaRPr sz="800">
+              <a:solidFill>
+                <a:schemeClr val="lt2"/>
+              </a:solidFill>
+              <a:latin typeface="Roboto"/>
+              <a:ea typeface="Roboto"/>
+              <a:cs typeface="Roboto"/>
+              <a:sym typeface="Roboto"/>
+            </a:endParaRPr>
+          </a:p>
+        </p:txBody>
+      </p:sp>
+    </p:spTree>
+  </p:cSld>
+  <p:clrMapOvr>
+    <a:masterClrMapping/>
+  </p:clrMapOvr>
+</p:sld>
+</file>
+
+<file path=ppt/slides/slide14.xml><?xml version="1.0" encoding="utf-8"?>
+<p:sld xmlns:a="http://schemas.openxmlformats.org/drawingml/2006/main" xmlns:r="http://schemas.openxmlformats.org/officeDocument/2006/relationships" xmlns:mc="http://schemas.openxmlformats.org/markup-compatibility/2006" xmlns:mv="urn:schemas-microsoft-com:mac:vml" xmlns:p="http://schemas.openxmlformats.org/presentationml/2006/main" xmlns:c="http://schemas.openxmlformats.org/drawingml/2006/chart" xmlns:dgm="http://schemas.openxmlformats.org/drawingml/2006/diagram" xmlns:o="urn:schemas-microsoft-com:office:office" xmlns:v="urn:schemas-microsoft-com:vml" xmlns:pvml="urn:schemas-microsoft-com:office:powerpoint" xmlns:com="http://schemas.openxmlformats.org/drawingml/2006/compatibility" xmlns:p14="http://schemas.microsoft.com/office/powerpoint/2010/main" xmlns:p15="http://schemas.microsoft.com/office/powerpoint/2012/main" xmlns:ahyp="http://schemas.microsoft.com/office/drawing/2018/hyperlinkcolor">
+  <p:cSld>
+    <p:spTree>
+      <p:nvGrpSpPr>
+        <p:cNvPr id="187" name="Shape 187"/>
+        <p:cNvGrpSpPr/>
+        <p:nvPr/>
+      </p:nvGrpSpPr>
+      <p:grpSpPr>
+        <a:xfrm>
+          <a:off x="0" y="0"/>
+          <a:ext cx="0" cy="0"/>
+          <a:chOff x="0" y="0"/>
+          <a:chExt cx="0" cy="0"/>
+        </a:xfrm>
+      </p:grpSpPr>
+      <p:sp>
+        <p:nvSpPr>
+          <p:cNvPr id="188" name="Google Shape;188;p26"/>
+          <p:cNvSpPr txBox="1"/>
+          <p:nvPr>
+            <p:ph type="title"/>
+          </p:nvPr>
+        </p:nvSpPr>
+        <p:spPr>
+          <a:xfrm>
+            <a:off x="471900" y="738725"/>
+            <a:ext cx="8222100" cy="767700"/>
+          </a:xfrm>
+          <a:prstGeom prst="rect">
+            <a:avLst/>
+          </a:prstGeom>
+        </p:spPr>
+        <p:txBody>
+          <a:bodyPr anchorCtr="0" anchor="b" bIns="91425" lIns="91425" spcFirstLastPara="1" rIns="91425" wrap="square" tIns="91425">
+            <a:normAutofit/>
+          </a:bodyPr>
+          <a:lstStyle/>
+          <a:p>
+            <a:pPr indent="0" lvl="0" marL="0" rtl="0" algn="l">
+              <a:spcBef>
+                <a:spcPts val="0"/>
+              </a:spcBef>
+              <a:spcAft>
+                <a:spcPts val="0"/>
+              </a:spcAft>
+              <a:buNone/>
+            </a:pPr>
+            <a:r>
+              <a:rPr lang="en"/>
+              <a:t>Next Steps</a:t>
+            </a:r>
+            <a:endParaRPr/>
+          </a:p>
+        </p:txBody>
+      </p:sp>
+      <p:sp>
+        <p:nvSpPr>
+          <p:cNvPr id="189" name="Google Shape;189;p26"/>
+          <p:cNvSpPr txBox="1"/>
+          <p:nvPr>
+            <p:ph idx="1" type="body"/>
+          </p:nvPr>
+        </p:nvSpPr>
+        <p:spPr>
+          <a:xfrm>
+            <a:off x="471900" y="1919075"/>
+            <a:ext cx="8222100" cy="2710200"/>
+          </a:xfrm>
+          <a:prstGeom prst="rect">
+            <a:avLst/>
+          </a:prstGeom>
+        </p:spPr>
+        <p:txBody>
+          <a:bodyPr anchorCtr="0" anchor="t" bIns="91425" lIns="91425" spcFirstLastPara="1" rIns="91425" wrap="square" tIns="91425">
+            <a:normAutofit/>
+          </a:bodyPr>
+          <a:lstStyle/>
+          <a:p>
+            <a:pPr indent="-342900" lvl="0" marL="457200" rtl="0" algn="l">
+              <a:spcBef>
+                <a:spcPts val="0"/>
+              </a:spcBef>
+              <a:spcAft>
+                <a:spcPts val="0"/>
+              </a:spcAft>
+              <a:buSzPts val="1800"/>
+              <a:buAutoNum type="arabicPeriod"/>
+            </a:pPr>
+            <a:r>
+              <a:rPr lang="en"/>
+              <a:t>Visualize the mincut algorithm using p5.js</a:t>
+            </a:r>
+            <a:endParaRPr/>
+          </a:p>
+          <a:p>
+            <a:pPr indent="-342900" lvl="0" marL="457200" rtl="0" algn="l">
+              <a:spcBef>
+                <a:spcPts val="0"/>
+              </a:spcBef>
+              <a:spcAft>
+                <a:spcPts val="0"/>
+              </a:spcAft>
+              <a:buSzPts val="1800"/>
+              <a:buAutoNum type="arabicPeriod"/>
+            </a:pPr>
+            <a:r>
+              <a:rPr lang="en"/>
+              <a:t>Focus on routing algorithms such as Steiner Routing</a:t>
+            </a:r>
+            <a:endParaRPr/>
+          </a:p>
+        </p:txBody>
+      </p:sp>
+    </p:spTree>
+  </p:cSld>
+  <p:clrMapOvr>
+    <a:masterClrMapping/>
+  </p:clrMapOvr>
+</p:sld>
+</file>
+
+<file path=ppt/slides/slide15.xml><?xml version="1.0" encoding="utf-8"?>
+<p:sld xmlns:a="http://schemas.openxmlformats.org/drawingml/2006/main" xmlns:r="http://schemas.openxmlformats.org/officeDocument/2006/relationships" xmlns:mc="http://schemas.openxmlformats.org/markup-compatibility/2006" xmlns:mv="urn:schemas-microsoft-com:mac:vml" xmlns:p="http://schemas.openxmlformats.org/presentationml/2006/main" xmlns:c="http://schemas.openxmlformats.org/drawingml/2006/chart" xmlns:dgm="http://schemas.openxmlformats.org/drawingml/2006/diagram" xmlns:o="urn:schemas-microsoft-com:office:office" xmlns:v="urn:schemas-microsoft-com:vml" xmlns:pvml="urn:schemas-microsoft-com:office:powerpoint" xmlns:com="http://schemas.openxmlformats.org/drawingml/2006/compatibility" xmlns:p14="http://schemas.microsoft.com/office/powerpoint/2010/main" xmlns:p15="http://schemas.microsoft.com/office/powerpoint/2012/main" xmlns:ahyp="http://schemas.microsoft.com/office/drawing/2018/hyperlinkcolor">
+  <p:cSld>
+    <p:spTree>
+      <p:nvGrpSpPr>
+        <p:cNvPr id="193" name="Shape 193"/>
+        <p:cNvGrpSpPr/>
+        <p:nvPr/>
+      </p:nvGrpSpPr>
+      <p:grpSpPr>
+        <a:xfrm>
+          <a:off x="0" y="0"/>
+          <a:ext cx="0" cy="0"/>
+          <a:chOff x="0" y="0"/>
+          <a:chExt cx="0" cy="0"/>
+        </a:xfrm>
+      </p:grpSpPr>
+      <p:sp>
+        <p:nvSpPr>
+          <p:cNvPr id="194" name="Google Shape;194;p27"/>
           <p:cNvSpPr txBox="1"/>
           <p:nvPr>
             <p:ph type="title"/>
@@ -8169,7 +9617,7 @@
             </a:pPr>
             <a:r>
               <a:rPr lang="en"/>
-              <a:t>Parsing the JSON files into Python</a:t>
+              <a:t>Overview</a:t>
             </a:r>
             <a:endParaRPr/>
           </a:p>
@@ -8185,7 +9633,7 @@
         </p:nvSpPr>
         <p:spPr>
           <a:xfrm>
-            <a:off x="471900" y="1881850"/>
+            <a:off x="471900" y="1919075"/>
             <a:ext cx="8222100" cy="2710200"/>
           </a:xfrm>
           <a:prstGeom prst="rect">
@@ -8194,240 +9642,67 @@
         </p:spPr>
         <p:txBody>
           <a:bodyPr anchorCtr="0" anchor="t" bIns="91425" lIns="91425" spcFirstLastPara="1" rIns="91425" wrap="square" tIns="91425">
-            <a:normAutofit fontScale="25000" lnSpcReduction="20000"/>
+            <a:normAutofit/>
           </a:bodyPr>
           <a:lstStyle/>
           <a:p>
-            <a:pPr indent="-368666" lvl="0" marL="457200" rtl="0" algn="l">
-              <a:spcBef>
-                <a:spcPts val="0"/>
-              </a:spcBef>
-              <a:spcAft>
-                <a:spcPts val="0"/>
-              </a:spcAft>
-              <a:buClr>
-                <a:srgbClr val="000000"/>
-              </a:buClr>
-              <a:buSzPct val="100000"/>
-              <a:buFont typeface="Dosis"/>
+            <a:pPr indent="-355600" lvl="0" marL="457200" rtl="0" algn="l">
+              <a:spcBef>
+                <a:spcPts val="0"/>
+              </a:spcBef>
+              <a:spcAft>
+                <a:spcPts val="0"/>
+              </a:spcAft>
+              <a:buSzPts val="2000"/>
               <a:buChar char="●"/>
             </a:pPr>
             <a:r>
-              <a:rPr b="1" lang="en" sz="8823">
-                <a:solidFill>
-                  <a:srgbClr val="000000"/>
-                </a:solidFill>
-                <a:latin typeface="Dosis"/>
-                <a:ea typeface="Dosis"/>
-                <a:cs typeface="Dosis"/>
-                <a:sym typeface="Dosis"/>
-              </a:rPr>
-              <a:t>Parsing the JSON Files into Python is a crucial part of our project</a:t>
-            </a:r>
-            <a:endParaRPr b="1" sz="8823">
-              <a:solidFill>
-                <a:srgbClr val="000000"/>
-              </a:solidFill>
-              <a:latin typeface="Dosis"/>
-              <a:ea typeface="Dosis"/>
-              <a:cs typeface="Dosis"/>
-              <a:sym typeface="Dosis"/>
-            </a:endParaRPr>
-          </a:p>
-          <a:p>
-            <a:pPr indent="0" lvl="0" marL="0" rtl="0" algn="l">
-              <a:spcBef>
-                <a:spcPts val="1200"/>
-              </a:spcBef>
-              <a:spcAft>
-                <a:spcPts val="0"/>
-              </a:spcAft>
-              <a:buNone/>
-            </a:pPr>
-            <a:r>
-              <a:t/>
-            </a:r>
-            <a:endParaRPr b="1" sz="8823">
-              <a:solidFill>
-                <a:srgbClr val="000000"/>
-              </a:solidFill>
-              <a:latin typeface="Dosis"/>
-              <a:ea typeface="Dosis"/>
-              <a:cs typeface="Dosis"/>
-              <a:sym typeface="Dosis"/>
-            </a:endParaRPr>
-          </a:p>
-          <a:p>
-            <a:pPr indent="-368666" lvl="0" marL="457200" rtl="0" algn="l">
-              <a:spcBef>
-                <a:spcPts val="1200"/>
-              </a:spcBef>
-              <a:spcAft>
-                <a:spcPts val="0"/>
-              </a:spcAft>
-              <a:buClr>
-                <a:srgbClr val="000000"/>
-              </a:buClr>
-              <a:buSzPct val="100000"/>
-              <a:buFont typeface="Dosis"/>
+              <a:rPr lang="en" sz="2000"/>
+              <a:t>Circuits can have millions of gates</a:t>
+            </a:r>
+            <a:endParaRPr sz="2000"/>
+          </a:p>
+          <a:p>
+            <a:pPr indent="-355600" lvl="0" marL="457200" rtl="0" algn="l">
+              <a:spcBef>
+                <a:spcPts val="0"/>
+              </a:spcBef>
+              <a:spcAft>
+                <a:spcPts val="0"/>
+              </a:spcAft>
+              <a:buSzPts val="2000"/>
               <a:buChar char="●"/>
             </a:pPr>
             <a:r>
-              <a:rPr b="1" lang="en" sz="8823">
-                <a:solidFill>
-                  <a:srgbClr val="000000"/>
-                </a:solidFill>
-                <a:latin typeface="Dosis"/>
-                <a:ea typeface="Dosis"/>
-                <a:cs typeface="Dosis"/>
-                <a:sym typeface="Dosis"/>
-              </a:rPr>
-              <a:t>First step: Convert the JSON Files into a python dictionary</a:t>
-            </a:r>
-            <a:endParaRPr b="1" sz="8823">
-              <a:solidFill>
-                <a:srgbClr val="000000"/>
-              </a:solidFill>
-              <a:latin typeface="Dosis"/>
-              <a:ea typeface="Dosis"/>
-              <a:cs typeface="Dosis"/>
-              <a:sym typeface="Dosis"/>
-            </a:endParaRPr>
-          </a:p>
-          <a:p>
-            <a:pPr indent="0" lvl="0" marL="0" rtl="0" algn="l">
-              <a:spcBef>
-                <a:spcPts val="1200"/>
-              </a:spcBef>
-              <a:spcAft>
-                <a:spcPts val="0"/>
-              </a:spcAft>
-              <a:buNone/>
-            </a:pPr>
-            <a:r>
-              <a:t/>
-            </a:r>
-            <a:endParaRPr b="1" sz="8823">
-              <a:solidFill>
-                <a:srgbClr val="000000"/>
-              </a:solidFill>
-              <a:latin typeface="Dosis"/>
-              <a:ea typeface="Dosis"/>
-              <a:cs typeface="Dosis"/>
-              <a:sym typeface="Dosis"/>
-            </a:endParaRPr>
-          </a:p>
-          <a:p>
-            <a:pPr indent="-368666" lvl="0" marL="457200" rtl="0" algn="l">
-              <a:spcBef>
-                <a:spcPts val="1200"/>
-              </a:spcBef>
-              <a:spcAft>
-                <a:spcPts val="0"/>
-              </a:spcAft>
-              <a:buClr>
-                <a:srgbClr val="000000"/>
-              </a:buClr>
-              <a:buSzPct val="100000"/>
-              <a:buFont typeface="Dosis"/>
+              <a:rPr lang="en" sz="2000"/>
+              <a:t>Given an 8x8 grid filled with logic gates, there are 64! (that’s </a:t>
+            </a:r>
+            <a:r>
+              <a:rPr b="1" lang="en" sz="2000"/>
+              <a:t>1.2688693e+89</a:t>
+            </a:r>
+            <a:r>
+              <a:rPr lang="en" sz="2000"/>
+              <a:t>) </a:t>
+            </a:r>
+            <a:endParaRPr sz="2000"/>
+          </a:p>
+          <a:p>
+            <a:pPr indent="-355600" lvl="0" marL="457200" rtl="0" algn="l">
+              <a:spcBef>
+                <a:spcPts val="0"/>
+              </a:spcBef>
+              <a:spcAft>
+                <a:spcPts val="0"/>
+              </a:spcAft>
+              <a:buSzPts val="2000"/>
               <a:buChar char="●"/>
             </a:pPr>
             <a:r>
-              <a:rPr b="1" lang="en" sz="8823">
-                <a:solidFill>
-                  <a:srgbClr val="000000"/>
-                </a:solidFill>
-                <a:latin typeface="Dosis"/>
-                <a:ea typeface="Dosis"/>
-                <a:cs typeface="Dosis"/>
-                <a:sym typeface="Dosis"/>
-              </a:rPr>
-              <a:t>Name and size agnostic approach</a:t>
-            </a:r>
-            <a:endParaRPr b="1" sz="8823">
-              <a:solidFill>
-                <a:srgbClr val="000000"/>
-              </a:solidFill>
-              <a:latin typeface="Dosis"/>
-              <a:ea typeface="Dosis"/>
-              <a:cs typeface="Dosis"/>
-              <a:sym typeface="Dosis"/>
-            </a:endParaRPr>
-          </a:p>
-          <a:p>
-            <a:pPr indent="0" lvl="0" marL="0" rtl="0" algn="l">
-              <a:spcBef>
-                <a:spcPts val="1200"/>
-              </a:spcBef>
-              <a:spcAft>
-                <a:spcPts val="0"/>
-              </a:spcAft>
-              <a:buNone/>
-            </a:pPr>
-            <a:r>
-              <a:t/>
-            </a:r>
-            <a:endParaRPr/>
-          </a:p>
-          <a:p>
-            <a:pPr indent="0" lvl="0" marL="0" rtl="0" algn="l">
-              <a:spcBef>
-                <a:spcPts val="1200"/>
-              </a:spcBef>
-              <a:spcAft>
-                <a:spcPts val="0"/>
-              </a:spcAft>
-              <a:buNone/>
-            </a:pPr>
-            <a:r>
-              <a:t/>
-            </a:r>
-            <a:endParaRPr/>
-          </a:p>
-          <a:p>
-            <a:pPr indent="0" lvl="0" marL="0" rtl="0" algn="l">
-              <a:spcBef>
-                <a:spcPts val="1200"/>
-              </a:spcBef>
-              <a:spcAft>
-                <a:spcPts val="0"/>
-              </a:spcAft>
-              <a:buNone/>
-            </a:pPr>
-            <a:r>
-              <a:t/>
-            </a:r>
-            <a:endParaRPr/>
-          </a:p>
-          <a:p>
-            <a:pPr indent="0" lvl="0" marL="0" rtl="0" algn="l">
-              <a:spcBef>
-                <a:spcPts val="1200"/>
-              </a:spcBef>
-              <a:spcAft>
-                <a:spcPts val="0"/>
-              </a:spcAft>
-              <a:buNone/>
-            </a:pPr>
-            <a:r>
-              <a:t/>
-            </a:r>
-            <a:endParaRPr/>
-          </a:p>
-          <a:p>
-            <a:pPr indent="0" lvl="0" marL="0" rtl="0" algn="l">
-              <a:spcBef>
-                <a:spcPts val="1200"/>
-              </a:spcBef>
-              <a:spcAft>
-                <a:spcPts val="1200"/>
-              </a:spcAft>
-              <a:buNone/>
-            </a:pPr>
-            <a:r>
-              <a:t/>
-            </a:r>
-            <a:endParaRPr/>
+              <a:rPr lang="en" sz="2000"/>
+              <a:t>So, our goal is to find good placement, partitioning, and routing solutions </a:t>
+            </a:r>
+            <a:endParaRPr sz="2000"/>
           </a:p>
         </p:txBody>
       </p:sp>
@@ -8466,7 +9741,7 @@
         </p:nvSpPr>
         <p:spPr>
           <a:xfrm>
-            <a:off x="377875" y="785750"/>
+            <a:off x="471900" y="738725"/>
             <a:ext cx="8222100" cy="767700"/>
           </a:xfrm>
           <a:prstGeom prst="rect">
@@ -8480,38 +9755,19 @@
           <a:lstStyle/>
           <a:p>
             <a:pPr indent="0" lvl="0" marL="0" rtl="0" algn="l">
-              <a:lnSpc>
-                <a:spcPct val="115000"/>
-              </a:lnSpc>
-              <a:spcBef>
-                <a:spcPts val="0"/>
-              </a:spcBef>
-              <a:spcAft>
-                <a:spcPts val="1200"/>
-              </a:spcAft>
-              <a:buNone/>
-            </a:pPr>
-            <a:r>
-              <a:rPr lang="en" sz="2200">
-                <a:solidFill>
-                  <a:srgbClr val="FFFFFE"/>
-                </a:solidFill>
-              </a:rPr>
-              <a:t>Parsing the JSON Files into Python </a:t>
-            </a:r>
-            <a:r>
-              <a:rPr lang="en" sz="2200">
-                <a:solidFill>
-                  <a:srgbClr val="FFFFFE"/>
-                </a:solidFill>
-              </a:rPr>
-              <a:t>continued</a:t>
-            </a:r>
-            <a:endParaRPr sz="3600">
-              <a:solidFill>
-                <a:srgbClr val="FFFFFE"/>
-              </a:solidFill>
-            </a:endParaRPr>
+              <a:spcBef>
+                <a:spcPts val="0"/>
+              </a:spcBef>
+              <a:spcAft>
+                <a:spcPts val="0"/>
+              </a:spcAft>
+              <a:buNone/>
+            </a:pPr>
+            <a:r>
+              <a:rPr lang="en"/>
+              <a:t>What is a Netlist Circuit?</a:t>
+            </a:r>
+            <a:endParaRPr/>
           </a:p>
         </p:txBody>
       </p:sp>
@@ -8525,8 +9781,8 @@
         </p:nvSpPr>
         <p:spPr>
           <a:xfrm>
-            <a:off x="312025" y="1675675"/>
-            <a:ext cx="8222100" cy="2439300"/>
+            <a:off x="471900" y="1919075"/>
+            <a:ext cx="8222100" cy="2710200"/>
           </a:xfrm>
           <a:prstGeom prst="rect">
             <a:avLst/>
@@ -8534,723 +9790,154 @@
         </p:spPr>
         <p:txBody>
           <a:bodyPr anchorCtr="0" anchor="t" bIns="91425" lIns="91425" spcFirstLastPara="1" rIns="91425" wrap="square" tIns="91425">
-            <a:normAutofit fontScale="25000" lnSpcReduction="20000"/>
+            <a:normAutofit fontScale="55000" lnSpcReduction="20000"/>
           </a:bodyPr>
           <a:lstStyle/>
           <a:p>
+            <a:pPr indent="-304165" lvl="0" marL="457200" rtl="0" algn="l">
+              <a:spcBef>
+                <a:spcPts val="0"/>
+              </a:spcBef>
+              <a:spcAft>
+                <a:spcPts val="0"/>
+              </a:spcAft>
+              <a:buSzPct val="100000"/>
+              <a:buChar char="●"/>
+            </a:pPr>
+            <a:r>
+              <a:rPr lang="en" sz="2163"/>
+              <a:t>U</a:t>
+            </a:r>
+            <a:r>
+              <a:rPr lang="en" sz="2163"/>
+              <a:t>sed to describe electrical circuits</a:t>
+            </a:r>
+            <a:endParaRPr sz="2163"/>
+          </a:p>
+          <a:p>
+            <a:pPr indent="-290195" lvl="1" marL="914400" rtl="0" algn="l">
+              <a:spcBef>
+                <a:spcPts val="0"/>
+              </a:spcBef>
+              <a:spcAft>
+                <a:spcPts val="0"/>
+              </a:spcAft>
+              <a:buSzPct val="100000"/>
+              <a:buChar char="○"/>
+            </a:pPr>
+            <a:r>
+              <a:t/>
+            </a:r>
+            <a:endParaRPr sz="1763"/>
+          </a:p>
+          <a:p>
+            <a:pPr indent="0" lvl="0" marL="914400" rtl="0" algn="l">
+              <a:spcBef>
+                <a:spcPts val="1200"/>
+              </a:spcBef>
+              <a:spcAft>
+                <a:spcPts val="0"/>
+              </a:spcAft>
+              <a:buNone/>
+            </a:pPr>
+            <a:r>
+              <a:rPr lang="en" sz="2163"/>
+              <a:t>Nodes represent logic gates</a:t>
+            </a:r>
+            <a:endParaRPr sz="2163"/>
+          </a:p>
+          <a:p>
+            <a:pPr indent="-290195" lvl="1" marL="914400" rtl="0" algn="l">
+              <a:spcBef>
+                <a:spcPts val="1200"/>
+              </a:spcBef>
+              <a:spcAft>
+                <a:spcPts val="0"/>
+              </a:spcAft>
+              <a:buSzPct val="100000"/>
+              <a:buChar char="○"/>
+            </a:pPr>
+            <a:r>
+              <a:t/>
+            </a:r>
+            <a:endParaRPr sz="1763"/>
+          </a:p>
+          <a:p>
+            <a:pPr indent="0" lvl="0" marL="914400" rtl="0" algn="l">
+              <a:spcBef>
+                <a:spcPts val="1200"/>
+              </a:spcBef>
+              <a:spcAft>
+                <a:spcPts val="0"/>
+              </a:spcAft>
+              <a:buNone/>
+            </a:pPr>
+            <a:r>
+              <a:rPr lang="en" sz="2163"/>
+              <a:t>Lines or edges represent wires</a:t>
+            </a:r>
+            <a:endParaRPr sz="2163"/>
+          </a:p>
+          <a:p>
+            <a:pPr indent="-291465" lvl="0" marL="457200" rtl="0" algn="l">
+              <a:spcBef>
+                <a:spcPts val="1200"/>
+              </a:spcBef>
+              <a:spcAft>
+                <a:spcPts val="0"/>
+              </a:spcAft>
+              <a:buSzPct val="100000"/>
+              <a:buChar char="●"/>
+            </a:pPr>
+            <a:r>
+              <a:rPr lang="en"/>
+              <a:t>The flow</a:t>
+            </a:r>
+            <a:endParaRPr/>
+          </a:p>
+          <a:p>
+            <a:pPr indent="0" lvl="0" marL="457200" rtl="0" algn="l">
+              <a:spcBef>
+                <a:spcPts val="1200"/>
+              </a:spcBef>
+              <a:spcAft>
+                <a:spcPts val="0"/>
+              </a:spcAft>
+              <a:buNone/>
+            </a:pPr>
+            <a:r>
+              <a:t/>
+            </a:r>
+            <a:endParaRPr/>
+          </a:p>
+          <a:p>
             <a:pPr indent="0" lvl="0" marL="0" rtl="0" algn="l">
-              <a:lnSpc>
-                <a:spcPct val="150000"/>
-              </a:lnSpc>
-              <a:spcBef>
-                <a:spcPts val="0"/>
-              </a:spcBef>
-              <a:spcAft>
-                <a:spcPts val="0"/>
-              </a:spcAft>
-              <a:buNone/>
-            </a:pPr>
-            <a:r>
-              <a:rPr lang="en" sz="3665">
-                <a:solidFill>
-                  <a:srgbClr val="000000"/>
-                </a:solidFill>
-                <a:highlight>
-                  <a:srgbClr val="FFFFFE"/>
-                </a:highlight>
-                <a:latin typeface="Courier New"/>
-                <a:ea typeface="Courier New"/>
-                <a:cs typeface="Courier New"/>
-                <a:sym typeface="Courier New"/>
-              </a:rPr>
-              <a:t>#Gets source from top level module</a:t>
-            </a:r>
-            <a:endParaRPr sz="3665">
-              <a:solidFill>
-                <a:srgbClr val="000000"/>
-              </a:solidFill>
-              <a:highlight>
-                <a:srgbClr val="FFFFFE"/>
-              </a:highlight>
-              <a:latin typeface="Courier New"/>
-              <a:ea typeface="Courier New"/>
-              <a:cs typeface="Courier New"/>
-              <a:sym typeface="Courier New"/>
-            </a:endParaRPr>
-          </a:p>
-          <a:p>
-            <a:pPr indent="0" lvl="0" marL="0" rtl="0" algn="l">
-              <a:lnSpc>
-                <a:spcPct val="150000"/>
-              </a:lnSpc>
-              <a:spcBef>
-                <a:spcPts val="0"/>
-              </a:spcBef>
-              <a:spcAft>
-                <a:spcPts val="0"/>
-              </a:spcAft>
-              <a:buNone/>
-            </a:pPr>
-            <a:r>
-              <a:rPr lang="en" sz="3665">
-                <a:solidFill>
-                  <a:srgbClr val="000000"/>
-                </a:solidFill>
-                <a:highlight>
-                  <a:srgbClr val="FFFFFE"/>
-                </a:highlight>
-                <a:latin typeface="Courier New"/>
-                <a:ea typeface="Courier New"/>
-                <a:cs typeface="Courier New"/>
-                <a:sym typeface="Courier New"/>
-              </a:rPr>
-              <a:t> print("SRC: " + data["modules"][list(data["modules"].keys())[0]]["attributes"]["src"])</a:t>
-            </a:r>
-            <a:endParaRPr sz="3665">
-              <a:solidFill>
-                <a:srgbClr val="000000"/>
-              </a:solidFill>
-              <a:highlight>
-                <a:srgbClr val="FFFFFE"/>
-              </a:highlight>
-              <a:latin typeface="Courier New"/>
-              <a:ea typeface="Courier New"/>
-              <a:cs typeface="Courier New"/>
-              <a:sym typeface="Courier New"/>
-            </a:endParaRPr>
-          </a:p>
-          <a:p>
-            <a:pPr indent="0" lvl="0" marL="0" rtl="0" algn="l">
-              <a:spcBef>
-                <a:spcPts val="0"/>
-              </a:spcBef>
-              <a:spcAft>
-                <a:spcPts val="0"/>
+              <a:spcBef>
+                <a:spcPts val="1200"/>
+              </a:spcBef>
+              <a:spcAft>
+                <a:spcPts val="0"/>
+              </a:spcAft>
+              <a:buNone/>
+            </a:pPr>
+            <a:r>
+              <a:rPr lang="en" sz="2527"/>
+              <a:t>    Verilog                Netlist             Internal Model</a:t>
+            </a:r>
+            <a:endParaRPr sz="2527"/>
+          </a:p>
+          <a:p>
+            <a:pPr indent="0" lvl="0" marL="457200" rtl="0" algn="l">
+              <a:spcBef>
+                <a:spcPts val="1200"/>
+              </a:spcBef>
+              <a:spcAft>
+                <a:spcPts val="1200"/>
               </a:spcAft>
               <a:buNone/>
             </a:pPr>
             <a:r>
               <a:t/>
-            </a:r>
-            <a:endParaRPr sz="2600"/>
-          </a:p>
-          <a:p>
-            <a:pPr indent="0" lvl="0" marL="0" rtl="0" algn="l">
-              <a:spcBef>
-                <a:spcPts val="1200"/>
-              </a:spcBef>
-              <a:spcAft>
-                <a:spcPts val="0"/>
-              </a:spcAft>
-              <a:buNone/>
-            </a:pPr>
-            <a:r>
-              <a:rPr lang="en" sz="2600"/>
-              <a:t>(name agnostic way)</a:t>
-            </a:r>
-            <a:endParaRPr sz="5400"/>
-          </a:p>
-          <a:p>
-            <a:pPr indent="0" lvl="0" marL="0" rtl="0" algn="l">
-              <a:lnSpc>
-                <a:spcPct val="150000"/>
-              </a:lnSpc>
-              <a:spcBef>
-                <a:spcPts val="1200"/>
-              </a:spcBef>
-              <a:spcAft>
-                <a:spcPts val="0"/>
-              </a:spcAft>
-              <a:buNone/>
-            </a:pPr>
-            <a:r>
-              <a:rPr lang="en" sz="3850">
-                <a:solidFill>
-                  <a:srgbClr val="000000"/>
-                </a:solidFill>
-                <a:highlight>
-                  <a:srgbClr val="FFFFFE"/>
-                </a:highlight>
-                <a:latin typeface="Courier New"/>
-                <a:ea typeface="Courier New"/>
-                <a:cs typeface="Courier New"/>
-                <a:sym typeface="Courier New"/>
-              </a:rPr>
-              <a:t>#Iterates through ports in a given module</a:t>
-            </a:r>
-            <a:endParaRPr sz="3850">
-              <a:solidFill>
-                <a:srgbClr val="000000"/>
-              </a:solidFill>
-              <a:highlight>
-                <a:srgbClr val="FFFFFE"/>
-              </a:highlight>
-              <a:latin typeface="Courier New"/>
-              <a:ea typeface="Courier New"/>
-              <a:cs typeface="Courier New"/>
-              <a:sym typeface="Courier New"/>
-            </a:endParaRPr>
-          </a:p>
-          <a:p>
-            <a:pPr indent="0" lvl="0" marL="0" rtl="0" algn="l">
-              <a:lnSpc>
-                <a:spcPct val="150000"/>
-              </a:lnSpc>
-              <a:spcBef>
-                <a:spcPts val="0"/>
-              </a:spcBef>
-              <a:spcAft>
-                <a:spcPts val="0"/>
-              </a:spcAft>
-              <a:buNone/>
-            </a:pPr>
-            <a:r>
-              <a:rPr lang="en" sz="3850">
-                <a:solidFill>
-                  <a:srgbClr val="000000"/>
-                </a:solidFill>
-                <a:highlight>
-                  <a:srgbClr val="FFFFFE"/>
-                </a:highlight>
-                <a:latin typeface="Courier New"/>
-                <a:ea typeface="Courier New"/>
-                <a:cs typeface="Courier New"/>
-                <a:sym typeface="Courier New"/>
-              </a:rPr>
-              <a:t> for k in data["modules"][list(data["modules"].keys())[0]]["ports"]:</a:t>
-            </a:r>
-            <a:endParaRPr sz="3850">
-              <a:solidFill>
-                <a:srgbClr val="000000"/>
-              </a:solidFill>
-              <a:highlight>
-                <a:srgbClr val="FFFFFE"/>
-              </a:highlight>
-              <a:latin typeface="Courier New"/>
-              <a:ea typeface="Courier New"/>
-              <a:cs typeface="Courier New"/>
-              <a:sym typeface="Courier New"/>
-            </a:endParaRPr>
-          </a:p>
-          <a:p>
-            <a:pPr indent="0" lvl="0" marL="0" rtl="0" algn="l">
-              <a:spcBef>
-                <a:spcPts val="0"/>
-              </a:spcBef>
-              <a:spcAft>
-                <a:spcPts val="0"/>
-              </a:spcAft>
-              <a:buNone/>
-            </a:pPr>
-            <a:r>
-              <a:t/>
-            </a:r>
-            <a:endParaRPr sz="2600"/>
-          </a:p>
-          <a:p>
-            <a:pPr indent="0" lvl="0" marL="0" rtl="0" algn="l">
-              <a:spcBef>
-                <a:spcPts val="1200"/>
-              </a:spcBef>
-              <a:spcAft>
-                <a:spcPts val="0"/>
-              </a:spcAft>
-              <a:buNone/>
-            </a:pPr>
-            <a:r>
-              <a:rPr lang="en" sz="2600"/>
-              <a:t>(Iterate through all ports regardless of length of port array)</a:t>
-            </a:r>
-            <a:endParaRPr/>
-          </a:p>
-          <a:p>
-            <a:pPr indent="0" lvl="0" marL="0" rtl="0" algn="l">
-              <a:lnSpc>
-                <a:spcPct val="150000"/>
-              </a:lnSpc>
-              <a:spcBef>
-                <a:spcPts val="1200"/>
-              </a:spcBef>
-              <a:spcAft>
-                <a:spcPts val="0"/>
-              </a:spcAft>
-              <a:buNone/>
-            </a:pPr>
-            <a:r>
-              <a:rPr lang="en" sz="3450">
-                <a:solidFill>
-                  <a:srgbClr val="000000"/>
-                </a:solidFill>
-                <a:highlight>
-                  <a:srgbClr val="FFFFFE"/>
-                </a:highlight>
-                <a:latin typeface="Courier New"/>
-                <a:ea typeface="Courier New"/>
-                <a:cs typeface="Courier New"/>
-                <a:sym typeface="Courier New"/>
-              </a:rPr>
-              <a:t>#Adds +1 to destinations and appends a port to output list if it is an output</a:t>
-            </a:r>
-            <a:endParaRPr sz="3450">
-              <a:solidFill>
-                <a:srgbClr val="000000"/>
-              </a:solidFill>
-              <a:highlight>
-                <a:srgbClr val="FFFFFE"/>
-              </a:highlight>
-              <a:latin typeface="Courier New"/>
-              <a:ea typeface="Courier New"/>
-              <a:cs typeface="Courier New"/>
-              <a:sym typeface="Courier New"/>
-            </a:endParaRPr>
-          </a:p>
-          <a:p>
-            <a:pPr indent="0" lvl="0" marL="0" rtl="0" algn="l">
-              <a:lnSpc>
-                <a:spcPct val="150000"/>
-              </a:lnSpc>
-              <a:spcBef>
-                <a:spcPts val="0"/>
-              </a:spcBef>
-              <a:spcAft>
-                <a:spcPts val="0"/>
-              </a:spcAft>
-              <a:buNone/>
-            </a:pPr>
-            <a:r>
-              <a:rPr lang="en" sz="3450">
-                <a:solidFill>
-                  <a:srgbClr val="000000"/>
-                </a:solidFill>
-                <a:highlight>
-                  <a:srgbClr val="FFFFFE"/>
-                </a:highlight>
-                <a:latin typeface="Courier New"/>
-                <a:ea typeface="Courier New"/>
-                <a:cs typeface="Courier New"/>
-                <a:sym typeface="Courier New"/>
-              </a:rPr>
-              <a:t>   if data["modules"][list(data["modules"].keys())[0]]["ports"][k]["direction"] == "output":</a:t>
-            </a:r>
-            <a:endParaRPr sz="3450">
-              <a:solidFill>
-                <a:srgbClr val="000000"/>
-              </a:solidFill>
-              <a:highlight>
-                <a:srgbClr val="FFFFFE"/>
-              </a:highlight>
-              <a:latin typeface="Courier New"/>
-              <a:ea typeface="Courier New"/>
-              <a:cs typeface="Courier New"/>
-              <a:sym typeface="Courier New"/>
-            </a:endParaRPr>
-          </a:p>
-          <a:p>
-            <a:pPr indent="0" lvl="0" marL="0" rtl="0" algn="l">
-              <a:lnSpc>
-                <a:spcPct val="150000"/>
-              </a:lnSpc>
-              <a:spcBef>
-                <a:spcPts val="0"/>
-              </a:spcBef>
-              <a:spcAft>
-                <a:spcPts val="0"/>
-              </a:spcAft>
-              <a:buNone/>
-            </a:pPr>
-            <a:r>
-              <a:rPr lang="en" sz="3450">
-                <a:solidFill>
-                  <a:srgbClr val="000000"/>
-                </a:solidFill>
-                <a:highlight>
-                  <a:srgbClr val="FFFFFE"/>
-                </a:highlight>
-                <a:latin typeface="Courier New"/>
-                <a:ea typeface="Courier New"/>
-                <a:cs typeface="Courier New"/>
-                <a:sym typeface="Courier New"/>
-              </a:rPr>
-              <a:t>     destinations += 1</a:t>
-            </a:r>
-            <a:endParaRPr sz="3450">
-              <a:solidFill>
-                <a:srgbClr val="000000"/>
-              </a:solidFill>
-              <a:highlight>
-                <a:srgbClr val="FFFFFE"/>
-              </a:highlight>
-              <a:latin typeface="Courier New"/>
-              <a:ea typeface="Courier New"/>
-              <a:cs typeface="Courier New"/>
-              <a:sym typeface="Courier New"/>
-            </a:endParaRPr>
-          </a:p>
-          <a:p>
-            <a:pPr indent="0" lvl="0" marL="0" rtl="0" algn="l">
-              <a:lnSpc>
-                <a:spcPct val="150000"/>
-              </a:lnSpc>
-              <a:spcBef>
-                <a:spcPts val="0"/>
-              </a:spcBef>
-              <a:spcAft>
-                <a:spcPts val="0"/>
-              </a:spcAft>
-              <a:buNone/>
-            </a:pPr>
-            <a:r>
-              <a:rPr lang="en" sz="3450">
-                <a:solidFill>
-                  <a:srgbClr val="000000"/>
-                </a:solidFill>
-                <a:highlight>
-                  <a:srgbClr val="FFFFFE"/>
-                </a:highlight>
-                <a:latin typeface="Courier New"/>
-                <a:ea typeface="Courier New"/>
-                <a:cs typeface="Courier New"/>
-                <a:sym typeface="Courier New"/>
-              </a:rPr>
-              <a:t>     output_arr.append(k)</a:t>
-            </a:r>
-            <a:endParaRPr sz="3450">
-              <a:solidFill>
-                <a:srgbClr val="000000"/>
-              </a:solidFill>
-              <a:highlight>
-                <a:srgbClr val="FFFFFE"/>
-              </a:highlight>
-              <a:latin typeface="Courier New"/>
-              <a:ea typeface="Courier New"/>
-              <a:cs typeface="Courier New"/>
-              <a:sym typeface="Courier New"/>
-            </a:endParaRPr>
-          </a:p>
-          <a:p>
-            <a:pPr indent="0" lvl="0" marL="0" rtl="0" algn="l">
-              <a:lnSpc>
-                <a:spcPct val="150000"/>
-              </a:lnSpc>
-              <a:spcBef>
-                <a:spcPts val="0"/>
-              </a:spcBef>
-              <a:spcAft>
-                <a:spcPts val="0"/>
-              </a:spcAft>
-              <a:buNone/>
-            </a:pPr>
-            <a:r>
-              <a:rPr lang="en" sz="3450">
-                <a:solidFill>
-                  <a:srgbClr val="000000"/>
-                </a:solidFill>
-                <a:highlight>
-                  <a:srgbClr val="FFFFFE"/>
-                </a:highlight>
-                <a:latin typeface="Courier New"/>
-                <a:ea typeface="Courier New"/>
-                <a:cs typeface="Courier New"/>
-                <a:sym typeface="Courier New"/>
-              </a:rPr>
-              <a:t>  </a:t>
-            </a:r>
-            <a:endParaRPr sz="3450">
-              <a:solidFill>
-                <a:srgbClr val="000000"/>
-              </a:solidFill>
-              <a:highlight>
-                <a:srgbClr val="FFFFFE"/>
-              </a:highlight>
-              <a:latin typeface="Courier New"/>
-              <a:ea typeface="Courier New"/>
-              <a:cs typeface="Courier New"/>
-              <a:sym typeface="Courier New"/>
-            </a:endParaRPr>
-          </a:p>
-          <a:p>
-            <a:pPr indent="0" lvl="0" marL="0" rtl="0" algn="l">
-              <a:lnSpc>
-                <a:spcPct val="150000"/>
-              </a:lnSpc>
-              <a:spcBef>
-                <a:spcPts val="0"/>
-              </a:spcBef>
-              <a:spcAft>
-                <a:spcPts val="0"/>
-              </a:spcAft>
-              <a:buNone/>
-            </a:pPr>
-            <a:r>
-              <a:rPr lang="en" sz="3450">
-                <a:solidFill>
-                  <a:srgbClr val="000000"/>
-                </a:solidFill>
-                <a:highlight>
-                  <a:srgbClr val="FFFFFE"/>
-                </a:highlight>
-                <a:latin typeface="Courier New"/>
-                <a:ea typeface="Courier New"/>
-                <a:cs typeface="Courier New"/>
-                <a:sym typeface="Courier New"/>
-              </a:rPr>
-              <a:t>   #Adds +1 to inputs and appends a port to input list if it is an output</a:t>
-            </a:r>
-            <a:endParaRPr sz="3450">
-              <a:solidFill>
-                <a:srgbClr val="000000"/>
-              </a:solidFill>
-              <a:highlight>
-                <a:srgbClr val="FFFFFE"/>
-              </a:highlight>
-              <a:latin typeface="Courier New"/>
-              <a:ea typeface="Courier New"/>
-              <a:cs typeface="Courier New"/>
-              <a:sym typeface="Courier New"/>
-            </a:endParaRPr>
-          </a:p>
-          <a:p>
-            <a:pPr indent="0" lvl="0" marL="0" rtl="0" algn="l">
-              <a:lnSpc>
-                <a:spcPct val="150000"/>
-              </a:lnSpc>
-              <a:spcBef>
-                <a:spcPts val="0"/>
-              </a:spcBef>
-              <a:spcAft>
-                <a:spcPts val="0"/>
-              </a:spcAft>
-              <a:buNone/>
-            </a:pPr>
-            <a:r>
-              <a:rPr lang="en" sz="3450">
-                <a:solidFill>
-                  <a:srgbClr val="000000"/>
-                </a:solidFill>
-                <a:highlight>
-                  <a:srgbClr val="FFFFFE"/>
-                </a:highlight>
-                <a:latin typeface="Courier New"/>
-                <a:ea typeface="Courier New"/>
-                <a:cs typeface="Courier New"/>
-                <a:sym typeface="Courier New"/>
-              </a:rPr>
-              <a:t>   elif data["modules"][list(data["modules"].keys())[0]]["ports"][k]["direction"] == "input":</a:t>
-            </a:r>
-            <a:endParaRPr sz="3450">
-              <a:solidFill>
-                <a:srgbClr val="000000"/>
-              </a:solidFill>
-              <a:highlight>
-                <a:srgbClr val="FFFFFE"/>
-              </a:highlight>
-              <a:latin typeface="Courier New"/>
-              <a:ea typeface="Courier New"/>
-              <a:cs typeface="Courier New"/>
-              <a:sym typeface="Courier New"/>
-            </a:endParaRPr>
-          </a:p>
-          <a:p>
-            <a:pPr indent="0" lvl="0" marL="0" rtl="0" algn="l">
-              <a:lnSpc>
-                <a:spcPct val="150000"/>
-              </a:lnSpc>
-              <a:spcBef>
-                <a:spcPts val="0"/>
-              </a:spcBef>
-              <a:spcAft>
-                <a:spcPts val="0"/>
-              </a:spcAft>
-              <a:buNone/>
-            </a:pPr>
-            <a:r>
-              <a:rPr lang="en" sz="3450">
-                <a:solidFill>
-                  <a:srgbClr val="000000"/>
-                </a:solidFill>
-                <a:highlight>
-                  <a:srgbClr val="FFFFFE"/>
-                </a:highlight>
-                <a:latin typeface="Courier New"/>
-                <a:ea typeface="Courier New"/>
-                <a:cs typeface="Courier New"/>
-                <a:sym typeface="Courier New"/>
-              </a:rPr>
-              <a:t>     inputs += 1</a:t>
-            </a:r>
-            <a:endParaRPr sz="3450">
-              <a:solidFill>
-                <a:srgbClr val="000000"/>
-              </a:solidFill>
-              <a:highlight>
-                <a:srgbClr val="FFFFFE"/>
-              </a:highlight>
-              <a:latin typeface="Courier New"/>
-              <a:ea typeface="Courier New"/>
-              <a:cs typeface="Courier New"/>
-              <a:sym typeface="Courier New"/>
-            </a:endParaRPr>
-          </a:p>
-          <a:p>
-            <a:pPr indent="0" lvl="0" marL="0" rtl="0" algn="l">
-              <a:lnSpc>
-                <a:spcPct val="150000"/>
-              </a:lnSpc>
-              <a:spcBef>
-                <a:spcPts val="0"/>
-              </a:spcBef>
-              <a:spcAft>
-                <a:spcPts val="0"/>
-              </a:spcAft>
-              <a:buNone/>
-            </a:pPr>
-            <a:r>
-              <a:rPr lang="en" sz="3450">
-                <a:solidFill>
-                  <a:srgbClr val="000000"/>
-                </a:solidFill>
-                <a:highlight>
-                  <a:srgbClr val="FFFFFE"/>
-                </a:highlight>
-                <a:latin typeface="Courier New"/>
-                <a:ea typeface="Courier New"/>
-                <a:cs typeface="Courier New"/>
-                <a:sym typeface="Courier New"/>
-              </a:rPr>
-              <a:t>     input_arr.append(k)</a:t>
-            </a:r>
-            <a:endParaRPr sz="3450">
-              <a:solidFill>
-                <a:srgbClr val="000000"/>
-              </a:solidFill>
-              <a:highlight>
-                <a:srgbClr val="FFFFFE"/>
-              </a:highlight>
-              <a:latin typeface="Courier New"/>
-              <a:ea typeface="Courier New"/>
-              <a:cs typeface="Courier New"/>
-              <a:sym typeface="Courier New"/>
-            </a:endParaRPr>
-          </a:p>
-          <a:p>
-            <a:pPr indent="0" lvl="0" marL="0" rtl="0" algn="l">
-              <a:spcBef>
-                <a:spcPts val="0"/>
-              </a:spcBef>
-              <a:spcAft>
-                <a:spcPts val="0"/>
-              </a:spcAft>
-              <a:buNone/>
-            </a:pPr>
-            <a:r>
-              <a:rPr lang="en" sz="3400"/>
-              <a:t>(This is a very simple implementation for counting the ports for input and </a:t>
-            </a:r>
-            <a:r>
-              <a:rPr lang="en" sz="3400"/>
-              <a:t>output</a:t>
-            </a:r>
-            <a:r>
-              <a:rPr lang="en" sz="3400"/>
-              <a:t> but leaves a lot of space for inputting any other information about the ports.)</a:t>
-            </a:r>
-            <a:br>
-              <a:rPr lang="en"/>
-            </a:br>
-            <a:endParaRPr/>
-          </a:p>
-          <a:p>
-            <a:pPr indent="0" lvl="0" marL="0" rtl="0" algn="l">
-              <a:spcBef>
-                <a:spcPts val="1200"/>
-              </a:spcBef>
-              <a:spcAft>
-                <a:spcPts val="0"/>
-              </a:spcAft>
-              <a:buNone/>
-            </a:pPr>
-            <a:r>
-              <a:t/>
-            </a:r>
-            <a:endParaRPr/>
-          </a:p>
-          <a:p>
-            <a:pPr indent="0" lvl="0" marL="0" rtl="0" algn="l">
-              <a:spcBef>
-                <a:spcPts val="1200"/>
-              </a:spcBef>
-              <a:spcAft>
-                <a:spcPts val="1200"/>
-              </a:spcAft>
-              <a:buNone/>
-            </a:pPr>
-            <a:r>
-              <a:t/>
-            </a:r>
-            <a:endParaRPr/>
-          </a:p>
-        </p:txBody>
-      </p:sp>
-    </p:spTree>
-  </p:cSld>
-  <p:clrMapOvr>
-    <a:masterClrMapping/>
-  </p:clrMapOvr>
-</p:sld>
-</file>
-
-<file path=ppt/slides/slide4.xml><?xml version="1.0" encoding="utf-8"?>
-<p:sld xmlns:a="http://schemas.openxmlformats.org/drawingml/2006/main" xmlns:r="http://schemas.openxmlformats.org/officeDocument/2006/relationships" xmlns:mc="http://schemas.openxmlformats.org/markup-compatibility/2006" xmlns:mv="urn:schemas-microsoft-com:mac:vml" xmlns:p="http://schemas.openxmlformats.org/presentationml/2006/main" xmlns:c="http://schemas.openxmlformats.org/drawingml/2006/chart" xmlns:dgm="http://schemas.openxmlformats.org/drawingml/2006/diagram" xmlns:o="urn:schemas-microsoft-com:office:office" xmlns:v="urn:schemas-microsoft-com:vml" xmlns:pvml="urn:schemas-microsoft-com:office:powerpoint" xmlns:com="http://schemas.openxmlformats.org/drawingml/2006/compatibility" xmlns:p14="http://schemas.microsoft.com/office/powerpoint/2010/main" xmlns:p15="http://schemas.microsoft.com/office/powerpoint/2012/main" xmlns:ahyp="http://schemas.microsoft.com/office/drawing/2018/hyperlinkcolor">
-  <p:cSld>
-    <p:spTree>
-      <p:nvGrpSpPr>
-        <p:cNvPr id="84" name="Shape 84"/>
-        <p:cNvGrpSpPr/>
-        <p:nvPr/>
-      </p:nvGrpSpPr>
-      <p:grpSpPr>
-        <a:xfrm>
-          <a:off x="0" y="0"/>
-          <a:ext cx="0" cy="0"/>
-          <a:chOff x="0" y="0"/>
-          <a:chExt cx="0" cy="0"/>
-        </a:xfrm>
-      </p:grpSpPr>
-      <p:sp>
-        <p:nvSpPr>
-          <p:cNvPr id="85" name="Google Shape;85;p16"/>
-          <p:cNvSpPr txBox="1"/>
-          <p:nvPr>
-            <p:ph type="title"/>
-          </p:nvPr>
-        </p:nvSpPr>
-        <p:spPr>
-          <a:xfrm>
-            <a:off x="471900" y="738725"/>
-            <a:ext cx="8222100" cy="767700"/>
-          </a:xfrm>
-          <a:prstGeom prst="rect">
-            <a:avLst/>
-          </a:prstGeom>
-        </p:spPr>
-        <p:txBody>
-          <a:bodyPr anchorCtr="0" anchor="b" bIns="91425" lIns="91425" spcFirstLastPara="1" rIns="91425" wrap="square" tIns="91425">
-            <a:normAutofit/>
-          </a:bodyPr>
-          <a:lstStyle/>
-          <a:p>
-            <a:pPr indent="0" lvl="0" marL="0" rtl="0" algn="l">
-              <a:spcBef>
-                <a:spcPts val="0"/>
-              </a:spcBef>
-              <a:spcAft>
-                <a:spcPts val="0"/>
-              </a:spcAft>
-              <a:buNone/>
-            </a:pPr>
-            <a:r>
-              <a:rPr lang="en"/>
-              <a:t>How Does the KL Algorithm Work? (1)</a:t>
             </a:r>
             <a:endParaRPr/>
           </a:p>
@@ -9258,114 +9945,14 @@
       </p:sp>
       <p:sp>
         <p:nvSpPr>
-          <p:cNvPr id="86" name="Google Shape;86;p16"/>
-          <p:cNvSpPr txBox="1"/>
-          <p:nvPr>
-            <p:ph idx="1" type="body"/>
-          </p:nvPr>
-        </p:nvSpPr>
-        <p:spPr>
-          <a:xfrm>
-            <a:off x="471900" y="1880950"/>
-            <a:ext cx="8222100" cy="2710200"/>
-          </a:xfrm>
-          <a:prstGeom prst="rect">
-            <a:avLst/>
-          </a:prstGeom>
-        </p:spPr>
-        <p:txBody>
-          <a:bodyPr anchorCtr="0" anchor="t" bIns="91425" lIns="91425" spcFirstLastPara="1" rIns="91425" wrap="square" tIns="91425">
-            <a:normAutofit/>
-          </a:bodyPr>
-          <a:lstStyle/>
-          <a:p>
-            <a:pPr indent="0" lvl="0" marL="0" rtl="0" algn="l">
-              <a:spcBef>
-                <a:spcPts val="0"/>
-              </a:spcBef>
-              <a:spcAft>
-                <a:spcPts val="1200"/>
-              </a:spcAft>
-              <a:buNone/>
-            </a:pPr>
-            <a:r>
-              <a:rPr lang="en" sz="1500"/>
-              <a:t>First, the KL algorithm takes a group of logic gates and turns them into individual nodes. Then these nodes get assigned “weights” that connect them to other nodes from the given graph. Weights hold a value that is calculated by using the formula w = 1/(k-1), where k is the number of gates in a clique. </a:t>
-            </a:r>
-            <a:r>
-              <a:rPr lang="en" sz="1500"/>
-              <a:t>In reality, there can be an infinite number of weights for these nodes.</a:t>
-            </a:r>
-            <a:endParaRPr sz="1500"/>
-          </a:p>
-        </p:txBody>
-      </p:sp>
-      <p:pic>
-        <p:nvPicPr>
-          <p:cNvPr id="87" name="Google Shape;87;p16"/>
-          <p:cNvPicPr preferRelativeResize="0"/>
-          <p:nvPr/>
-        </p:nvPicPr>
-        <p:blipFill>
-          <a:blip r:embed="rId3">
-            <a:alphaModFix/>
-          </a:blip>
-          <a:stretch>
-            <a:fillRect/>
-          </a:stretch>
-        </p:blipFill>
-        <p:spPr>
-          <a:xfrm>
-            <a:off x="471900" y="3227475"/>
-            <a:ext cx="2971800" cy="1619250"/>
-          </a:xfrm>
-          <a:prstGeom prst="rect">
-            <a:avLst/>
-          </a:prstGeom>
-          <a:noFill/>
-          <a:ln>
-            <a:noFill/>
-          </a:ln>
-        </p:spPr>
-      </p:pic>
-      <p:pic>
-        <p:nvPicPr>
-          <p:cNvPr id="88" name="Google Shape;88;p16"/>
-          <p:cNvPicPr preferRelativeResize="0"/>
-          <p:nvPr/>
-        </p:nvPicPr>
-        <p:blipFill>
-          <a:blip r:embed="rId4">
-            <a:alphaModFix/>
-          </a:blip>
-          <a:stretch>
-            <a:fillRect/>
-          </a:stretch>
-        </p:blipFill>
-        <p:spPr>
-          <a:xfrm>
-            <a:off x="6144900" y="3207318"/>
-            <a:ext cx="2549107" cy="1659575"/>
-          </a:xfrm>
-          <a:prstGeom prst="rect">
-            <a:avLst/>
-          </a:prstGeom>
-          <a:noFill/>
-          <a:ln>
-            <a:noFill/>
-          </a:ln>
-        </p:spPr>
-      </p:pic>
-      <p:sp>
-        <p:nvSpPr>
-          <p:cNvPr id="89" name="Google Shape;89;p16"/>
+          <p:cNvPr id="81" name="Google Shape;81;p15"/>
           <p:cNvSpPr/>
           <p:nvPr/>
         </p:nvSpPr>
         <p:spPr>
           <a:xfrm>
-            <a:off x="3581950" y="3874200"/>
-            <a:ext cx="2264700" cy="325800"/>
+            <a:off x="1400525" y="4090000"/>
+            <a:ext cx="433800" cy="74400"/>
           </a:xfrm>
           <a:prstGeom prst="rightArrow">
             <a:avLst>
@@ -9408,205 +9995,16 @@
           </a:p>
         </p:txBody>
       </p:sp>
-    </p:spTree>
-  </p:cSld>
-  <p:clrMapOvr>
-    <a:masterClrMapping/>
-  </p:clrMapOvr>
-</p:sld>
-</file>
-
-<file path=ppt/slides/slide5.xml><?xml version="1.0" encoding="utf-8"?>
-<p:sld xmlns:a="http://schemas.openxmlformats.org/drawingml/2006/main" xmlns:r="http://schemas.openxmlformats.org/officeDocument/2006/relationships" xmlns:mc="http://schemas.openxmlformats.org/markup-compatibility/2006" xmlns:mv="urn:schemas-microsoft-com:mac:vml" xmlns:p="http://schemas.openxmlformats.org/presentationml/2006/main" xmlns:c="http://schemas.openxmlformats.org/drawingml/2006/chart" xmlns:dgm="http://schemas.openxmlformats.org/drawingml/2006/diagram" xmlns:o="urn:schemas-microsoft-com:office:office" xmlns:v="urn:schemas-microsoft-com:vml" xmlns:pvml="urn:schemas-microsoft-com:office:powerpoint" xmlns:com="http://schemas.openxmlformats.org/drawingml/2006/compatibility" xmlns:p14="http://schemas.microsoft.com/office/powerpoint/2010/main" xmlns:p15="http://schemas.microsoft.com/office/powerpoint/2012/main" xmlns:ahyp="http://schemas.microsoft.com/office/drawing/2018/hyperlinkcolor">
-  <p:cSld>
-    <p:spTree>
-      <p:nvGrpSpPr>
-        <p:cNvPr id="93" name="Shape 93"/>
-        <p:cNvGrpSpPr/>
-        <p:nvPr/>
-      </p:nvGrpSpPr>
-      <p:grpSpPr>
-        <a:xfrm>
-          <a:off x="0" y="0"/>
-          <a:ext cx="0" cy="0"/>
-          <a:chOff x="0" y="0"/>
-          <a:chExt cx="0" cy="0"/>
-        </a:xfrm>
-      </p:grpSpPr>
       <p:sp>
         <p:nvSpPr>
-          <p:cNvPr id="94" name="Google Shape;94;p17"/>
-          <p:cNvSpPr txBox="1"/>
-          <p:nvPr>
-            <p:ph type="title"/>
-          </p:nvPr>
-        </p:nvSpPr>
-        <p:spPr>
-          <a:xfrm>
-            <a:off x="471900" y="738725"/>
-            <a:ext cx="8222100" cy="767700"/>
-          </a:xfrm>
-          <a:prstGeom prst="rect">
-            <a:avLst/>
-          </a:prstGeom>
-        </p:spPr>
-        <p:txBody>
-          <a:bodyPr anchorCtr="0" anchor="b" bIns="91425" lIns="91425" spcFirstLastPara="1" rIns="91425" wrap="square" tIns="91425">
-            <a:normAutofit/>
-          </a:bodyPr>
-          <a:lstStyle/>
-          <a:p>
-            <a:pPr indent="0" lvl="0" marL="0" rtl="0" algn="l">
-              <a:spcBef>
-                <a:spcPts val="0"/>
-              </a:spcBef>
-              <a:spcAft>
-                <a:spcPts val="0"/>
-              </a:spcAft>
-              <a:buNone/>
-            </a:pPr>
-            <a:r>
-              <a:rPr lang="en"/>
-              <a:t>How Does the KL Algorithm Work? (2)</a:t>
-            </a:r>
-            <a:endParaRPr/>
-          </a:p>
-        </p:txBody>
-      </p:sp>
-      <p:sp>
-        <p:nvSpPr>
-          <p:cNvPr id="95" name="Google Shape;95;p17"/>
-          <p:cNvSpPr txBox="1"/>
-          <p:nvPr>
-            <p:ph idx="1" type="body"/>
-          </p:nvPr>
-        </p:nvSpPr>
-        <p:spPr>
-          <a:xfrm>
-            <a:off x="5036400" y="1919075"/>
-            <a:ext cx="3657600" cy="2710200"/>
-          </a:xfrm>
-          <a:prstGeom prst="rect">
-            <a:avLst/>
-          </a:prstGeom>
-        </p:spPr>
-        <p:txBody>
-          <a:bodyPr anchorCtr="0" anchor="t" bIns="91425" lIns="91425" spcFirstLastPara="1" rIns="91425" wrap="square" tIns="91425">
-            <a:normAutofit fontScale="85000" lnSpcReduction="10000"/>
-          </a:bodyPr>
-          <a:lstStyle/>
-          <a:p>
-            <a:pPr indent="0" lvl="0" marL="0" rtl="0" algn="l">
-              <a:spcBef>
-                <a:spcPts val="0"/>
-              </a:spcBef>
-              <a:spcAft>
-                <a:spcPts val="1200"/>
-              </a:spcAft>
-              <a:buNone/>
-            </a:pPr>
-            <a:r>
-              <a:rPr lang="en" sz="1500"/>
-              <a:t>Once the nodes and their weights are set, now the algorithm divides the two into equal groups and places an imaginary “cutline” between them. Now, each node is swapped with another on the other side. When each swap is made, a gain value is given for that swap. This gain represents whether or not the swap made a decrease or increase in the cut size. The best gain (greatest) is chosen and the nodes that were swapped for that gain are locked in their swap. This process continues until all the nodes are locked.</a:t>
-            </a:r>
-            <a:endParaRPr sz="1700"/>
-          </a:p>
-        </p:txBody>
-      </p:sp>
-      <p:pic>
-        <p:nvPicPr>
-          <p:cNvPr id="96" name="Google Shape;96;p17"/>
-          <p:cNvPicPr preferRelativeResize="0"/>
-          <p:nvPr/>
-        </p:nvPicPr>
-        <p:blipFill>
-          <a:blip r:embed="rId3">
-            <a:alphaModFix/>
-          </a:blip>
-          <a:stretch>
-            <a:fillRect/>
-          </a:stretch>
-        </p:blipFill>
-        <p:spPr>
-          <a:xfrm>
-            <a:off x="278200" y="1919075"/>
-            <a:ext cx="1466850" cy="1704975"/>
-          </a:xfrm>
-          <a:prstGeom prst="rect">
-            <a:avLst/>
-          </a:prstGeom>
-          <a:noFill/>
-          <a:ln>
-            <a:noFill/>
-          </a:ln>
-        </p:spPr>
-      </p:pic>
-      <p:pic>
-        <p:nvPicPr>
-          <p:cNvPr id="97" name="Google Shape;97;p17"/>
-          <p:cNvPicPr preferRelativeResize="0"/>
-          <p:nvPr/>
-        </p:nvPicPr>
-        <p:blipFill>
-          <a:blip r:embed="rId4">
-            <a:alphaModFix/>
-          </a:blip>
-          <a:stretch>
-            <a:fillRect/>
-          </a:stretch>
-        </p:blipFill>
-        <p:spPr>
-          <a:xfrm>
-            <a:off x="3503400" y="1866688"/>
-            <a:ext cx="1343025" cy="1809750"/>
-          </a:xfrm>
-          <a:prstGeom prst="rect">
-            <a:avLst/>
-          </a:prstGeom>
-          <a:noFill/>
-          <a:ln>
-            <a:noFill/>
-          </a:ln>
-        </p:spPr>
-      </p:pic>
-      <p:pic>
-        <p:nvPicPr>
-          <p:cNvPr id="98" name="Google Shape;98;p17"/>
-          <p:cNvPicPr preferRelativeResize="0"/>
-          <p:nvPr/>
-        </p:nvPicPr>
-        <p:blipFill>
-          <a:blip r:embed="rId5">
-            <a:alphaModFix/>
-          </a:blip>
-          <a:stretch>
-            <a:fillRect/>
-          </a:stretch>
-        </p:blipFill>
-        <p:spPr>
-          <a:xfrm>
-            <a:off x="1914613" y="1919088"/>
-            <a:ext cx="1419225" cy="1704975"/>
-          </a:xfrm>
-          <a:prstGeom prst="rect">
-            <a:avLst/>
-          </a:prstGeom>
-          <a:noFill/>
-          <a:ln>
-            <a:noFill/>
-          </a:ln>
-        </p:spPr>
-      </p:pic>
-      <p:sp>
-        <p:nvSpPr>
-          <p:cNvPr id="99" name="Google Shape;99;p17"/>
+          <p:cNvPr id="82" name="Google Shape;82;p15"/>
           <p:cNvSpPr/>
           <p:nvPr/>
         </p:nvSpPr>
         <p:spPr>
           <a:xfrm>
-            <a:off x="1790975" y="2723475"/>
-            <a:ext cx="88800" cy="111000"/>
+            <a:off x="2556825" y="4090000"/>
+            <a:ext cx="433800" cy="74400"/>
           </a:xfrm>
           <a:prstGeom prst="rightArrow">
             <a:avLst>
@@ -9649,16 +10047,1297 @@
           </a:p>
         </p:txBody>
       </p:sp>
+    </p:spTree>
+  </p:cSld>
+  <p:clrMapOvr>
+    <a:masterClrMapping/>
+  </p:clrMapOvr>
+</p:sld>
+</file>
+
+<file path=ppt/slides/slide4.xml><?xml version="1.0" encoding="utf-8"?>
+<p:sld xmlns:a="http://schemas.openxmlformats.org/drawingml/2006/main" xmlns:r="http://schemas.openxmlformats.org/officeDocument/2006/relationships" xmlns:mc="http://schemas.openxmlformats.org/markup-compatibility/2006" xmlns:mv="urn:schemas-microsoft-com:mac:vml" xmlns:p="http://schemas.openxmlformats.org/presentationml/2006/main" xmlns:c="http://schemas.openxmlformats.org/drawingml/2006/chart" xmlns:dgm="http://schemas.openxmlformats.org/drawingml/2006/diagram" xmlns:o="urn:schemas-microsoft-com:office:office" xmlns:v="urn:schemas-microsoft-com:vml" xmlns:pvml="urn:schemas-microsoft-com:office:powerpoint" xmlns:com="http://schemas.openxmlformats.org/drawingml/2006/compatibility" xmlns:p14="http://schemas.microsoft.com/office/powerpoint/2010/main" xmlns:p15="http://schemas.microsoft.com/office/powerpoint/2012/main" xmlns:ahyp="http://schemas.microsoft.com/office/drawing/2018/hyperlinkcolor">
+  <p:cSld>
+    <p:spTree>
+      <p:nvGrpSpPr>
+        <p:cNvPr id="86" name="Shape 86"/>
+        <p:cNvGrpSpPr/>
+        <p:nvPr/>
+      </p:nvGrpSpPr>
+      <p:grpSpPr>
+        <a:xfrm>
+          <a:off x="0" y="0"/>
+          <a:ext cx="0" cy="0"/>
+          <a:chOff x="0" y="0"/>
+          <a:chExt cx="0" cy="0"/>
+        </a:xfrm>
+      </p:grpSpPr>
       <p:sp>
         <p:nvSpPr>
-          <p:cNvPr id="100" name="Google Shape;100;p17"/>
+          <p:cNvPr id="87" name="Google Shape;87;p16"/>
+          <p:cNvSpPr txBox="1"/>
+          <p:nvPr>
+            <p:ph type="title"/>
+          </p:nvPr>
+        </p:nvSpPr>
+        <p:spPr>
+          <a:xfrm>
+            <a:off x="471900" y="738725"/>
+            <a:ext cx="8222100" cy="767700"/>
+          </a:xfrm>
+          <a:prstGeom prst="rect">
+            <a:avLst/>
+          </a:prstGeom>
+        </p:spPr>
+        <p:txBody>
+          <a:bodyPr anchorCtr="0" anchor="b" bIns="91425" lIns="91425" spcFirstLastPara="1" rIns="91425" wrap="square" tIns="91425">
+            <a:normAutofit/>
+          </a:bodyPr>
+          <a:lstStyle/>
+          <a:p>
+            <a:pPr indent="0" lvl="0" marL="0" rtl="0" algn="l">
+              <a:spcBef>
+                <a:spcPts val="0"/>
+              </a:spcBef>
+              <a:spcAft>
+                <a:spcPts val="0"/>
+              </a:spcAft>
+              <a:buNone/>
+            </a:pPr>
+            <a:r>
+              <a:rPr lang="en"/>
+              <a:t>Parsing the JSON files into Python</a:t>
+            </a:r>
+            <a:endParaRPr/>
+          </a:p>
+        </p:txBody>
+      </p:sp>
+      <p:sp>
+        <p:nvSpPr>
+          <p:cNvPr id="88" name="Google Shape;88;p16"/>
+          <p:cNvSpPr txBox="1"/>
+          <p:nvPr>
+            <p:ph idx="1" type="body"/>
+          </p:nvPr>
+        </p:nvSpPr>
+        <p:spPr>
+          <a:xfrm>
+            <a:off x="471900" y="1881850"/>
+            <a:ext cx="8222100" cy="2710200"/>
+          </a:xfrm>
+          <a:prstGeom prst="rect">
+            <a:avLst/>
+          </a:prstGeom>
+        </p:spPr>
+        <p:txBody>
+          <a:bodyPr anchorCtr="0" anchor="t" bIns="91425" lIns="91425" spcFirstLastPara="1" rIns="91425" wrap="square" tIns="91425">
+            <a:normAutofit fontScale="25000" lnSpcReduction="20000"/>
+          </a:bodyPr>
+          <a:lstStyle/>
+          <a:p>
+            <a:pPr indent="-368666" lvl="0" marL="457200" rtl="0" algn="l">
+              <a:spcBef>
+                <a:spcPts val="0"/>
+              </a:spcBef>
+              <a:spcAft>
+                <a:spcPts val="0"/>
+              </a:spcAft>
+              <a:buClr>
+                <a:srgbClr val="000000"/>
+              </a:buClr>
+              <a:buSzPct val="100000"/>
+              <a:buFont typeface="Dosis"/>
+              <a:buChar char="●"/>
+            </a:pPr>
+            <a:r>
+              <a:rPr b="1" lang="en" sz="8823">
+                <a:solidFill>
+                  <a:srgbClr val="000000"/>
+                </a:solidFill>
+                <a:latin typeface="Dosis"/>
+                <a:ea typeface="Dosis"/>
+                <a:cs typeface="Dosis"/>
+                <a:sym typeface="Dosis"/>
+              </a:rPr>
+              <a:t>Parsing the JSON Files into Python is a crucial part of our project</a:t>
+            </a:r>
+            <a:endParaRPr b="1" sz="8823">
+              <a:solidFill>
+                <a:srgbClr val="000000"/>
+              </a:solidFill>
+              <a:latin typeface="Dosis"/>
+              <a:ea typeface="Dosis"/>
+              <a:cs typeface="Dosis"/>
+              <a:sym typeface="Dosis"/>
+            </a:endParaRPr>
+          </a:p>
+          <a:p>
+            <a:pPr indent="0" lvl="0" marL="0" rtl="0" algn="l">
+              <a:spcBef>
+                <a:spcPts val="1200"/>
+              </a:spcBef>
+              <a:spcAft>
+                <a:spcPts val="0"/>
+              </a:spcAft>
+              <a:buNone/>
+            </a:pPr>
+            <a:r>
+              <a:t/>
+            </a:r>
+            <a:endParaRPr b="1" sz="8823">
+              <a:solidFill>
+                <a:srgbClr val="000000"/>
+              </a:solidFill>
+              <a:latin typeface="Dosis"/>
+              <a:ea typeface="Dosis"/>
+              <a:cs typeface="Dosis"/>
+              <a:sym typeface="Dosis"/>
+            </a:endParaRPr>
+          </a:p>
+          <a:p>
+            <a:pPr indent="-368666" lvl="0" marL="457200" rtl="0" algn="l">
+              <a:spcBef>
+                <a:spcPts val="1200"/>
+              </a:spcBef>
+              <a:spcAft>
+                <a:spcPts val="0"/>
+              </a:spcAft>
+              <a:buClr>
+                <a:srgbClr val="000000"/>
+              </a:buClr>
+              <a:buSzPct val="100000"/>
+              <a:buFont typeface="Dosis"/>
+              <a:buChar char="●"/>
+            </a:pPr>
+            <a:r>
+              <a:rPr b="1" lang="en" sz="8823">
+                <a:solidFill>
+                  <a:srgbClr val="000000"/>
+                </a:solidFill>
+                <a:latin typeface="Dosis"/>
+                <a:ea typeface="Dosis"/>
+                <a:cs typeface="Dosis"/>
+                <a:sym typeface="Dosis"/>
+              </a:rPr>
+              <a:t>First step: Convert the JSON Files into a python dictionary</a:t>
+            </a:r>
+            <a:endParaRPr b="1" sz="8823">
+              <a:solidFill>
+                <a:srgbClr val="000000"/>
+              </a:solidFill>
+              <a:latin typeface="Dosis"/>
+              <a:ea typeface="Dosis"/>
+              <a:cs typeface="Dosis"/>
+              <a:sym typeface="Dosis"/>
+            </a:endParaRPr>
+          </a:p>
+          <a:p>
+            <a:pPr indent="0" lvl="0" marL="0" rtl="0" algn="l">
+              <a:spcBef>
+                <a:spcPts val="1200"/>
+              </a:spcBef>
+              <a:spcAft>
+                <a:spcPts val="0"/>
+              </a:spcAft>
+              <a:buNone/>
+            </a:pPr>
+            <a:r>
+              <a:t/>
+            </a:r>
+            <a:endParaRPr b="1" sz="8823">
+              <a:solidFill>
+                <a:srgbClr val="000000"/>
+              </a:solidFill>
+              <a:latin typeface="Dosis"/>
+              <a:ea typeface="Dosis"/>
+              <a:cs typeface="Dosis"/>
+              <a:sym typeface="Dosis"/>
+            </a:endParaRPr>
+          </a:p>
+          <a:p>
+            <a:pPr indent="-368666" lvl="0" marL="457200" rtl="0" algn="l">
+              <a:spcBef>
+                <a:spcPts val="1200"/>
+              </a:spcBef>
+              <a:spcAft>
+                <a:spcPts val="0"/>
+              </a:spcAft>
+              <a:buClr>
+                <a:srgbClr val="000000"/>
+              </a:buClr>
+              <a:buSzPct val="100000"/>
+              <a:buFont typeface="Dosis"/>
+              <a:buChar char="●"/>
+            </a:pPr>
+            <a:r>
+              <a:rPr b="1" lang="en" sz="8823">
+                <a:solidFill>
+                  <a:srgbClr val="000000"/>
+                </a:solidFill>
+                <a:latin typeface="Dosis"/>
+                <a:ea typeface="Dosis"/>
+                <a:cs typeface="Dosis"/>
+                <a:sym typeface="Dosis"/>
+              </a:rPr>
+              <a:t>Name and size agnostic approach</a:t>
+            </a:r>
+            <a:endParaRPr b="1" sz="8823">
+              <a:solidFill>
+                <a:srgbClr val="000000"/>
+              </a:solidFill>
+              <a:latin typeface="Dosis"/>
+              <a:ea typeface="Dosis"/>
+              <a:cs typeface="Dosis"/>
+              <a:sym typeface="Dosis"/>
+            </a:endParaRPr>
+          </a:p>
+          <a:p>
+            <a:pPr indent="0" lvl="0" marL="0" rtl="0" algn="l">
+              <a:spcBef>
+                <a:spcPts val="1200"/>
+              </a:spcBef>
+              <a:spcAft>
+                <a:spcPts val="0"/>
+              </a:spcAft>
+              <a:buNone/>
+            </a:pPr>
+            <a:r>
+              <a:t/>
+            </a:r>
+            <a:endParaRPr/>
+          </a:p>
+          <a:p>
+            <a:pPr indent="0" lvl="0" marL="0" rtl="0" algn="l">
+              <a:spcBef>
+                <a:spcPts val="1200"/>
+              </a:spcBef>
+              <a:spcAft>
+                <a:spcPts val="0"/>
+              </a:spcAft>
+              <a:buNone/>
+            </a:pPr>
+            <a:r>
+              <a:t/>
+            </a:r>
+            <a:endParaRPr/>
+          </a:p>
+          <a:p>
+            <a:pPr indent="0" lvl="0" marL="0" rtl="0" algn="l">
+              <a:spcBef>
+                <a:spcPts val="1200"/>
+              </a:spcBef>
+              <a:spcAft>
+                <a:spcPts val="0"/>
+              </a:spcAft>
+              <a:buNone/>
+            </a:pPr>
+            <a:r>
+              <a:t/>
+            </a:r>
+            <a:endParaRPr/>
+          </a:p>
+          <a:p>
+            <a:pPr indent="0" lvl="0" marL="0" rtl="0" algn="l">
+              <a:spcBef>
+                <a:spcPts val="1200"/>
+              </a:spcBef>
+              <a:spcAft>
+                <a:spcPts val="0"/>
+              </a:spcAft>
+              <a:buNone/>
+            </a:pPr>
+            <a:r>
+              <a:t/>
+            </a:r>
+            <a:endParaRPr/>
+          </a:p>
+          <a:p>
+            <a:pPr indent="0" lvl="0" marL="0" rtl="0" algn="l">
+              <a:spcBef>
+                <a:spcPts val="1200"/>
+              </a:spcBef>
+              <a:spcAft>
+                <a:spcPts val="1200"/>
+              </a:spcAft>
+              <a:buNone/>
+            </a:pPr>
+            <a:r>
+              <a:t/>
+            </a:r>
+            <a:endParaRPr/>
+          </a:p>
+        </p:txBody>
+      </p:sp>
+    </p:spTree>
+  </p:cSld>
+  <p:clrMapOvr>
+    <a:masterClrMapping/>
+  </p:clrMapOvr>
+</p:sld>
+</file>
+
+<file path=ppt/slides/slide5.xml><?xml version="1.0" encoding="utf-8"?>
+<p:sld xmlns:a="http://schemas.openxmlformats.org/drawingml/2006/main" xmlns:r="http://schemas.openxmlformats.org/officeDocument/2006/relationships" xmlns:mc="http://schemas.openxmlformats.org/markup-compatibility/2006" xmlns:mv="urn:schemas-microsoft-com:mac:vml" xmlns:p="http://schemas.openxmlformats.org/presentationml/2006/main" xmlns:c="http://schemas.openxmlformats.org/drawingml/2006/chart" xmlns:dgm="http://schemas.openxmlformats.org/drawingml/2006/diagram" xmlns:o="urn:schemas-microsoft-com:office:office" xmlns:v="urn:schemas-microsoft-com:vml" xmlns:pvml="urn:schemas-microsoft-com:office:powerpoint" xmlns:com="http://schemas.openxmlformats.org/drawingml/2006/compatibility" xmlns:p14="http://schemas.microsoft.com/office/powerpoint/2010/main" xmlns:p15="http://schemas.microsoft.com/office/powerpoint/2012/main" xmlns:ahyp="http://schemas.microsoft.com/office/drawing/2018/hyperlinkcolor">
+  <p:cSld>
+    <p:spTree>
+      <p:nvGrpSpPr>
+        <p:cNvPr id="92" name="Shape 92"/>
+        <p:cNvGrpSpPr/>
+        <p:nvPr/>
+      </p:nvGrpSpPr>
+      <p:grpSpPr>
+        <a:xfrm>
+          <a:off x="0" y="0"/>
+          <a:ext cx="0" cy="0"/>
+          <a:chOff x="0" y="0"/>
+          <a:chExt cx="0" cy="0"/>
+        </a:xfrm>
+      </p:grpSpPr>
+      <p:sp>
+        <p:nvSpPr>
+          <p:cNvPr id="93" name="Google Shape;93;p17"/>
+          <p:cNvSpPr txBox="1"/>
+          <p:nvPr>
+            <p:ph type="title"/>
+          </p:nvPr>
+        </p:nvSpPr>
+        <p:spPr>
+          <a:xfrm>
+            <a:off x="377875" y="785750"/>
+            <a:ext cx="8222100" cy="767700"/>
+          </a:xfrm>
+          <a:prstGeom prst="rect">
+            <a:avLst/>
+          </a:prstGeom>
+        </p:spPr>
+        <p:txBody>
+          <a:bodyPr anchorCtr="0" anchor="b" bIns="91425" lIns="91425" spcFirstLastPara="1" rIns="91425" wrap="square" tIns="91425">
+            <a:normAutofit/>
+          </a:bodyPr>
+          <a:lstStyle/>
+          <a:p>
+            <a:pPr indent="0" lvl="0" marL="0" rtl="0" algn="l">
+              <a:lnSpc>
+                <a:spcPct val="115000"/>
+              </a:lnSpc>
+              <a:spcBef>
+                <a:spcPts val="0"/>
+              </a:spcBef>
+              <a:spcAft>
+                <a:spcPts val="1200"/>
+              </a:spcAft>
+              <a:buNone/>
+            </a:pPr>
+            <a:r>
+              <a:rPr lang="en" sz="2200">
+                <a:solidFill>
+                  <a:srgbClr val="FFFFFE"/>
+                </a:solidFill>
+              </a:rPr>
+              <a:t>Parsing the JSON Files into Python </a:t>
+            </a:r>
+            <a:r>
+              <a:rPr lang="en" sz="2200">
+                <a:solidFill>
+                  <a:srgbClr val="FFFFFE"/>
+                </a:solidFill>
+              </a:rPr>
+              <a:t>continued</a:t>
+            </a:r>
+            <a:endParaRPr sz="3600">
+              <a:solidFill>
+                <a:srgbClr val="FFFFFE"/>
+              </a:solidFill>
+            </a:endParaRPr>
+          </a:p>
+        </p:txBody>
+      </p:sp>
+      <p:sp>
+        <p:nvSpPr>
+          <p:cNvPr id="94" name="Google Shape;94;p17"/>
+          <p:cNvSpPr txBox="1"/>
+          <p:nvPr>
+            <p:ph idx="1" type="body"/>
+          </p:nvPr>
+        </p:nvSpPr>
+        <p:spPr>
+          <a:xfrm>
+            <a:off x="312025" y="1675675"/>
+            <a:ext cx="8222100" cy="2439300"/>
+          </a:xfrm>
+          <a:prstGeom prst="rect">
+            <a:avLst/>
+          </a:prstGeom>
+        </p:spPr>
+        <p:txBody>
+          <a:bodyPr anchorCtr="0" anchor="t" bIns="91425" lIns="91425" spcFirstLastPara="1" rIns="91425" wrap="square" tIns="91425">
+            <a:normAutofit fontScale="25000" lnSpcReduction="20000"/>
+          </a:bodyPr>
+          <a:lstStyle/>
+          <a:p>
+            <a:pPr indent="0" lvl="0" marL="0" rtl="0" algn="l">
+              <a:lnSpc>
+                <a:spcPct val="150000"/>
+              </a:lnSpc>
+              <a:spcBef>
+                <a:spcPts val="0"/>
+              </a:spcBef>
+              <a:spcAft>
+                <a:spcPts val="0"/>
+              </a:spcAft>
+              <a:buNone/>
+            </a:pPr>
+            <a:r>
+              <a:rPr lang="en" sz="3665">
+                <a:solidFill>
+                  <a:srgbClr val="000000"/>
+                </a:solidFill>
+                <a:highlight>
+                  <a:srgbClr val="FFFFFE"/>
+                </a:highlight>
+                <a:latin typeface="Courier New"/>
+                <a:ea typeface="Courier New"/>
+                <a:cs typeface="Courier New"/>
+                <a:sym typeface="Courier New"/>
+              </a:rPr>
+              <a:t>#Gets source from top level module</a:t>
+            </a:r>
+            <a:endParaRPr sz="3665">
+              <a:solidFill>
+                <a:srgbClr val="000000"/>
+              </a:solidFill>
+              <a:highlight>
+                <a:srgbClr val="FFFFFE"/>
+              </a:highlight>
+              <a:latin typeface="Courier New"/>
+              <a:ea typeface="Courier New"/>
+              <a:cs typeface="Courier New"/>
+              <a:sym typeface="Courier New"/>
+            </a:endParaRPr>
+          </a:p>
+          <a:p>
+            <a:pPr indent="0" lvl="0" marL="0" rtl="0" algn="l">
+              <a:lnSpc>
+                <a:spcPct val="150000"/>
+              </a:lnSpc>
+              <a:spcBef>
+                <a:spcPts val="0"/>
+              </a:spcBef>
+              <a:spcAft>
+                <a:spcPts val="0"/>
+              </a:spcAft>
+              <a:buNone/>
+            </a:pPr>
+            <a:r>
+              <a:rPr lang="en" sz="3665">
+                <a:solidFill>
+                  <a:srgbClr val="000000"/>
+                </a:solidFill>
+                <a:highlight>
+                  <a:srgbClr val="FFFFFE"/>
+                </a:highlight>
+                <a:latin typeface="Courier New"/>
+                <a:ea typeface="Courier New"/>
+                <a:cs typeface="Courier New"/>
+                <a:sym typeface="Courier New"/>
+              </a:rPr>
+              <a:t> print("SRC: " + data["modules"][list(data["modules"].keys())[0]]["attributes"]["src"])</a:t>
+            </a:r>
+            <a:endParaRPr sz="3665">
+              <a:solidFill>
+                <a:srgbClr val="000000"/>
+              </a:solidFill>
+              <a:highlight>
+                <a:srgbClr val="FFFFFE"/>
+              </a:highlight>
+              <a:latin typeface="Courier New"/>
+              <a:ea typeface="Courier New"/>
+              <a:cs typeface="Courier New"/>
+              <a:sym typeface="Courier New"/>
+            </a:endParaRPr>
+          </a:p>
+          <a:p>
+            <a:pPr indent="0" lvl="0" marL="0" rtl="0" algn="l">
+              <a:spcBef>
+                <a:spcPts val="0"/>
+              </a:spcBef>
+              <a:spcAft>
+                <a:spcPts val="0"/>
+              </a:spcAft>
+              <a:buNone/>
+            </a:pPr>
+            <a:r>
+              <a:t/>
+            </a:r>
+            <a:endParaRPr sz="2600"/>
+          </a:p>
+          <a:p>
+            <a:pPr indent="0" lvl="0" marL="0" rtl="0" algn="l">
+              <a:spcBef>
+                <a:spcPts val="1200"/>
+              </a:spcBef>
+              <a:spcAft>
+                <a:spcPts val="0"/>
+              </a:spcAft>
+              <a:buNone/>
+            </a:pPr>
+            <a:r>
+              <a:rPr lang="en" sz="2600"/>
+              <a:t>(name agnostic way)</a:t>
+            </a:r>
+            <a:endParaRPr sz="5400"/>
+          </a:p>
+          <a:p>
+            <a:pPr indent="0" lvl="0" marL="0" rtl="0" algn="l">
+              <a:lnSpc>
+                <a:spcPct val="150000"/>
+              </a:lnSpc>
+              <a:spcBef>
+                <a:spcPts val="1200"/>
+              </a:spcBef>
+              <a:spcAft>
+                <a:spcPts val="0"/>
+              </a:spcAft>
+              <a:buNone/>
+            </a:pPr>
+            <a:r>
+              <a:rPr lang="en" sz="3850">
+                <a:solidFill>
+                  <a:srgbClr val="000000"/>
+                </a:solidFill>
+                <a:highlight>
+                  <a:srgbClr val="FFFFFE"/>
+                </a:highlight>
+                <a:latin typeface="Courier New"/>
+                <a:ea typeface="Courier New"/>
+                <a:cs typeface="Courier New"/>
+                <a:sym typeface="Courier New"/>
+              </a:rPr>
+              <a:t>#Iterates through ports in a given module</a:t>
+            </a:r>
+            <a:endParaRPr sz="3850">
+              <a:solidFill>
+                <a:srgbClr val="000000"/>
+              </a:solidFill>
+              <a:highlight>
+                <a:srgbClr val="FFFFFE"/>
+              </a:highlight>
+              <a:latin typeface="Courier New"/>
+              <a:ea typeface="Courier New"/>
+              <a:cs typeface="Courier New"/>
+              <a:sym typeface="Courier New"/>
+            </a:endParaRPr>
+          </a:p>
+          <a:p>
+            <a:pPr indent="0" lvl="0" marL="0" rtl="0" algn="l">
+              <a:lnSpc>
+                <a:spcPct val="150000"/>
+              </a:lnSpc>
+              <a:spcBef>
+                <a:spcPts val="0"/>
+              </a:spcBef>
+              <a:spcAft>
+                <a:spcPts val="0"/>
+              </a:spcAft>
+              <a:buNone/>
+            </a:pPr>
+            <a:r>
+              <a:rPr lang="en" sz="3850">
+                <a:solidFill>
+                  <a:srgbClr val="000000"/>
+                </a:solidFill>
+                <a:highlight>
+                  <a:srgbClr val="FFFFFE"/>
+                </a:highlight>
+                <a:latin typeface="Courier New"/>
+                <a:ea typeface="Courier New"/>
+                <a:cs typeface="Courier New"/>
+                <a:sym typeface="Courier New"/>
+              </a:rPr>
+              <a:t> for k in data["modules"][list(data["modules"].keys())[0]]["ports"]:</a:t>
+            </a:r>
+            <a:endParaRPr sz="3850">
+              <a:solidFill>
+                <a:srgbClr val="000000"/>
+              </a:solidFill>
+              <a:highlight>
+                <a:srgbClr val="FFFFFE"/>
+              </a:highlight>
+              <a:latin typeface="Courier New"/>
+              <a:ea typeface="Courier New"/>
+              <a:cs typeface="Courier New"/>
+              <a:sym typeface="Courier New"/>
+            </a:endParaRPr>
+          </a:p>
+          <a:p>
+            <a:pPr indent="0" lvl="0" marL="0" rtl="0" algn="l">
+              <a:spcBef>
+                <a:spcPts val="0"/>
+              </a:spcBef>
+              <a:spcAft>
+                <a:spcPts val="0"/>
+              </a:spcAft>
+              <a:buNone/>
+            </a:pPr>
+            <a:r>
+              <a:t/>
+            </a:r>
+            <a:endParaRPr sz="2600"/>
+          </a:p>
+          <a:p>
+            <a:pPr indent="0" lvl="0" marL="0" rtl="0" algn="l">
+              <a:spcBef>
+                <a:spcPts val="1200"/>
+              </a:spcBef>
+              <a:spcAft>
+                <a:spcPts val="0"/>
+              </a:spcAft>
+              <a:buNone/>
+            </a:pPr>
+            <a:r>
+              <a:rPr lang="en" sz="2600"/>
+              <a:t>(Iterate through all ports regardless of length of port array)</a:t>
+            </a:r>
+            <a:endParaRPr/>
+          </a:p>
+          <a:p>
+            <a:pPr indent="0" lvl="0" marL="0" rtl="0" algn="l">
+              <a:lnSpc>
+                <a:spcPct val="150000"/>
+              </a:lnSpc>
+              <a:spcBef>
+                <a:spcPts val="1200"/>
+              </a:spcBef>
+              <a:spcAft>
+                <a:spcPts val="0"/>
+              </a:spcAft>
+              <a:buNone/>
+            </a:pPr>
+            <a:r>
+              <a:rPr lang="en" sz="3450">
+                <a:solidFill>
+                  <a:srgbClr val="000000"/>
+                </a:solidFill>
+                <a:highlight>
+                  <a:srgbClr val="FFFFFE"/>
+                </a:highlight>
+                <a:latin typeface="Courier New"/>
+                <a:ea typeface="Courier New"/>
+                <a:cs typeface="Courier New"/>
+                <a:sym typeface="Courier New"/>
+              </a:rPr>
+              <a:t>#Adds +1 to destinations and appends a port to output list if it is an output</a:t>
+            </a:r>
+            <a:endParaRPr sz="3450">
+              <a:solidFill>
+                <a:srgbClr val="000000"/>
+              </a:solidFill>
+              <a:highlight>
+                <a:srgbClr val="FFFFFE"/>
+              </a:highlight>
+              <a:latin typeface="Courier New"/>
+              <a:ea typeface="Courier New"/>
+              <a:cs typeface="Courier New"/>
+              <a:sym typeface="Courier New"/>
+            </a:endParaRPr>
+          </a:p>
+          <a:p>
+            <a:pPr indent="0" lvl="0" marL="0" rtl="0" algn="l">
+              <a:lnSpc>
+                <a:spcPct val="150000"/>
+              </a:lnSpc>
+              <a:spcBef>
+                <a:spcPts val="0"/>
+              </a:spcBef>
+              <a:spcAft>
+                <a:spcPts val="0"/>
+              </a:spcAft>
+              <a:buNone/>
+            </a:pPr>
+            <a:r>
+              <a:rPr lang="en" sz="3450">
+                <a:solidFill>
+                  <a:srgbClr val="000000"/>
+                </a:solidFill>
+                <a:highlight>
+                  <a:srgbClr val="FFFFFE"/>
+                </a:highlight>
+                <a:latin typeface="Courier New"/>
+                <a:ea typeface="Courier New"/>
+                <a:cs typeface="Courier New"/>
+                <a:sym typeface="Courier New"/>
+              </a:rPr>
+              <a:t>   if data["modules"][list(data["modules"].keys())[0]]["ports"][k]["direction"] == "output":</a:t>
+            </a:r>
+            <a:endParaRPr sz="3450">
+              <a:solidFill>
+                <a:srgbClr val="000000"/>
+              </a:solidFill>
+              <a:highlight>
+                <a:srgbClr val="FFFFFE"/>
+              </a:highlight>
+              <a:latin typeface="Courier New"/>
+              <a:ea typeface="Courier New"/>
+              <a:cs typeface="Courier New"/>
+              <a:sym typeface="Courier New"/>
+            </a:endParaRPr>
+          </a:p>
+          <a:p>
+            <a:pPr indent="0" lvl="0" marL="0" rtl="0" algn="l">
+              <a:lnSpc>
+                <a:spcPct val="150000"/>
+              </a:lnSpc>
+              <a:spcBef>
+                <a:spcPts val="0"/>
+              </a:spcBef>
+              <a:spcAft>
+                <a:spcPts val="0"/>
+              </a:spcAft>
+              <a:buNone/>
+            </a:pPr>
+            <a:r>
+              <a:rPr lang="en" sz="3450">
+                <a:solidFill>
+                  <a:srgbClr val="000000"/>
+                </a:solidFill>
+                <a:highlight>
+                  <a:srgbClr val="FFFFFE"/>
+                </a:highlight>
+                <a:latin typeface="Courier New"/>
+                <a:ea typeface="Courier New"/>
+                <a:cs typeface="Courier New"/>
+                <a:sym typeface="Courier New"/>
+              </a:rPr>
+              <a:t>     destinations += 1</a:t>
+            </a:r>
+            <a:endParaRPr sz="3450">
+              <a:solidFill>
+                <a:srgbClr val="000000"/>
+              </a:solidFill>
+              <a:highlight>
+                <a:srgbClr val="FFFFFE"/>
+              </a:highlight>
+              <a:latin typeface="Courier New"/>
+              <a:ea typeface="Courier New"/>
+              <a:cs typeface="Courier New"/>
+              <a:sym typeface="Courier New"/>
+            </a:endParaRPr>
+          </a:p>
+          <a:p>
+            <a:pPr indent="0" lvl="0" marL="0" rtl="0" algn="l">
+              <a:lnSpc>
+                <a:spcPct val="150000"/>
+              </a:lnSpc>
+              <a:spcBef>
+                <a:spcPts val="0"/>
+              </a:spcBef>
+              <a:spcAft>
+                <a:spcPts val="0"/>
+              </a:spcAft>
+              <a:buNone/>
+            </a:pPr>
+            <a:r>
+              <a:rPr lang="en" sz="3450">
+                <a:solidFill>
+                  <a:srgbClr val="000000"/>
+                </a:solidFill>
+                <a:highlight>
+                  <a:srgbClr val="FFFFFE"/>
+                </a:highlight>
+                <a:latin typeface="Courier New"/>
+                <a:ea typeface="Courier New"/>
+                <a:cs typeface="Courier New"/>
+                <a:sym typeface="Courier New"/>
+              </a:rPr>
+              <a:t>     output_arr.append(k)</a:t>
+            </a:r>
+            <a:endParaRPr sz="3450">
+              <a:solidFill>
+                <a:srgbClr val="000000"/>
+              </a:solidFill>
+              <a:highlight>
+                <a:srgbClr val="FFFFFE"/>
+              </a:highlight>
+              <a:latin typeface="Courier New"/>
+              <a:ea typeface="Courier New"/>
+              <a:cs typeface="Courier New"/>
+              <a:sym typeface="Courier New"/>
+            </a:endParaRPr>
+          </a:p>
+          <a:p>
+            <a:pPr indent="0" lvl="0" marL="0" rtl="0" algn="l">
+              <a:lnSpc>
+                <a:spcPct val="150000"/>
+              </a:lnSpc>
+              <a:spcBef>
+                <a:spcPts val="0"/>
+              </a:spcBef>
+              <a:spcAft>
+                <a:spcPts val="0"/>
+              </a:spcAft>
+              <a:buNone/>
+            </a:pPr>
+            <a:r>
+              <a:rPr lang="en" sz="3450">
+                <a:solidFill>
+                  <a:srgbClr val="000000"/>
+                </a:solidFill>
+                <a:highlight>
+                  <a:srgbClr val="FFFFFE"/>
+                </a:highlight>
+                <a:latin typeface="Courier New"/>
+                <a:ea typeface="Courier New"/>
+                <a:cs typeface="Courier New"/>
+                <a:sym typeface="Courier New"/>
+              </a:rPr>
+              <a:t>  </a:t>
+            </a:r>
+            <a:endParaRPr sz="3450">
+              <a:solidFill>
+                <a:srgbClr val="000000"/>
+              </a:solidFill>
+              <a:highlight>
+                <a:srgbClr val="FFFFFE"/>
+              </a:highlight>
+              <a:latin typeface="Courier New"/>
+              <a:ea typeface="Courier New"/>
+              <a:cs typeface="Courier New"/>
+              <a:sym typeface="Courier New"/>
+            </a:endParaRPr>
+          </a:p>
+          <a:p>
+            <a:pPr indent="0" lvl="0" marL="0" rtl="0" algn="l">
+              <a:lnSpc>
+                <a:spcPct val="150000"/>
+              </a:lnSpc>
+              <a:spcBef>
+                <a:spcPts val="0"/>
+              </a:spcBef>
+              <a:spcAft>
+                <a:spcPts val="0"/>
+              </a:spcAft>
+              <a:buNone/>
+            </a:pPr>
+            <a:r>
+              <a:rPr lang="en" sz="3450">
+                <a:solidFill>
+                  <a:srgbClr val="000000"/>
+                </a:solidFill>
+                <a:highlight>
+                  <a:srgbClr val="FFFFFE"/>
+                </a:highlight>
+                <a:latin typeface="Courier New"/>
+                <a:ea typeface="Courier New"/>
+                <a:cs typeface="Courier New"/>
+                <a:sym typeface="Courier New"/>
+              </a:rPr>
+              <a:t>   #Adds +1 to inputs and appends a port to input list if it is an output</a:t>
+            </a:r>
+            <a:endParaRPr sz="3450">
+              <a:solidFill>
+                <a:srgbClr val="000000"/>
+              </a:solidFill>
+              <a:highlight>
+                <a:srgbClr val="FFFFFE"/>
+              </a:highlight>
+              <a:latin typeface="Courier New"/>
+              <a:ea typeface="Courier New"/>
+              <a:cs typeface="Courier New"/>
+              <a:sym typeface="Courier New"/>
+            </a:endParaRPr>
+          </a:p>
+          <a:p>
+            <a:pPr indent="0" lvl="0" marL="0" rtl="0" algn="l">
+              <a:lnSpc>
+                <a:spcPct val="150000"/>
+              </a:lnSpc>
+              <a:spcBef>
+                <a:spcPts val="0"/>
+              </a:spcBef>
+              <a:spcAft>
+                <a:spcPts val="0"/>
+              </a:spcAft>
+              <a:buNone/>
+            </a:pPr>
+            <a:r>
+              <a:rPr lang="en" sz="3450">
+                <a:solidFill>
+                  <a:srgbClr val="000000"/>
+                </a:solidFill>
+                <a:highlight>
+                  <a:srgbClr val="FFFFFE"/>
+                </a:highlight>
+                <a:latin typeface="Courier New"/>
+                <a:ea typeface="Courier New"/>
+                <a:cs typeface="Courier New"/>
+                <a:sym typeface="Courier New"/>
+              </a:rPr>
+              <a:t>   elif data["modules"][list(data["modules"].keys())[0]]["ports"][k]["direction"] == "input":</a:t>
+            </a:r>
+            <a:endParaRPr sz="3450">
+              <a:solidFill>
+                <a:srgbClr val="000000"/>
+              </a:solidFill>
+              <a:highlight>
+                <a:srgbClr val="FFFFFE"/>
+              </a:highlight>
+              <a:latin typeface="Courier New"/>
+              <a:ea typeface="Courier New"/>
+              <a:cs typeface="Courier New"/>
+              <a:sym typeface="Courier New"/>
+            </a:endParaRPr>
+          </a:p>
+          <a:p>
+            <a:pPr indent="0" lvl="0" marL="0" rtl="0" algn="l">
+              <a:lnSpc>
+                <a:spcPct val="150000"/>
+              </a:lnSpc>
+              <a:spcBef>
+                <a:spcPts val="0"/>
+              </a:spcBef>
+              <a:spcAft>
+                <a:spcPts val="0"/>
+              </a:spcAft>
+              <a:buNone/>
+            </a:pPr>
+            <a:r>
+              <a:rPr lang="en" sz="3450">
+                <a:solidFill>
+                  <a:srgbClr val="000000"/>
+                </a:solidFill>
+                <a:highlight>
+                  <a:srgbClr val="FFFFFE"/>
+                </a:highlight>
+                <a:latin typeface="Courier New"/>
+                <a:ea typeface="Courier New"/>
+                <a:cs typeface="Courier New"/>
+                <a:sym typeface="Courier New"/>
+              </a:rPr>
+              <a:t>     inputs += 1</a:t>
+            </a:r>
+            <a:endParaRPr sz="3450">
+              <a:solidFill>
+                <a:srgbClr val="000000"/>
+              </a:solidFill>
+              <a:highlight>
+                <a:srgbClr val="FFFFFE"/>
+              </a:highlight>
+              <a:latin typeface="Courier New"/>
+              <a:ea typeface="Courier New"/>
+              <a:cs typeface="Courier New"/>
+              <a:sym typeface="Courier New"/>
+            </a:endParaRPr>
+          </a:p>
+          <a:p>
+            <a:pPr indent="0" lvl="0" marL="0" rtl="0" algn="l">
+              <a:lnSpc>
+                <a:spcPct val="150000"/>
+              </a:lnSpc>
+              <a:spcBef>
+                <a:spcPts val="0"/>
+              </a:spcBef>
+              <a:spcAft>
+                <a:spcPts val="0"/>
+              </a:spcAft>
+              <a:buNone/>
+            </a:pPr>
+            <a:r>
+              <a:rPr lang="en" sz="3450">
+                <a:solidFill>
+                  <a:srgbClr val="000000"/>
+                </a:solidFill>
+                <a:highlight>
+                  <a:srgbClr val="FFFFFE"/>
+                </a:highlight>
+                <a:latin typeface="Courier New"/>
+                <a:ea typeface="Courier New"/>
+                <a:cs typeface="Courier New"/>
+                <a:sym typeface="Courier New"/>
+              </a:rPr>
+              <a:t>     input_arr.append(k)</a:t>
+            </a:r>
+            <a:endParaRPr sz="3450">
+              <a:solidFill>
+                <a:srgbClr val="000000"/>
+              </a:solidFill>
+              <a:highlight>
+                <a:srgbClr val="FFFFFE"/>
+              </a:highlight>
+              <a:latin typeface="Courier New"/>
+              <a:ea typeface="Courier New"/>
+              <a:cs typeface="Courier New"/>
+              <a:sym typeface="Courier New"/>
+            </a:endParaRPr>
+          </a:p>
+          <a:p>
+            <a:pPr indent="0" lvl="0" marL="0" rtl="0" algn="l">
+              <a:spcBef>
+                <a:spcPts val="0"/>
+              </a:spcBef>
+              <a:spcAft>
+                <a:spcPts val="0"/>
+              </a:spcAft>
+              <a:buNone/>
+            </a:pPr>
+            <a:r>
+              <a:rPr lang="en" sz="3400"/>
+              <a:t>(This is a very simple implementation for counting the ports for input and </a:t>
+            </a:r>
+            <a:r>
+              <a:rPr lang="en" sz="3400"/>
+              <a:t>output</a:t>
+            </a:r>
+            <a:r>
+              <a:rPr lang="en" sz="3400"/>
+              <a:t> but leaves a lot of space for inputting any other information about the ports.)</a:t>
+            </a:r>
+            <a:br>
+              <a:rPr lang="en"/>
+            </a:br>
+            <a:endParaRPr/>
+          </a:p>
+          <a:p>
+            <a:pPr indent="0" lvl="0" marL="0" rtl="0" algn="l">
+              <a:spcBef>
+                <a:spcPts val="1200"/>
+              </a:spcBef>
+              <a:spcAft>
+                <a:spcPts val="0"/>
+              </a:spcAft>
+              <a:buNone/>
+            </a:pPr>
+            <a:r>
+              <a:t/>
+            </a:r>
+            <a:endParaRPr/>
+          </a:p>
+          <a:p>
+            <a:pPr indent="0" lvl="0" marL="0" rtl="0" algn="l">
+              <a:spcBef>
+                <a:spcPts val="1200"/>
+              </a:spcBef>
+              <a:spcAft>
+                <a:spcPts val="1200"/>
+              </a:spcAft>
+              <a:buNone/>
+            </a:pPr>
+            <a:r>
+              <a:t/>
+            </a:r>
+            <a:endParaRPr/>
+          </a:p>
+        </p:txBody>
+      </p:sp>
+    </p:spTree>
+  </p:cSld>
+  <p:clrMapOvr>
+    <a:masterClrMapping/>
+  </p:clrMapOvr>
+</p:sld>
+</file>
+
+<file path=ppt/slides/slide6.xml><?xml version="1.0" encoding="utf-8"?>
+<p:sld xmlns:a="http://schemas.openxmlformats.org/drawingml/2006/main" xmlns:r="http://schemas.openxmlformats.org/officeDocument/2006/relationships" xmlns:mc="http://schemas.openxmlformats.org/markup-compatibility/2006" xmlns:mv="urn:schemas-microsoft-com:mac:vml" xmlns:p="http://schemas.openxmlformats.org/presentationml/2006/main" xmlns:c="http://schemas.openxmlformats.org/drawingml/2006/chart" xmlns:dgm="http://schemas.openxmlformats.org/drawingml/2006/diagram" xmlns:o="urn:schemas-microsoft-com:office:office" xmlns:v="urn:schemas-microsoft-com:vml" xmlns:pvml="urn:schemas-microsoft-com:office:powerpoint" xmlns:com="http://schemas.openxmlformats.org/drawingml/2006/compatibility" xmlns:p14="http://schemas.microsoft.com/office/powerpoint/2010/main" xmlns:p15="http://schemas.microsoft.com/office/powerpoint/2012/main" xmlns:ahyp="http://schemas.microsoft.com/office/drawing/2018/hyperlinkcolor">
+  <p:cSld>
+    <p:spTree>
+      <p:nvGrpSpPr>
+        <p:cNvPr id="98" name="Shape 98"/>
+        <p:cNvGrpSpPr/>
+        <p:nvPr/>
+      </p:nvGrpSpPr>
+      <p:grpSpPr>
+        <a:xfrm>
+          <a:off x="0" y="0"/>
+          <a:ext cx="0" cy="0"/>
+          <a:chOff x="0" y="0"/>
+          <a:chExt cx="0" cy="0"/>
+        </a:xfrm>
+      </p:grpSpPr>
+      <p:sp>
+        <p:nvSpPr>
+          <p:cNvPr id="99" name="Google Shape;99;p18"/>
+          <p:cNvSpPr txBox="1"/>
+          <p:nvPr>
+            <p:ph type="title"/>
+          </p:nvPr>
+        </p:nvSpPr>
+        <p:spPr>
+          <a:xfrm>
+            <a:off x="471900" y="738725"/>
+            <a:ext cx="8222100" cy="767700"/>
+          </a:xfrm>
+          <a:prstGeom prst="rect">
+            <a:avLst/>
+          </a:prstGeom>
+        </p:spPr>
+        <p:txBody>
+          <a:bodyPr anchorCtr="0" anchor="b" bIns="91425" lIns="91425" spcFirstLastPara="1" rIns="91425" wrap="square" tIns="91425">
+            <a:normAutofit/>
+          </a:bodyPr>
+          <a:lstStyle/>
+          <a:p>
+            <a:pPr indent="0" lvl="0" marL="0" rtl="0" algn="l">
+              <a:spcBef>
+                <a:spcPts val="0"/>
+              </a:spcBef>
+              <a:spcAft>
+                <a:spcPts val="0"/>
+              </a:spcAft>
+              <a:buNone/>
+            </a:pPr>
+            <a:r>
+              <a:rPr lang="en"/>
+              <a:t>How Does the KL Algorithm Work? (1)</a:t>
+            </a:r>
+            <a:endParaRPr/>
+          </a:p>
+        </p:txBody>
+      </p:sp>
+      <p:sp>
+        <p:nvSpPr>
+          <p:cNvPr id="100" name="Google Shape;100;p18"/>
+          <p:cNvSpPr txBox="1"/>
+          <p:nvPr>
+            <p:ph idx="1" type="body"/>
+          </p:nvPr>
+        </p:nvSpPr>
+        <p:spPr>
+          <a:xfrm>
+            <a:off x="460950" y="1769925"/>
+            <a:ext cx="8222100" cy="2710200"/>
+          </a:xfrm>
+          <a:prstGeom prst="rect">
+            <a:avLst/>
+          </a:prstGeom>
+        </p:spPr>
+        <p:txBody>
+          <a:bodyPr anchorCtr="0" anchor="t" bIns="91425" lIns="91425" spcFirstLastPara="1" rIns="91425" wrap="square" tIns="91425">
+            <a:normAutofit/>
+          </a:bodyPr>
+          <a:lstStyle/>
+          <a:p>
+            <a:pPr indent="-323850" lvl="0" marL="457200" rtl="0" algn="l">
+              <a:spcBef>
+                <a:spcPts val="0"/>
+              </a:spcBef>
+              <a:spcAft>
+                <a:spcPts val="0"/>
+              </a:spcAft>
+              <a:buSzPts val="1500"/>
+              <a:buChar char="●"/>
+            </a:pPr>
+            <a:r>
+              <a:rPr lang="en" sz="1500"/>
+              <a:t>T</a:t>
+            </a:r>
+            <a:r>
+              <a:rPr lang="en" sz="1500"/>
+              <a:t>he KL algorithm takes a group of logic gates and turns them into individual nodes.</a:t>
+            </a:r>
+            <a:endParaRPr sz="1500"/>
+          </a:p>
+          <a:p>
+            <a:pPr indent="-323850" lvl="0" marL="457200" rtl="0" algn="l">
+              <a:spcBef>
+                <a:spcPts val="0"/>
+              </a:spcBef>
+              <a:spcAft>
+                <a:spcPts val="0"/>
+              </a:spcAft>
+              <a:buSzPts val="1500"/>
+              <a:buChar char="●"/>
+            </a:pPr>
+            <a:r>
+              <a:rPr lang="en" sz="1500"/>
+              <a:t>These nodes get assigned “weights” that connect them to other nodes from the given graph. </a:t>
+            </a:r>
+            <a:endParaRPr sz="1500"/>
+          </a:p>
+          <a:p>
+            <a:pPr indent="-323850" lvl="0" marL="457200" rtl="0" algn="l">
+              <a:spcBef>
+                <a:spcPts val="0"/>
+              </a:spcBef>
+              <a:spcAft>
+                <a:spcPts val="0"/>
+              </a:spcAft>
+              <a:buSzPts val="1500"/>
+              <a:buChar char="●"/>
+            </a:pPr>
+            <a:r>
+              <a:rPr lang="en" sz="1500"/>
+              <a:t>Weights hold a value that is calculated by using the formula w = 1/(k-1), where k is the number of gates in a clique. </a:t>
+            </a:r>
+            <a:endParaRPr sz="1500"/>
+          </a:p>
+        </p:txBody>
+      </p:sp>
+      <p:pic>
+        <p:nvPicPr>
+          <p:cNvPr id="101" name="Google Shape;101;p18"/>
+          <p:cNvPicPr preferRelativeResize="0"/>
+          <p:nvPr/>
+        </p:nvPicPr>
+        <p:blipFill>
+          <a:blip r:embed="rId3">
+            <a:alphaModFix/>
+          </a:blip>
+          <a:stretch>
+            <a:fillRect/>
+          </a:stretch>
+        </p:blipFill>
+        <p:spPr>
+          <a:xfrm>
+            <a:off x="471900" y="3227475"/>
+            <a:ext cx="2971800" cy="1619250"/>
+          </a:xfrm>
+          <a:prstGeom prst="rect">
+            <a:avLst/>
+          </a:prstGeom>
+          <a:noFill/>
+          <a:ln>
+            <a:noFill/>
+          </a:ln>
+        </p:spPr>
+      </p:pic>
+      <p:pic>
+        <p:nvPicPr>
+          <p:cNvPr id="102" name="Google Shape;102;p18"/>
+          <p:cNvPicPr preferRelativeResize="0"/>
+          <p:nvPr/>
+        </p:nvPicPr>
+        <p:blipFill>
+          <a:blip r:embed="rId4">
+            <a:alphaModFix/>
+          </a:blip>
+          <a:stretch>
+            <a:fillRect/>
+          </a:stretch>
+        </p:blipFill>
+        <p:spPr>
+          <a:xfrm>
+            <a:off x="6144900" y="3207318"/>
+            <a:ext cx="2549107" cy="1659575"/>
+          </a:xfrm>
+          <a:prstGeom prst="rect">
+            <a:avLst/>
+          </a:prstGeom>
+          <a:noFill/>
+          <a:ln>
+            <a:noFill/>
+          </a:ln>
+        </p:spPr>
+      </p:pic>
+      <p:sp>
+        <p:nvSpPr>
+          <p:cNvPr id="103" name="Google Shape;103;p18"/>
           <p:cNvSpPr/>
           <p:nvPr/>
         </p:nvSpPr>
         <p:spPr>
           <a:xfrm>
-            <a:off x="3413688" y="2716063"/>
-            <a:ext cx="88800" cy="111000"/>
+            <a:off x="3581950" y="3874200"/>
+            <a:ext cx="2264700" cy="325800"/>
           </a:xfrm>
           <a:prstGeom prst="rightArrow">
             <a:avLst>
@@ -9701,34 +11380,6 @@
           </a:p>
         </p:txBody>
       </p:sp>
-      <p:pic>
-        <p:nvPicPr>
-          <p:cNvPr id="101" name="Google Shape;101;p17"/>
-          <p:cNvPicPr preferRelativeResize="0"/>
-          <p:nvPr/>
-        </p:nvPicPr>
-        <p:blipFill>
-          <a:blip r:embed="rId6">
-            <a:alphaModFix/>
-          </a:blip>
-          <a:stretch>
-            <a:fillRect/>
-          </a:stretch>
-        </p:blipFill>
-        <p:spPr>
-          <a:xfrm>
-            <a:off x="1256400" y="3791813"/>
-            <a:ext cx="2735665" cy="1162262"/>
-          </a:xfrm>
-          <a:prstGeom prst="rect">
-            <a:avLst/>
-          </a:prstGeom>
-          <a:noFill/>
-          <a:ln>
-            <a:noFill/>
-          </a:ln>
-        </p:spPr>
-      </p:pic>
     </p:spTree>
   </p:cSld>
   <p:clrMapOvr>
@@ -9737,12 +11388,12 @@
 </p:sld>
 </file>
 
-<file path=ppt/slides/slide6.xml><?xml version="1.0" encoding="utf-8"?>
+<file path=ppt/slides/slide7.xml><?xml version="1.0" encoding="utf-8"?>
 <p:sld xmlns:a="http://schemas.openxmlformats.org/drawingml/2006/main" xmlns:r="http://schemas.openxmlformats.org/officeDocument/2006/relationships" xmlns:mc="http://schemas.openxmlformats.org/markup-compatibility/2006" xmlns:mv="urn:schemas-microsoft-com:mac:vml" xmlns:p="http://schemas.openxmlformats.org/presentationml/2006/main" xmlns:c="http://schemas.openxmlformats.org/drawingml/2006/chart" xmlns:dgm="http://schemas.openxmlformats.org/drawingml/2006/diagram" xmlns:o="urn:schemas-microsoft-com:office:office" xmlns:v="urn:schemas-microsoft-com:vml" xmlns:pvml="urn:schemas-microsoft-com:office:powerpoint" xmlns:com="http://schemas.openxmlformats.org/drawingml/2006/compatibility" xmlns:p14="http://schemas.microsoft.com/office/powerpoint/2010/main" xmlns:p15="http://schemas.microsoft.com/office/powerpoint/2012/main" xmlns:ahyp="http://schemas.microsoft.com/office/drawing/2018/hyperlinkcolor">
   <p:cSld>
     <p:spTree>
       <p:nvGrpSpPr>
-        <p:cNvPr id="105" name="Shape 105"/>
+        <p:cNvPr id="107" name="Shape 107"/>
         <p:cNvGrpSpPr/>
         <p:nvPr/>
       </p:nvGrpSpPr>
@@ -9756,7 +11407,7 @@
       </p:grpSpPr>
       <p:sp>
         <p:nvSpPr>
-          <p:cNvPr id="106" name="Google Shape;106;p18"/>
+          <p:cNvPr id="108" name="Google Shape;108;p19"/>
           <p:cNvSpPr txBox="1"/>
           <p:nvPr>
             <p:ph type="title"/>
@@ -9788,7 +11439,7 @@
             </a:pPr>
             <a:r>
               <a:rPr lang="en"/>
-              <a:t>How Does the visualization work? (1)</a:t>
+              <a:t>How Does the KL Algorithm Work? (2)</a:t>
             </a:r>
             <a:endParaRPr/>
           </a:p>
@@ -9796,7 +11447,7 @@
       </p:sp>
       <p:sp>
         <p:nvSpPr>
-          <p:cNvPr id="107" name="Google Shape;107;p18"/>
+          <p:cNvPr id="109" name="Google Shape;109;p19"/>
           <p:cNvSpPr txBox="1"/>
           <p:nvPr>
             <p:ph idx="1" type="body"/>
@@ -9804,8 +11455,8 @@
         </p:nvSpPr>
         <p:spPr>
           <a:xfrm>
-            <a:off x="28200" y="1919075"/>
-            <a:ext cx="4100100" cy="2710200"/>
+            <a:off x="5036400" y="1919075"/>
+            <a:ext cx="3657600" cy="2710200"/>
           </a:xfrm>
           <a:prstGeom prst="rect">
             <a:avLst/>
@@ -9813,135 +11464,194 @@
         </p:spPr>
         <p:txBody>
           <a:bodyPr anchorCtr="0" anchor="t" bIns="91425" lIns="91425" spcFirstLastPara="1" rIns="91425" wrap="square" tIns="91425">
-            <a:noAutofit/>
+            <a:normAutofit fontScale="85000" lnSpcReduction="20000"/>
           </a:bodyPr>
           <a:lstStyle/>
           <a:p>
-            <a:pPr indent="0" lvl="0" marL="0" rtl="0" algn="l">
-              <a:spcBef>
-                <a:spcPts val="0"/>
-              </a:spcBef>
-              <a:spcAft>
-                <a:spcPts val="1200"/>
-              </a:spcAft>
-              <a:buNone/>
-            </a:pPr>
-            <a:r>
-              <a:rPr lang="en" sz="1350"/>
-              <a:t>First, we had to choose how we were going to visualize the KL algorithm. We could’ve used a game engine such as Unity or Unreal, but we </a:t>
-            </a:r>
-            <a:r>
-              <a:rPr lang="en" sz="1350"/>
-              <a:t>decided</a:t>
-            </a:r>
-            <a:r>
-              <a:rPr lang="en" sz="1350"/>
-              <a:t> to go with a simpler approach: HTML Rendering. Since the the nodes and weights were just simple lines and circles, the HTML and </a:t>
-            </a:r>
-            <a:r>
-              <a:rPr lang="en" sz="1350"/>
-              <a:t>Javascript</a:t>
-            </a:r>
-            <a:r>
-              <a:rPr lang="en" sz="1350"/>
-              <a:t> canvas was perfect. W</a:t>
-            </a:r>
-            <a:r>
-              <a:rPr lang="en" sz="1350"/>
-              <a:t>e used a framework that wraps around the scripting for the canvas: p5.js.</a:t>
-            </a:r>
-            <a:r>
-              <a:rPr lang="en" sz="1350"/>
-              <a:t>To send data of the KL algorithm’s output we </a:t>
-            </a:r>
-            <a:r>
-              <a:rPr lang="en" sz="1350"/>
-              <a:t>decided</a:t>
-            </a:r>
-            <a:r>
-              <a:rPr lang="en" sz="1350"/>
-              <a:t> to create a server </a:t>
-            </a:r>
-            <a:r>
-              <a:rPr lang="en" sz="1350"/>
-              <a:t>written</a:t>
-            </a:r>
-            <a:r>
-              <a:rPr lang="en" sz="1350"/>
-              <a:t> in Flask - a python </a:t>
-            </a:r>
-            <a:r>
-              <a:rPr lang="en" sz="1350"/>
-              <a:t>web server</a:t>
-            </a:r>
-            <a:r>
-              <a:rPr lang="en" sz="1350"/>
-              <a:t> framework - that serves the HTML visualization and data in JSON from the KL. </a:t>
-            </a:r>
-            <a:endParaRPr sz="1350"/>
+            <a:pPr indent="-309562" lvl="0" marL="457200" rtl="0" algn="l">
+              <a:spcBef>
+                <a:spcPts val="0"/>
+              </a:spcBef>
+              <a:spcAft>
+                <a:spcPts val="0"/>
+              </a:spcAft>
+              <a:buSzPct val="100000"/>
+              <a:buChar char="●"/>
+            </a:pPr>
+            <a:r>
+              <a:rPr lang="en" sz="1500"/>
+              <a:t>T</a:t>
+            </a:r>
+            <a:r>
+              <a:rPr lang="en" sz="1500"/>
+              <a:t>he algorithm divides the two into equal groups and places an imaginary “cutline” between them.</a:t>
+            </a:r>
+            <a:endParaRPr sz="1500"/>
+          </a:p>
+          <a:p>
+            <a:pPr indent="-309562" lvl="0" marL="457200" rtl="0" algn="l">
+              <a:spcBef>
+                <a:spcPts val="0"/>
+              </a:spcBef>
+              <a:spcAft>
+                <a:spcPts val="0"/>
+              </a:spcAft>
+              <a:buSzPct val="100000"/>
+              <a:buChar char="●"/>
+            </a:pPr>
+            <a:r>
+              <a:rPr lang="en" sz="1500"/>
+              <a:t>Each node is swapped with another on the other side. </a:t>
+            </a:r>
+            <a:endParaRPr sz="1500"/>
+          </a:p>
+          <a:p>
+            <a:pPr indent="-309562" lvl="0" marL="457200" rtl="0" algn="l">
+              <a:spcBef>
+                <a:spcPts val="0"/>
+              </a:spcBef>
+              <a:spcAft>
+                <a:spcPts val="0"/>
+              </a:spcAft>
+              <a:buSzPct val="100000"/>
+              <a:buChar char="●"/>
+            </a:pPr>
+            <a:r>
+              <a:rPr lang="en" sz="1500"/>
+              <a:t>A gain value is given for each swap made. This gain represents whether or not the swap made a decrease or increase in the cut size</a:t>
+            </a:r>
+            <a:endParaRPr sz="1500"/>
+          </a:p>
+          <a:p>
+            <a:pPr indent="-309562" lvl="0" marL="457200" rtl="0" algn="l">
+              <a:spcBef>
+                <a:spcPts val="0"/>
+              </a:spcBef>
+              <a:spcAft>
+                <a:spcPts val="0"/>
+              </a:spcAft>
+              <a:buSzPct val="100000"/>
+              <a:buChar char="●"/>
+            </a:pPr>
+            <a:r>
+              <a:rPr lang="en" sz="1500"/>
+              <a:t>The best gain (greatest) is chosen and the nodes that were swapped for that gain are locked in their swap</a:t>
+            </a:r>
+            <a:endParaRPr sz="1500"/>
+          </a:p>
+          <a:p>
+            <a:pPr indent="-309562" lvl="0" marL="457200" rtl="0" algn="l">
+              <a:spcBef>
+                <a:spcPts val="0"/>
+              </a:spcBef>
+              <a:spcAft>
+                <a:spcPts val="0"/>
+              </a:spcAft>
+              <a:buSzPct val="100000"/>
+              <a:buChar char="●"/>
+            </a:pPr>
+            <a:r>
+              <a:rPr lang="en" sz="1500"/>
+              <a:t>continues until all the nodes are locked.</a:t>
+            </a:r>
+            <a:endParaRPr sz="1700"/>
           </a:p>
         </p:txBody>
       </p:sp>
+      <p:pic>
+        <p:nvPicPr>
+          <p:cNvPr id="110" name="Google Shape;110;p19"/>
+          <p:cNvPicPr preferRelativeResize="0"/>
+          <p:nvPr/>
+        </p:nvPicPr>
+        <p:blipFill>
+          <a:blip r:embed="rId3">
+            <a:alphaModFix/>
+          </a:blip>
+          <a:stretch>
+            <a:fillRect/>
+          </a:stretch>
+        </p:blipFill>
+        <p:spPr>
+          <a:xfrm>
+            <a:off x="278200" y="1919075"/>
+            <a:ext cx="1466850" cy="1704975"/>
+          </a:xfrm>
+          <a:prstGeom prst="rect">
+            <a:avLst/>
+          </a:prstGeom>
+          <a:noFill/>
+          <a:ln>
+            <a:noFill/>
+          </a:ln>
+        </p:spPr>
+      </p:pic>
+      <p:pic>
+        <p:nvPicPr>
+          <p:cNvPr id="111" name="Google Shape;111;p19"/>
+          <p:cNvPicPr preferRelativeResize="0"/>
+          <p:nvPr/>
+        </p:nvPicPr>
+        <p:blipFill>
+          <a:blip r:embed="rId4">
+            <a:alphaModFix/>
+          </a:blip>
+          <a:stretch>
+            <a:fillRect/>
+          </a:stretch>
+        </p:blipFill>
+        <p:spPr>
+          <a:xfrm>
+            <a:off x="3503400" y="1866688"/>
+            <a:ext cx="1343025" cy="1809750"/>
+          </a:xfrm>
+          <a:prstGeom prst="rect">
+            <a:avLst/>
+          </a:prstGeom>
+          <a:noFill/>
+          <a:ln>
+            <a:noFill/>
+          </a:ln>
+        </p:spPr>
+      </p:pic>
+      <p:pic>
+        <p:nvPicPr>
+          <p:cNvPr id="112" name="Google Shape;112;p19"/>
+          <p:cNvPicPr preferRelativeResize="0"/>
+          <p:nvPr/>
+        </p:nvPicPr>
+        <p:blipFill>
+          <a:blip r:embed="rId5">
+            <a:alphaModFix/>
+          </a:blip>
+          <a:stretch>
+            <a:fillRect/>
+          </a:stretch>
+        </p:blipFill>
+        <p:spPr>
+          <a:xfrm>
+            <a:off x="1914613" y="1919088"/>
+            <a:ext cx="1419225" cy="1704975"/>
+          </a:xfrm>
+          <a:prstGeom prst="rect">
+            <a:avLst/>
+          </a:prstGeom>
+          <a:noFill/>
+          <a:ln>
+            <a:noFill/>
+          </a:ln>
+        </p:spPr>
+      </p:pic>
       <p:sp>
         <p:nvSpPr>
-          <p:cNvPr id="108" name="Google Shape;108;p18"/>
+          <p:cNvPr id="113" name="Google Shape;113;p19"/>
           <p:cNvSpPr/>
           <p:nvPr/>
         </p:nvSpPr>
         <p:spPr>
           <a:xfrm>
-            <a:off x="5417325" y="2079600"/>
-            <a:ext cx="858600" cy="492300"/>
-          </a:xfrm>
-          <a:prstGeom prst="roundRect">
-            <a:avLst>
-              <a:gd fmla="val 16667" name="adj"/>
-            </a:avLst>
-          </a:prstGeom>
-          <a:noFill/>
-          <a:ln cap="flat" cmpd="sng" w="9525">
-            <a:solidFill>
-              <a:schemeClr val="dk2"/>
-            </a:solidFill>
-            <a:prstDash val="solid"/>
-            <a:round/>
-            <a:headEnd len="sm" w="sm" type="none"/>
-            <a:tailEnd len="sm" w="sm" type="none"/>
-          </a:ln>
-        </p:spPr>
-        <p:txBody>
-          <a:bodyPr anchorCtr="0" anchor="ctr" bIns="91425" lIns="91425" spcFirstLastPara="1" rIns="91425" wrap="square" tIns="91425">
-            <a:noAutofit/>
-          </a:bodyPr>
-          <a:lstStyle/>
-          <a:p>
-            <a:pPr indent="0" lvl="0" marL="0" rtl="0" algn="ctr">
-              <a:spcBef>
-                <a:spcPts val="0"/>
-              </a:spcBef>
-              <a:spcAft>
-                <a:spcPts val="0"/>
-              </a:spcAft>
-              <a:buNone/>
-            </a:pPr>
-            <a:r>
-              <a:rPr lang="en"/>
-              <a:t>Server</a:t>
-            </a:r>
-            <a:endParaRPr/>
-          </a:p>
-        </p:txBody>
-      </p:sp>
-      <p:sp>
-        <p:nvSpPr>
-          <p:cNvPr id="109" name="Google Shape;109;p18"/>
-          <p:cNvSpPr/>
-          <p:nvPr/>
-        </p:nvSpPr>
-        <p:spPr>
-          <a:xfrm>
-            <a:off x="6586650" y="2400775"/>
-            <a:ext cx="407100" cy="116400"/>
+            <a:off x="1790975" y="2723475"/>
+            <a:ext cx="88800" cy="111000"/>
           </a:xfrm>
           <a:prstGeom prst="rightArrow">
             <a:avLst>
@@ -9986,463 +11696,14 @@
       </p:sp>
       <p:sp>
         <p:nvSpPr>
-          <p:cNvPr id="110" name="Google Shape;110;p18"/>
+          <p:cNvPr id="114" name="Google Shape;114;p19"/>
           <p:cNvSpPr/>
           <p:nvPr/>
         </p:nvSpPr>
         <p:spPr>
           <a:xfrm>
-            <a:off x="7304475" y="2079600"/>
-            <a:ext cx="858600" cy="492300"/>
-          </a:xfrm>
-          <a:prstGeom prst="roundRect">
-            <a:avLst>
-              <a:gd fmla="val 16667" name="adj"/>
-            </a:avLst>
-          </a:prstGeom>
-          <a:noFill/>
-          <a:ln cap="flat" cmpd="sng" w="9525">
-            <a:solidFill>
-              <a:schemeClr val="dk2"/>
-            </a:solidFill>
-            <a:prstDash val="solid"/>
-            <a:round/>
-            <a:headEnd len="sm" w="sm" type="none"/>
-            <a:tailEnd len="sm" w="sm" type="none"/>
-          </a:ln>
-        </p:spPr>
-        <p:txBody>
-          <a:bodyPr anchorCtr="0" anchor="ctr" bIns="91425" lIns="91425" spcFirstLastPara="1" rIns="91425" wrap="square" tIns="91425">
-            <a:noAutofit/>
-          </a:bodyPr>
-          <a:lstStyle/>
-          <a:p>
-            <a:pPr indent="0" lvl="0" marL="0" rtl="0" algn="ctr">
-              <a:spcBef>
-                <a:spcPts val="0"/>
-              </a:spcBef>
-              <a:spcAft>
-                <a:spcPts val="0"/>
-              </a:spcAft>
-              <a:buNone/>
-            </a:pPr>
-            <a:r>
-              <a:rPr lang="en"/>
-              <a:t>Client</a:t>
-            </a:r>
-            <a:endParaRPr/>
-          </a:p>
-        </p:txBody>
-      </p:sp>
-      <p:sp>
-        <p:nvSpPr>
-          <p:cNvPr id="111" name="Google Shape;111;p18"/>
-          <p:cNvSpPr txBox="1"/>
-          <p:nvPr/>
-        </p:nvSpPr>
-        <p:spPr>
-          <a:xfrm>
-            <a:off x="6520050" y="2400775"/>
-            <a:ext cx="540300" cy="276900"/>
-          </a:xfrm>
-          <a:prstGeom prst="rect">
-            <a:avLst/>
-          </a:prstGeom>
-          <a:noFill/>
-          <a:ln>
-            <a:noFill/>
-          </a:ln>
-        </p:spPr>
-        <p:txBody>
-          <a:bodyPr anchorCtr="0" anchor="t" bIns="91425" lIns="91425" spcFirstLastPara="1" rIns="91425" wrap="square" tIns="91425">
-            <a:spAutoFit/>
-          </a:bodyPr>
-          <a:lstStyle/>
-          <a:p>
-            <a:pPr indent="0" lvl="0" marL="0" rtl="0" algn="ctr">
-              <a:spcBef>
-                <a:spcPts val="0"/>
-              </a:spcBef>
-              <a:spcAft>
-                <a:spcPts val="0"/>
-              </a:spcAft>
-              <a:buNone/>
-            </a:pPr>
-            <a:r>
-              <a:rPr lang="en" sz="600">
-                <a:latin typeface="Roboto"/>
-                <a:ea typeface="Roboto"/>
-                <a:cs typeface="Roboto"/>
-                <a:sym typeface="Roboto"/>
-              </a:rPr>
-              <a:t>HTML</a:t>
-            </a:r>
-            <a:endParaRPr sz="600">
-              <a:latin typeface="Roboto"/>
-              <a:ea typeface="Roboto"/>
-              <a:cs typeface="Roboto"/>
-              <a:sym typeface="Roboto"/>
-            </a:endParaRPr>
-          </a:p>
-        </p:txBody>
-      </p:sp>
-      <p:sp>
-        <p:nvSpPr>
-          <p:cNvPr id="112" name="Google Shape;112;p18"/>
-          <p:cNvSpPr/>
-          <p:nvPr/>
-        </p:nvSpPr>
-        <p:spPr>
-          <a:xfrm>
-            <a:off x="5230875" y="3028025"/>
-            <a:ext cx="1231500" cy="492300"/>
-          </a:xfrm>
-          <a:prstGeom prst="roundRect">
-            <a:avLst>
-              <a:gd fmla="val 16667" name="adj"/>
-            </a:avLst>
-          </a:prstGeom>
-          <a:noFill/>
-          <a:ln cap="flat" cmpd="sng" w="9525">
-            <a:solidFill>
-              <a:schemeClr val="dk2"/>
-            </a:solidFill>
-            <a:prstDash val="solid"/>
-            <a:round/>
-            <a:headEnd len="sm" w="sm" type="none"/>
-            <a:tailEnd len="sm" w="sm" type="none"/>
-          </a:ln>
-        </p:spPr>
-        <p:txBody>
-          <a:bodyPr anchorCtr="0" anchor="ctr" bIns="91425" lIns="91425" spcFirstLastPara="1" rIns="91425" wrap="square" tIns="91425">
-            <a:noAutofit/>
-          </a:bodyPr>
-          <a:lstStyle/>
-          <a:p>
-            <a:pPr indent="0" lvl="0" marL="0" rtl="0" algn="ctr">
-              <a:spcBef>
-                <a:spcPts val="0"/>
-              </a:spcBef>
-              <a:spcAft>
-                <a:spcPts val="0"/>
-              </a:spcAft>
-              <a:buNone/>
-            </a:pPr>
-            <a:r>
-              <a:rPr lang="en"/>
-              <a:t>Local Repo</a:t>
-            </a:r>
-            <a:endParaRPr/>
-          </a:p>
-        </p:txBody>
-      </p:sp>
-      <p:sp>
-        <p:nvSpPr>
-          <p:cNvPr id="113" name="Google Shape;113;p18"/>
-          <p:cNvSpPr/>
-          <p:nvPr/>
-        </p:nvSpPr>
-        <p:spPr>
-          <a:xfrm>
-            <a:off x="4850263" y="3824050"/>
-            <a:ext cx="858600" cy="492300"/>
-          </a:xfrm>
-          <a:prstGeom prst="roundRect">
-            <a:avLst>
-              <a:gd fmla="val 16667" name="adj"/>
-            </a:avLst>
-          </a:prstGeom>
-          <a:noFill/>
-          <a:ln cap="flat" cmpd="sng" w="9525">
-            <a:solidFill>
-              <a:schemeClr val="dk2"/>
-            </a:solidFill>
-            <a:prstDash val="solid"/>
-            <a:round/>
-            <a:headEnd len="sm" w="sm" type="none"/>
-            <a:tailEnd len="sm" w="sm" type="none"/>
-          </a:ln>
-        </p:spPr>
-        <p:txBody>
-          <a:bodyPr anchorCtr="0" anchor="ctr" bIns="91425" lIns="91425" spcFirstLastPara="1" rIns="91425" wrap="square" tIns="91425">
-            <a:noAutofit/>
-          </a:bodyPr>
-          <a:lstStyle/>
-          <a:p>
-            <a:pPr indent="0" lvl="0" marL="0" rtl="0" algn="ctr">
-              <a:spcBef>
-                <a:spcPts val="0"/>
-              </a:spcBef>
-              <a:spcAft>
-                <a:spcPts val="0"/>
-              </a:spcAft>
-              <a:buNone/>
-            </a:pPr>
-            <a:r>
-              <a:rPr lang="en"/>
-              <a:t>JSON</a:t>
-            </a:r>
-            <a:endParaRPr/>
-          </a:p>
-        </p:txBody>
-      </p:sp>
-      <p:sp>
-        <p:nvSpPr>
-          <p:cNvPr id="114" name="Google Shape;114;p18"/>
-          <p:cNvSpPr/>
-          <p:nvPr/>
-        </p:nvSpPr>
-        <p:spPr>
-          <a:xfrm>
-            <a:off x="6046325" y="3824050"/>
-            <a:ext cx="858600" cy="492300"/>
-          </a:xfrm>
-          <a:prstGeom prst="roundRect">
-            <a:avLst>
-              <a:gd fmla="val 16667" name="adj"/>
-            </a:avLst>
-          </a:prstGeom>
-          <a:noFill/>
-          <a:ln cap="flat" cmpd="sng" w="9525">
-            <a:solidFill>
-              <a:schemeClr val="dk2"/>
-            </a:solidFill>
-            <a:prstDash val="solid"/>
-            <a:round/>
-            <a:headEnd len="sm" w="sm" type="none"/>
-            <a:tailEnd len="sm" w="sm" type="none"/>
-          </a:ln>
-        </p:spPr>
-        <p:txBody>
-          <a:bodyPr anchorCtr="0" anchor="ctr" bIns="91425" lIns="91425" spcFirstLastPara="1" rIns="91425" wrap="square" tIns="91425">
-            <a:noAutofit/>
-          </a:bodyPr>
-          <a:lstStyle/>
-          <a:p>
-            <a:pPr indent="0" lvl="0" marL="0" rtl="0" algn="ctr">
-              <a:spcBef>
-                <a:spcPts val="0"/>
-              </a:spcBef>
-              <a:spcAft>
-                <a:spcPts val="0"/>
-              </a:spcAft>
-              <a:buNone/>
-            </a:pPr>
-            <a:r>
-              <a:rPr lang="en"/>
-              <a:t>HTML</a:t>
-            </a:r>
-            <a:endParaRPr/>
-          </a:p>
-        </p:txBody>
-      </p:sp>
-      <p:cxnSp>
-        <p:nvCxnSpPr>
-          <p:cNvPr id="115" name="Google Shape;115;p18"/>
-          <p:cNvCxnSpPr>
-            <a:endCxn id="112" idx="2"/>
-          </p:cNvCxnSpPr>
-          <p:nvPr/>
-        </p:nvCxnSpPr>
-        <p:spPr>
-          <a:xfrm flipH="1" rot="10800000">
-            <a:off x="5291625" y="3520325"/>
-            <a:ext cx="555000" cy="298500"/>
-          </a:xfrm>
-          <a:prstGeom prst="straightConnector1">
-            <a:avLst/>
-          </a:prstGeom>
-          <a:noFill/>
-          <a:ln cap="flat" cmpd="sng" w="9525">
-            <a:solidFill>
-              <a:schemeClr val="dk2"/>
-            </a:solidFill>
-            <a:prstDash val="solid"/>
-            <a:round/>
-            <a:headEnd len="med" w="med" type="none"/>
-            <a:tailEnd len="med" w="med" type="none"/>
-          </a:ln>
-        </p:spPr>
-      </p:cxnSp>
-      <p:cxnSp>
-        <p:nvCxnSpPr>
-          <p:cNvPr id="116" name="Google Shape;116;p18"/>
-          <p:cNvCxnSpPr>
-            <a:stCxn id="114" idx="0"/>
-            <a:endCxn id="112" idx="2"/>
-          </p:cNvCxnSpPr>
-          <p:nvPr/>
-        </p:nvCxnSpPr>
-        <p:spPr>
-          <a:xfrm rot="10800000">
-            <a:off x="5846525" y="3520450"/>
-            <a:ext cx="629100" cy="303600"/>
-          </a:xfrm>
-          <a:prstGeom prst="straightConnector1">
-            <a:avLst/>
-          </a:prstGeom>
-          <a:noFill/>
-          <a:ln cap="flat" cmpd="sng" w="9525">
-            <a:solidFill>
-              <a:schemeClr val="dk2"/>
-            </a:solidFill>
-            <a:prstDash val="solid"/>
-            <a:round/>
-            <a:headEnd len="med" w="med" type="none"/>
-            <a:tailEnd len="med" w="med" type="none"/>
-          </a:ln>
-        </p:spPr>
-      </p:cxnSp>
-      <p:cxnSp>
-        <p:nvCxnSpPr>
-          <p:cNvPr id="117" name="Google Shape;117;p18"/>
-          <p:cNvCxnSpPr>
-            <a:stCxn id="112" idx="0"/>
-            <a:endCxn id="108" idx="2"/>
-          </p:cNvCxnSpPr>
-          <p:nvPr/>
-        </p:nvCxnSpPr>
-        <p:spPr>
-          <a:xfrm rot="10800000">
-            <a:off x="5846625" y="2572025"/>
-            <a:ext cx="0" cy="456000"/>
-          </a:xfrm>
-          <a:prstGeom prst="straightConnector1">
-            <a:avLst/>
-          </a:prstGeom>
-          <a:noFill/>
-          <a:ln cap="flat" cmpd="sng" w="9525">
-            <a:solidFill>
-              <a:schemeClr val="dk2"/>
-            </a:solidFill>
-            <a:prstDash val="solid"/>
-            <a:round/>
-            <a:headEnd len="med" w="med" type="none"/>
-            <a:tailEnd len="med" w="med" type="none"/>
-          </a:ln>
-        </p:spPr>
-      </p:cxnSp>
-      <p:sp>
-        <p:nvSpPr>
-          <p:cNvPr id="118" name="Google Shape;118;p18"/>
-          <p:cNvSpPr/>
-          <p:nvPr/>
-        </p:nvSpPr>
-        <p:spPr>
-          <a:xfrm>
-            <a:off x="4147275" y="2079600"/>
-            <a:ext cx="1083600" cy="492300"/>
-          </a:xfrm>
-          <a:prstGeom prst="roundRect">
-            <a:avLst>
-              <a:gd fmla="val 16667" name="adj"/>
-            </a:avLst>
-          </a:prstGeom>
-          <a:noFill/>
-          <a:ln cap="flat" cmpd="sng" w="9525">
-            <a:solidFill>
-              <a:schemeClr val="dk2"/>
-            </a:solidFill>
-            <a:prstDash val="solid"/>
-            <a:round/>
-            <a:headEnd len="sm" w="sm" type="none"/>
-            <a:tailEnd len="sm" w="sm" type="none"/>
-          </a:ln>
-        </p:spPr>
-        <p:txBody>
-          <a:bodyPr anchorCtr="0" anchor="ctr" bIns="91425" lIns="91425" spcFirstLastPara="1" rIns="91425" wrap="square" tIns="91425">
-            <a:noAutofit/>
-          </a:bodyPr>
-          <a:lstStyle/>
-          <a:p>
-            <a:pPr indent="0" lvl="0" marL="0" rtl="0" algn="ctr">
-              <a:spcBef>
-                <a:spcPts val="0"/>
-              </a:spcBef>
-              <a:spcAft>
-                <a:spcPts val="0"/>
-              </a:spcAft>
-              <a:buNone/>
-            </a:pPr>
-            <a:r>
-              <a:rPr lang="en"/>
-              <a:t>Algorithm</a:t>
-            </a:r>
-            <a:endParaRPr/>
-          </a:p>
-        </p:txBody>
-      </p:sp>
-      <p:cxnSp>
-        <p:nvCxnSpPr>
-          <p:cNvPr id="119" name="Google Shape;119;p18"/>
-          <p:cNvCxnSpPr>
-            <a:stCxn id="108" idx="1"/>
-            <a:endCxn id="118" idx="3"/>
-          </p:cNvCxnSpPr>
-          <p:nvPr/>
-        </p:nvCxnSpPr>
-        <p:spPr>
-          <a:xfrm rot="10800000">
-            <a:off x="5231025" y="2325750"/>
-            <a:ext cx="186300" cy="0"/>
-          </a:xfrm>
-          <a:prstGeom prst="straightConnector1">
-            <a:avLst/>
-          </a:prstGeom>
-          <a:noFill/>
-          <a:ln cap="flat" cmpd="sng" w="9525">
-            <a:solidFill>
-              <a:schemeClr val="dk2"/>
-            </a:solidFill>
-            <a:prstDash val="solid"/>
-            <a:round/>
-            <a:headEnd len="med" w="med" type="none"/>
-            <a:tailEnd len="med" w="med" type="none"/>
-          </a:ln>
-        </p:spPr>
-      </p:cxnSp>
-      <p:cxnSp>
-        <p:nvCxnSpPr>
-          <p:cNvPr id="120" name="Google Shape;120;p18"/>
-          <p:cNvCxnSpPr>
-            <a:stCxn id="118" idx="1"/>
-            <a:endCxn id="113" idx="0"/>
-          </p:cNvCxnSpPr>
-          <p:nvPr/>
-        </p:nvCxnSpPr>
-        <p:spPr>
-          <a:xfrm>
-            <a:off x="4147275" y="2325750"/>
-            <a:ext cx="1132200" cy="1498200"/>
-          </a:xfrm>
-          <a:prstGeom prst="curvedConnector4">
-            <a:avLst>
-              <a:gd fmla="val -21032" name="adj1"/>
-              <a:gd fmla="val 58218" name="adj2"/>
-            </a:avLst>
-          </a:prstGeom>
-          <a:noFill/>
-          <a:ln cap="flat" cmpd="sng" w="9525">
-            <a:solidFill>
-              <a:schemeClr val="dk2"/>
-            </a:solidFill>
-            <a:prstDash val="solid"/>
-            <a:round/>
-            <a:headEnd len="med" w="med" type="none"/>
-            <a:tailEnd len="med" w="med" type="none"/>
-          </a:ln>
-        </p:spPr>
-      </p:cxnSp>
-      <p:sp>
-        <p:nvSpPr>
-          <p:cNvPr id="121" name="Google Shape;121;p18"/>
-          <p:cNvSpPr/>
-          <p:nvPr/>
-        </p:nvSpPr>
-        <p:spPr>
-          <a:xfrm rot="10800000">
-            <a:off x="6586650" y="2209425"/>
-            <a:ext cx="407100" cy="116400"/>
+            <a:off x="3413688" y="2716063"/>
+            <a:ext cx="88800" cy="111000"/>
           </a:xfrm>
           <a:prstGeom prst="rightArrow">
             <a:avLst>
@@ -10485,16 +11746,24 @@
           </a:p>
         </p:txBody>
       </p:sp>
-      <p:sp>
-        <p:nvSpPr>
-          <p:cNvPr id="122" name="Google Shape;122;p18"/>
-          <p:cNvSpPr txBox="1"/>
+      <p:pic>
+        <p:nvPicPr>
+          <p:cNvPr id="115" name="Google Shape;115;p19"/>
+          <p:cNvPicPr preferRelativeResize="0"/>
           <p:nvPr/>
-        </p:nvSpPr>
+        </p:nvPicPr>
+        <p:blipFill>
+          <a:blip r:embed="rId6">
+            <a:alphaModFix/>
+          </a:blip>
+          <a:stretch>
+            <a:fillRect/>
+          </a:stretch>
+        </p:blipFill>
         <p:spPr>
           <a:xfrm>
-            <a:off x="6520050" y="2048850"/>
-            <a:ext cx="540300" cy="276900"/>
+            <a:off x="1256400" y="3791813"/>
+            <a:ext cx="2735665" cy="1162262"/>
           </a:xfrm>
           <a:prstGeom prst="rect">
             <a:avLst/>
@@ -10504,49 +11773,355 @@
             <a:noFill/>
           </a:ln>
         </p:spPr>
+      </p:pic>
+    </p:spTree>
+  </p:cSld>
+  <p:clrMapOvr>
+    <a:masterClrMapping/>
+  </p:clrMapOvr>
+</p:sld>
+</file>
+
+<file path=ppt/slides/slide8.xml><?xml version="1.0" encoding="utf-8"?>
+<p:sld xmlns:a="http://schemas.openxmlformats.org/drawingml/2006/main" xmlns:r="http://schemas.openxmlformats.org/officeDocument/2006/relationships" xmlns:mc="http://schemas.openxmlformats.org/markup-compatibility/2006" xmlns:mv="urn:schemas-microsoft-com:mac:vml" xmlns:p="http://schemas.openxmlformats.org/presentationml/2006/main" xmlns:c="http://schemas.openxmlformats.org/drawingml/2006/chart" xmlns:dgm="http://schemas.openxmlformats.org/drawingml/2006/diagram" xmlns:o="urn:schemas-microsoft-com:office:office" xmlns:v="urn:schemas-microsoft-com:vml" xmlns:pvml="urn:schemas-microsoft-com:office:powerpoint" xmlns:com="http://schemas.openxmlformats.org/drawingml/2006/compatibility" xmlns:p14="http://schemas.microsoft.com/office/powerpoint/2010/main" xmlns:p15="http://schemas.microsoft.com/office/powerpoint/2012/main" xmlns:ahyp="http://schemas.microsoft.com/office/drawing/2018/hyperlinkcolor">
+  <p:cSld>
+    <p:spTree>
+      <p:nvGrpSpPr>
+        <p:cNvPr id="119" name="Shape 119"/>
+        <p:cNvGrpSpPr/>
+        <p:nvPr/>
+      </p:nvGrpSpPr>
+      <p:grpSpPr>
+        <a:xfrm>
+          <a:off x="0" y="0"/>
+          <a:ext cx="0" cy="0"/>
+          <a:chOff x="0" y="0"/>
+          <a:chExt cx="0" cy="0"/>
+        </a:xfrm>
+      </p:grpSpPr>
+      <p:sp>
+        <p:nvSpPr>
+          <p:cNvPr id="120" name="Google Shape;120;p20"/>
+          <p:cNvSpPr txBox="1"/>
+          <p:nvPr>
+            <p:ph type="title"/>
+          </p:nvPr>
+        </p:nvSpPr>
+        <p:spPr>
+          <a:xfrm>
+            <a:off x="471900" y="738725"/>
+            <a:ext cx="8222100" cy="767700"/>
+          </a:xfrm>
+          <a:prstGeom prst="rect">
+            <a:avLst/>
+          </a:prstGeom>
+        </p:spPr>
         <p:txBody>
-          <a:bodyPr anchorCtr="0" anchor="t" bIns="91425" lIns="91425" spcFirstLastPara="1" rIns="91425" wrap="square" tIns="91425">
-            <a:spAutoFit/>
+          <a:bodyPr anchorCtr="0" anchor="b" bIns="91425" lIns="91425" spcFirstLastPara="1" rIns="91425" wrap="square" tIns="91425">
+            <a:normAutofit/>
           </a:bodyPr>
           <a:lstStyle/>
           <a:p>
-            <a:pPr indent="0" lvl="0" marL="0" rtl="0" algn="ctr">
-              <a:spcBef>
-                <a:spcPts val="0"/>
-              </a:spcBef>
-              <a:spcAft>
-                <a:spcPts val="0"/>
-              </a:spcAft>
-              <a:buNone/>
-            </a:pPr>
-            <a:r>
-              <a:rPr lang="en" sz="600">
-                <a:latin typeface="Roboto"/>
-                <a:ea typeface="Roboto"/>
-                <a:cs typeface="Roboto"/>
-                <a:sym typeface="Roboto"/>
-              </a:rPr>
-              <a:t>Request</a:t>
-            </a:r>
-            <a:endParaRPr sz="600">
-              <a:latin typeface="Roboto"/>
-              <a:ea typeface="Roboto"/>
-              <a:cs typeface="Roboto"/>
-              <a:sym typeface="Roboto"/>
-            </a:endParaRPr>
+            <a:pPr indent="0" lvl="0" marL="0" rtl="0" algn="l">
+              <a:spcBef>
+                <a:spcPts val="0"/>
+              </a:spcBef>
+              <a:spcAft>
+                <a:spcPts val="0"/>
+              </a:spcAft>
+              <a:buNone/>
+            </a:pPr>
+            <a:r>
+              <a:rPr lang="en"/>
+              <a:t>Why Lower C</a:t>
+            </a:r>
+            <a:r>
+              <a:rPr lang="en"/>
+              <a:t>ut Size</a:t>
+            </a:r>
+            <a:r>
+              <a:rPr lang="en"/>
+              <a:t>?</a:t>
+            </a:r>
+            <a:endParaRPr/>
           </a:p>
         </p:txBody>
       </p:sp>
       <p:sp>
         <p:nvSpPr>
-          <p:cNvPr id="123" name="Google Shape;123;p18"/>
+          <p:cNvPr id="121" name="Google Shape;121;p20"/>
+          <p:cNvSpPr txBox="1"/>
+          <p:nvPr>
+            <p:ph idx="1" type="body"/>
+          </p:nvPr>
+        </p:nvSpPr>
+        <p:spPr>
+          <a:xfrm>
+            <a:off x="471900" y="1919075"/>
+            <a:ext cx="8222100" cy="2710200"/>
+          </a:xfrm>
+          <a:prstGeom prst="rect">
+            <a:avLst/>
+          </a:prstGeom>
+        </p:spPr>
+        <p:txBody>
+          <a:bodyPr anchorCtr="0" anchor="t" bIns="91425" lIns="91425" spcFirstLastPara="1" rIns="91425" wrap="square" tIns="91425">
+            <a:normAutofit/>
+          </a:bodyPr>
+          <a:lstStyle/>
+          <a:p>
+            <a:pPr indent="-342900" lvl="0" marL="457200" rtl="0" algn="l">
+              <a:spcBef>
+                <a:spcPts val="0"/>
+              </a:spcBef>
+              <a:spcAft>
+                <a:spcPts val="0"/>
+              </a:spcAft>
+              <a:buSzPts val="1800"/>
+              <a:buChar char="●"/>
+            </a:pPr>
+            <a:r>
+              <a:rPr lang="en"/>
+              <a:t>Lowering the cut size of the group of nodes will keep the closely </a:t>
+            </a:r>
+            <a:r>
+              <a:rPr lang="en"/>
+              <a:t>related</a:t>
+            </a:r>
+            <a:r>
+              <a:rPr lang="en"/>
+              <a:t> nodes closer to one another.</a:t>
+            </a:r>
+            <a:endParaRPr/>
+          </a:p>
+          <a:p>
+            <a:pPr indent="-342900" lvl="0" marL="457200" rtl="0" algn="l">
+              <a:spcBef>
+                <a:spcPts val="0"/>
+              </a:spcBef>
+              <a:spcAft>
+                <a:spcPts val="0"/>
+              </a:spcAft>
+              <a:buSzPts val="1800"/>
+              <a:buChar char="●"/>
+            </a:pPr>
+            <a:r>
+              <a:rPr lang="en"/>
+              <a:t>Since the wire lengths are relatively smaller in a reduced </a:t>
+            </a:r>
+            <a:r>
+              <a:rPr lang="en"/>
+              <a:t>cut size</a:t>
+            </a:r>
+            <a:r>
+              <a:rPr lang="en"/>
+              <a:t>, the faster (speed) it is and uses up less resources in producing those wires.</a:t>
+            </a:r>
+            <a:endParaRPr/>
+          </a:p>
+          <a:p>
+            <a:pPr indent="0" lvl="0" marL="0" rtl="0" algn="l">
+              <a:spcBef>
+                <a:spcPts val="1200"/>
+              </a:spcBef>
+              <a:spcAft>
+                <a:spcPts val="1200"/>
+              </a:spcAft>
+              <a:buNone/>
+            </a:pPr>
+            <a:r>
+              <a:t/>
+            </a:r>
+            <a:endParaRPr/>
+          </a:p>
+        </p:txBody>
+      </p:sp>
+    </p:spTree>
+  </p:cSld>
+  <p:clrMapOvr>
+    <a:masterClrMapping/>
+  </p:clrMapOvr>
+</p:sld>
+</file>
+
+<file path=ppt/slides/slide9.xml><?xml version="1.0" encoding="utf-8"?>
+<p:sld xmlns:a="http://schemas.openxmlformats.org/drawingml/2006/main" xmlns:r="http://schemas.openxmlformats.org/officeDocument/2006/relationships" xmlns:mc="http://schemas.openxmlformats.org/markup-compatibility/2006" xmlns:mv="urn:schemas-microsoft-com:mac:vml" xmlns:p="http://schemas.openxmlformats.org/presentationml/2006/main" xmlns:c="http://schemas.openxmlformats.org/drawingml/2006/chart" xmlns:dgm="http://schemas.openxmlformats.org/drawingml/2006/diagram" xmlns:o="urn:schemas-microsoft-com:office:office" xmlns:v="urn:schemas-microsoft-com:vml" xmlns:pvml="urn:schemas-microsoft-com:office:powerpoint" xmlns:com="http://schemas.openxmlformats.org/drawingml/2006/compatibility" xmlns:p14="http://schemas.microsoft.com/office/powerpoint/2010/main" xmlns:p15="http://schemas.microsoft.com/office/powerpoint/2012/main" xmlns:ahyp="http://schemas.microsoft.com/office/drawing/2018/hyperlinkcolor">
+  <p:cSld>
+    <p:spTree>
+      <p:nvGrpSpPr>
+        <p:cNvPr id="125" name="Shape 125"/>
+        <p:cNvGrpSpPr/>
+        <p:nvPr/>
+      </p:nvGrpSpPr>
+      <p:grpSpPr>
+        <a:xfrm>
+          <a:off x="0" y="0"/>
+          <a:ext cx="0" cy="0"/>
+          <a:chOff x="0" y="0"/>
+          <a:chExt cx="0" cy="0"/>
+        </a:xfrm>
+      </p:grpSpPr>
+      <p:sp>
+        <p:nvSpPr>
+          <p:cNvPr id="126" name="Google Shape;126;p21"/>
+          <p:cNvSpPr txBox="1"/>
+          <p:nvPr>
+            <p:ph type="title"/>
+          </p:nvPr>
+        </p:nvSpPr>
+        <p:spPr>
+          <a:xfrm>
+            <a:off x="471900" y="738725"/>
+            <a:ext cx="8222100" cy="767700"/>
+          </a:xfrm>
+          <a:prstGeom prst="rect">
+            <a:avLst/>
+          </a:prstGeom>
+        </p:spPr>
+        <p:txBody>
+          <a:bodyPr anchorCtr="0" anchor="b" bIns="91425" lIns="91425" spcFirstLastPara="1" rIns="91425" wrap="square" tIns="91425">
+            <a:normAutofit/>
+          </a:bodyPr>
+          <a:lstStyle/>
+          <a:p>
+            <a:pPr indent="0" lvl="0" marL="0" rtl="0" algn="l">
+              <a:spcBef>
+                <a:spcPts val="0"/>
+              </a:spcBef>
+              <a:spcAft>
+                <a:spcPts val="0"/>
+              </a:spcAft>
+              <a:buNone/>
+            </a:pPr>
+            <a:r>
+              <a:rPr lang="en"/>
+              <a:t>How Does the visualization work? (1)</a:t>
+            </a:r>
+            <a:endParaRPr/>
+          </a:p>
+        </p:txBody>
+      </p:sp>
+      <p:sp>
+        <p:nvSpPr>
+          <p:cNvPr id="127" name="Google Shape;127;p21"/>
+          <p:cNvSpPr txBox="1"/>
+          <p:nvPr>
+            <p:ph idx="1" type="body"/>
+          </p:nvPr>
+        </p:nvSpPr>
+        <p:spPr>
+          <a:xfrm>
+            <a:off x="-38400" y="1919075"/>
+            <a:ext cx="4100100" cy="2710200"/>
+          </a:xfrm>
+          <a:prstGeom prst="rect">
+            <a:avLst/>
+          </a:prstGeom>
+        </p:spPr>
+        <p:txBody>
+          <a:bodyPr anchorCtr="0" anchor="t" bIns="91425" lIns="91425" spcFirstLastPara="1" rIns="91425" wrap="square" tIns="91425">
+            <a:noAutofit/>
+          </a:bodyPr>
+          <a:lstStyle/>
+          <a:p>
+            <a:pPr indent="-314325" lvl="0" marL="457200" rtl="0" algn="l">
+              <a:spcBef>
+                <a:spcPts val="0"/>
+              </a:spcBef>
+              <a:spcAft>
+                <a:spcPts val="0"/>
+              </a:spcAft>
+              <a:buSzPts val="1350"/>
+              <a:buChar char="●"/>
+            </a:pPr>
+            <a:r>
+              <a:rPr lang="en" sz="1350"/>
+              <a:t>we </a:t>
+            </a:r>
+            <a:r>
+              <a:rPr lang="en" sz="1350"/>
+              <a:t>decided</a:t>
+            </a:r>
+            <a:r>
+              <a:rPr lang="en" sz="1350"/>
+              <a:t> to go with a simple approach in visualizing KL: HTML Rendering. </a:t>
+            </a:r>
+            <a:endParaRPr sz="1350"/>
+          </a:p>
+          <a:p>
+            <a:pPr indent="-314325" lvl="0" marL="457200" rtl="0" algn="l">
+              <a:spcBef>
+                <a:spcPts val="0"/>
+              </a:spcBef>
+              <a:spcAft>
+                <a:spcPts val="0"/>
+              </a:spcAft>
+              <a:buSzPts val="1350"/>
+              <a:buChar char="●"/>
+            </a:pPr>
+            <a:r>
+              <a:rPr lang="en" sz="1350"/>
+              <a:t>W</a:t>
+            </a:r>
+            <a:r>
+              <a:rPr lang="en" sz="1350"/>
+              <a:t>e used a framework that wraps around the scripting for the canvas: p5.js.</a:t>
+            </a:r>
+            <a:endParaRPr sz="1350"/>
+          </a:p>
+          <a:p>
+            <a:pPr indent="-314325" lvl="0" marL="457200" rtl="0" algn="l">
+              <a:spcBef>
+                <a:spcPts val="0"/>
+              </a:spcBef>
+              <a:spcAft>
+                <a:spcPts val="0"/>
+              </a:spcAft>
+              <a:buSzPts val="1350"/>
+              <a:buChar char="●"/>
+            </a:pPr>
+            <a:r>
+              <a:rPr lang="en" sz="1350"/>
+              <a:t>To send data of the KL algorithm’s output we </a:t>
+            </a:r>
+            <a:r>
+              <a:rPr lang="en" sz="1350"/>
+              <a:t>decided</a:t>
+            </a:r>
+            <a:r>
+              <a:rPr lang="en" sz="1350"/>
+              <a:t> to create a server </a:t>
+            </a:r>
+            <a:r>
+              <a:rPr lang="en" sz="1350"/>
+              <a:t>written</a:t>
+            </a:r>
+            <a:r>
+              <a:rPr lang="en" sz="1350"/>
+              <a:t> in Flask - a python </a:t>
+            </a:r>
+            <a:r>
+              <a:rPr lang="en" sz="1350"/>
+              <a:t>web server</a:t>
+            </a:r>
+            <a:r>
+              <a:rPr lang="en" sz="1350"/>
+              <a:t> framework - that serves the HTML visualization and data in JSON from the KL. </a:t>
+            </a:r>
+            <a:endParaRPr sz="1350"/>
+          </a:p>
+        </p:txBody>
+      </p:sp>
+      <p:sp>
+        <p:nvSpPr>
+          <p:cNvPr id="128" name="Google Shape;128;p21"/>
           <p:cNvSpPr/>
           <p:nvPr/>
         </p:nvSpPr>
         <p:spPr>
           <a:xfrm>
-            <a:off x="7191975" y="2735250"/>
-            <a:ext cx="1083600" cy="492300"/>
+            <a:off x="5417325" y="2079600"/>
+            <a:ext cx="858600" cy="492300"/>
           </a:xfrm>
           <a:prstGeom prst="roundRect">
             <a:avLst>
@@ -10581,265 +12156,7 @@
             </a:pPr>
             <a:r>
               <a:rPr lang="en"/>
-              <a:t>Javascript</a:t>
-            </a:r>
-            <a:endParaRPr/>
-          </a:p>
-        </p:txBody>
-      </p:sp>
-      <p:cxnSp>
-        <p:nvCxnSpPr>
-          <p:cNvPr id="124" name="Google Shape;124;p18"/>
-          <p:cNvCxnSpPr>
-            <a:stCxn id="123" idx="1"/>
-            <a:endCxn id="113" idx="3"/>
-          </p:cNvCxnSpPr>
-          <p:nvPr/>
-        </p:nvCxnSpPr>
-        <p:spPr>
-          <a:xfrm flipH="1">
-            <a:off x="5708775" y="2981400"/>
-            <a:ext cx="1483200" cy="1088700"/>
-          </a:xfrm>
-          <a:prstGeom prst="straightConnector1">
-            <a:avLst/>
-          </a:prstGeom>
-          <a:noFill/>
-          <a:ln cap="flat" cmpd="sng" w="9525">
-            <a:solidFill>
-              <a:schemeClr val="dk2"/>
-            </a:solidFill>
-            <a:prstDash val="solid"/>
-            <a:round/>
-            <a:headEnd len="med" w="med" type="none"/>
-            <a:tailEnd len="med" w="med" type="none"/>
-          </a:ln>
-        </p:spPr>
-      </p:cxnSp>
-      <p:sp>
-        <p:nvSpPr>
-          <p:cNvPr id="125" name="Google Shape;125;p18"/>
-          <p:cNvSpPr txBox="1"/>
-          <p:nvPr/>
-        </p:nvSpPr>
-        <p:spPr>
-          <a:xfrm rot="-2192938">
-            <a:off x="6623659" y="3032158"/>
-            <a:ext cx="407046" cy="276906"/>
-          </a:xfrm>
-          <a:prstGeom prst="rect">
-            <a:avLst/>
-          </a:prstGeom>
-          <a:noFill/>
-          <a:ln>
-            <a:noFill/>
-          </a:ln>
-        </p:spPr>
-        <p:txBody>
-          <a:bodyPr anchorCtr="0" anchor="t" bIns="91425" lIns="91425" spcFirstLastPara="1" rIns="91425" wrap="square" tIns="91425">
-            <a:spAutoFit/>
-          </a:bodyPr>
-          <a:lstStyle/>
-          <a:p>
-            <a:pPr indent="0" lvl="0" marL="0" rtl="0" algn="ctr">
-              <a:spcBef>
-                <a:spcPts val="0"/>
-              </a:spcBef>
-              <a:spcAft>
-                <a:spcPts val="0"/>
-              </a:spcAft>
-              <a:buNone/>
-            </a:pPr>
-            <a:r>
-              <a:rPr lang="en" sz="600">
-                <a:latin typeface="Roboto"/>
-                <a:ea typeface="Roboto"/>
-                <a:cs typeface="Roboto"/>
-                <a:sym typeface="Roboto"/>
-              </a:rPr>
-              <a:t>Fetch</a:t>
-            </a:r>
-            <a:endParaRPr sz="600">
-              <a:latin typeface="Roboto"/>
-              <a:ea typeface="Roboto"/>
-              <a:cs typeface="Roboto"/>
-              <a:sym typeface="Roboto"/>
-            </a:endParaRPr>
-          </a:p>
-        </p:txBody>
-      </p:sp>
-      <p:cxnSp>
-        <p:nvCxnSpPr>
-          <p:cNvPr id="126" name="Google Shape;126;p18"/>
-          <p:cNvCxnSpPr>
-            <a:stCxn id="123" idx="3"/>
-            <a:endCxn id="110" idx="3"/>
-          </p:cNvCxnSpPr>
-          <p:nvPr/>
-        </p:nvCxnSpPr>
-        <p:spPr>
-          <a:xfrm rot="10800000">
-            <a:off x="8163075" y="2325900"/>
-            <a:ext cx="112500" cy="655500"/>
-          </a:xfrm>
-          <a:prstGeom prst="curvedConnector3">
-            <a:avLst>
-              <a:gd fmla="val -211667" name="adj1"/>
-            </a:avLst>
-          </a:prstGeom>
-          <a:noFill/>
-          <a:ln cap="flat" cmpd="sng" w="9525">
-            <a:solidFill>
-              <a:schemeClr val="dk2"/>
-            </a:solidFill>
-            <a:prstDash val="solid"/>
-            <a:round/>
-            <a:headEnd len="med" w="med" type="none"/>
-            <a:tailEnd len="med" w="med" type="none"/>
-          </a:ln>
-        </p:spPr>
-      </p:cxnSp>
-      <p:cxnSp>
-        <p:nvCxnSpPr>
-          <p:cNvPr id="127" name="Google Shape;127;p18"/>
-          <p:cNvCxnSpPr>
-            <a:stCxn id="110" idx="2"/>
-            <a:endCxn id="123" idx="0"/>
-          </p:cNvCxnSpPr>
-          <p:nvPr/>
-        </p:nvCxnSpPr>
-        <p:spPr>
-          <a:xfrm>
-            <a:off x="7733775" y="2571900"/>
-            <a:ext cx="0" cy="163500"/>
-          </a:xfrm>
-          <a:prstGeom prst="straightConnector1">
-            <a:avLst/>
-          </a:prstGeom>
-          <a:noFill/>
-          <a:ln cap="flat" cmpd="sng" w="9525">
-            <a:solidFill>
-              <a:schemeClr val="dk2"/>
-            </a:solidFill>
-            <a:prstDash val="solid"/>
-            <a:round/>
-            <a:headEnd len="med" w="med" type="none"/>
-            <a:tailEnd len="med" w="med" type="triangle"/>
-          </a:ln>
-        </p:spPr>
-      </p:cxnSp>
-      <p:sp>
-        <p:nvSpPr>
-          <p:cNvPr id="128" name="Google Shape;128;p18"/>
-          <p:cNvSpPr txBox="1"/>
-          <p:nvPr/>
-        </p:nvSpPr>
-        <p:spPr>
-          <a:xfrm>
-            <a:off x="8473800" y="2515200"/>
-            <a:ext cx="491700" cy="276900"/>
-          </a:xfrm>
-          <a:prstGeom prst="rect">
-            <a:avLst/>
-          </a:prstGeom>
-          <a:noFill/>
-          <a:ln>
-            <a:noFill/>
-          </a:ln>
-        </p:spPr>
-        <p:txBody>
-          <a:bodyPr anchorCtr="0" anchor="t" bIns="91425" lIns="91425" spcFirstLastPara="1" rIns="91425" wrap="square" tIns="91425">
-            <a:spAutoFit/>
-          </a:bodyPr>
-          <a:lstStyle/>
-          <a:p>
-            <a:pPr indent="0" lvl="0" marL="0" rtl="0" algn="l">
-              <a:spcBef>
-                <a:spcPts val="0"/>
-              </a:spcBef>
-              <a:spcAft>
-                <a:spcPts val="0"/>
-              </a:spcAft>
-              <a:buNone/>
-            </a:pPr>
-            <a:r>
-              <a:rPr lang="en" sz="600">
-                <a:latin typeface="Roboto"/>
-                <a:ea typeface="Roboto"/>
-                <a:cs typeface="Roboto"/>
-                <a:sym typeface="Roboto"/>
-              </a:rPr>
-              <a:t>Display</a:t>
-            </a:r>
-            <a:endParaRPr sz="600">
-              <a:latin typeface="Roboto"/>
-              <a:ea typeface="Roboto"/>
-              <a:cs typeface="Roboto"/>
-              <a:sym typeface="Roboto"/>
-            </a:endParaRPr>
-          </a:p>
-        </p:txBody>
-      </p:sp>
-    </p:spTree>
-  </p:cSld>
-  <p:clrMapOvr>
-    <a:masterClrMapping/>
-  </p:clrMapOvr>
-</p:sld>
-</file>
-
-<file path=ppt/slides/slide7.xml><?xml version="1.0" encoding="utf-8"?>
-<p:sld xmlns:a="http://schemas.openxmlformats.org/drawingml/2006/main" xmlns:r="http://schemas.openxmlformats.org/officeDocument/2006/relationships" xmlns:mc="http://schemas.openxmlformats.org/markup-compatibility/2006" xmlns:mv="urn:schemas-microsoft-com:mac:vml" xmlns:p="http://schemas.openxmlformats.org/presentationml/2006/main" xmlns:c="http://schemas.openxmlformats.org/drawingml/2006/chart" xmlns:dgm="http://schemas.openxmlformats.org/drawingml/2006/diagram" xmlns:o="urn:schemas-microsoft-com:office:office" xmlns:v="urn:schemas-microsoft-com:vml" xmlns:pvml="urn:schemas-microsoft-com:office:powerpoint" xmlns:com="http://schemas.openxmlformats.org/drawingml/2006/compatibility" xmlns:p14="http://schemas.microsoft.com/office/powerpoint/2010/main" xmlns:p15="http://schemas.microsoft.com/office/powerpoint/2012/main" xmlns:ahyp="http://schemas.microsoft.com/office/drawing/2018/hyperlinkcolor">
-  <p:cSld>
-    <p:spTree>
-      <p:nvGrpSpPr>
-        <p:cNvPr id="132" name="Shape 132"/>
-        <p:cNvGrpSpPr/>
-        <p:nvPr/>
-      </p:nvGrpSpPr>
-      <p:grpSpPr>
-        <a:xfrm>
-          <a:off x="0" y="0"/>
-          <a:ext cx="0" cy="0"/>
-          <a:chOff x="0" y="0"/>
-          <a:chExt cx="0" cy="0"/>
-        </a:xfrm>
-      </p:grpSpPr>
-      <p:sp>
-        <p:nvSpPr>
-          <p:cNvPr id="133" name="Google Shape;133;p19"/>
-          <p:cNvSpPr txBox="1"/>
-          <p:nvPr>
-            <p:ph type="title"/>
-          </p:nvPr>
-        </p:nvSpPr>
-        <p:spPr>
-          <a:xfrm>
-            <a:off x="471900" y="738725"/>
-            <a:ext cx="8222100" cy="767700"/>
-          </a:xfrm>
-          <a:prstGeom prst="rect">
-            <a:avLst/>
-          </a:prstGeom>
-        </p:spPr>
-        <p:txBody>
-          <a:bodyPr anchorCtr="0" anchor="b" bIns="91425" lIns="91425" spcFirstLastPara="1" rIns="91425" wrap="square" tIns="91425">
-            <a:normAutofit/>
-          </a:bodyPr>
-          <a:lstStyle/>
-          <a:p>
-            <a:pPr indent="0" lvl="0" marL="0" rtl="0" algn="l">
-              <a:spcBef>
-                <a:spcPts val="0"/>
-              </a:spcBef>
-              <a:spcAft>
-                <a:spcPts val="0"/>
-              </a:spcAft>
-              <a:buNone/>
-            </a:pPr>
-            <a:r>
-              <a:rPr lang="en"/>
-              <a:t>Visualization</a:t>
+              <a:t>Server</a:t>
             </a:r>
             <a:endParaRPr/>
           </a:p>
@@ -10847,94 +12164,14 @@
       </p:sp>
       <p:sp>
         <p:nvSpPr>
-          <p:cNvPr id="134" name="Google Shape;134;p19"/>
-          <p:cNvSpPr txBox="1"/>
-          <p:nvPr>
-            <p:ph idx="1" type="body"/>
-          </p:nvPr>
-        </p:nvSpPr>
-        <p:spPr>
-          <a:xfrm>
-            <a:off x="3723600" y="1844925"/>
-            <a:ext cx="1718700" cy="552900"/>
-          </a:xfrm>
-          <a:prstGeom prst="rect">
-            <a:avLst/>
-          </a:prstGeom>
-        </p:spPr>
-        <p:txBody>
-          <a:bodyPr anchorCtr="0" anchor="t" bIns="91425" lIns="91425" spcFirstLastPara="1" rIns="91425" wrap="square" tIns="91425">
-            <a:normAutofit/>
-          </a:bodyPr>
-          <a:lstStyle/>
-          <a:p>
-            <a:pPr indent="0" lvl="0" marL="0" rtl="0" algn="ctr">
-              <a:spcBef>
-                <a:spcPts val="0"/>
-              </a:spcBef>
-              <a:spcAft>
-                <a:spcPts val="1200"/>
-              </a:spcAft>
-              <a:buNone/>
-            </a:pPr>
-            <a:r>
-              <a:rPr b="1" lang="en">
-                <a:latin typeface="Caveat"/>
-                <a:ea typeface="Caveat"/>
-                <a:cs typeface="Caveat"/>
-                <a:sym typeface="Caveat"/>
-              </a:rPr>
-              <a:t>Click Me!</a:t>
-            </a:r>
-            <a:endParaRPr b="1">
-              <a:latin typeface="Caveat"/>
-              <a:ea typeface="Caveat"/>
-              <a:cs typeface="Caveat"/>
-              <a:sym typeface="Caveat"/>
-            </a:endParaRPr>
-          </a:p>
-        </p:txBody>
-      </p:sp>
-      <p:pic>
-        <p:nvPicPr>
-          <p:cNvPr id="135" name="Google Shape;135;p19">
-            <a:hlinkClick r:id="rId3"/>
-          </p:cNvPr>
-          <p:cNvPicPr preferRelativeResize="0"/>
-          <p:nvPr/>
-        </p:nvPicPr>
-        <p:blipFill>
-          <a:blip r:embed="rId4">
-            <a:alphaModFix/>
-          </a:blip>
-          <a:stretch>
-            <a:fillRect/>
-          </a:stretch>
-        </p:blipFill>
-        <p:spPr>
-          <a:xfrm>
-            <a:off x="3479986" y="2397825"/>
-            <a:ext cx="2205950" cy="2470650"/>
-          </a:xfrm>
-          <a:prstGeom prst="rect">
-            <a:avLst/>
-          </a:prstGeom>
-          <a:noFill/>
-          <a:ln>
-            <a:noFill/>
-          </a:ln>
-        </p:spPr>
-      </p:pic>
-      <p:sp>
-        <p:nvSpPr>
-          <p:cNvPr id="136" name="Google Shape;136;p19"/>
+          <p:cNvPr id="129" name="Google Shape;129;p21"/>
           <p:cNvSpPr/>
           <p:nvPr/>
         </p:nvSpPr>
         <p:spPr>
           <a:xfrm>
-            <a:off x="688275" y="3026900"/>
-            <a:ext cx="2294100" cy="518100"/>
+            <a:off x="6586650" y="2400775"/>
+            <a:ext cx="407100" cy="116400"/>
           </a:xfrm>
           <a:prstGeom prst="rightArrow">
             <a:avLst>
@@ -10979,14 +12216,463 @@
       </p:sp>
       <p:sp>
         <p:nvSpPr>
-          <p:cNvPr id="137" name="Google Shape;137;p19"/>
+          <p:cNvPr id="130" name="Google Shape;130;p21"/>
           <p:cNvSpPr/>
           <p:nvPr/>
         </p:nvSpPr>
         <p:spPr>
+          <a:xfrm>
+            <a:off x="7304475" y="2079600"/>
+            <a:ext cx="858600" cy="492300"/>
+          </a:xfrm>
+          <a:prstGeom prst="roundRect">
+            <a:avLst>
+              <a:gd fmla="val 16667" name="adj"/>
+            </a:avLst>
+          </a:prstGeom>
+          <a:noFill/>
+          <a:ln cap="flat" cmpd="sng" w="9525">
+            <a:solidFill>
+              <a:schemeClr val="dk2"/>
+            </a:solidFill>
+            <a:prstDash val="solid"/>
+            <a:round/>
+            <a:headEnd len="sm" w="sm" type="none"/>
+            <a:tailEnd len="sm" w="sm" type="none"/>
+          </a:ln>
+        </p:spPr>
+        <p:txBody>
+          <a:bodyPr anchorCtr="0" anchor="ctr" bIns="91425" lIns="91425" spcFirstLastPara="1" rIns="91425" wrap="square" tIns="91425">
+            <a:noAutofit/>
+          </a:bodyPr>
+          <a:lstStyle/>
+          <a:p>
+            <a:pPr indent="0" lvl="0" marL="0" rtl="0" algn="ctr">
+              <a:spcBef>
+                <a:spcPts val="0"/>
+              </a:spcBef>
+              <a:spcAft>
+                <a:spcPts val="0"/>
+              </a:spcAft>
+              <a:buNone/>
+            </a:pPr>
+            <a:r>
+              <a:rPr lang="en"/>
+              <a:t>Client</a:t>
+            </a:r>
+            <a:endParaRPr/>
+          </a:p>
+        </p:txBody>
+      </p:sp>
+      <p:sp>
+        <p:nvSpPr>
+          <p:cNvPr id="131" name="Google Shape;131;p21"/>
+          <p:cNvSpPr txBox="1"/>
+          <p:nvPr/>
+        </p:nvSpPr>
+        <p:spPr>
+          <a:xfrm>
+            <a:off x="6520050" y="2400775"/>
+            <a:ext cx="540300" cy="276900"/>
+          </a:xfrm>
+          <a:prstGeom prst="rect">
+            <a:avLst/>
+          </a:prstGeom>
+          <a:noFill/>
+          <a:ln>
+            <a:noFill/>
+          </a:ln>
+        </p:spPr>
+        <p:txBody>
+          <a:bodyPr anchorCtr="0" anchor="t" bIns="91425" lIns="91425" spcFirstLastPara="1" rIns="91425" wrap="square" tIns="91425">
+            <a:spAutoFit/>
+          </a:bodyPr>
+          <a:lstStyle/>
+          <a:p>
+            <a:pPr indent="0" lvl="0" marL="0" rtl="0" algn="ctr">
+              <a:spcBef>
+                <a:spcPts val="0"/>
+              </a:spcBef>
+              <a:spcAft>
+                <a:spcPts val="0"/>
+              </a:spcAft>
+              <a:buNone/>
+            </a:pPr>
+            <a:r>
+              <a:rPr lang="en" sz="600">
+                <a:latin typeface="Roboto"/>
+                <a:ea typeface="Roboto"/>
+                <a:cs typeface="Roboto"/>
+                <a:sym typeface="Roboto"/>
+              </a:rPr>
+              <a:t>HTML</a:t>
+            </a:r>
+            <a:endParaRPr sz="600">
+              <a:latin typeface="Roboto"/>
+              <a:ea typeface="Roboto"/>
+              <a:cs typeface="Roboto"/>
+              <a:sym typeface="Roboto"/>
+            </a:endParaRPr>
+          </a:p>
+        </p:txBody>
+      </p:sp>
+      <p:sp>
+        <p:nvSpPr>
+          <p:cNvPr id="132" name="Google Shape;132;p21"/>
+          <p:cNvSpPr/>
+          <p:nvPr/>
+        </p:nvSpPr>
+        <p:spPr>
+          <a:xfrm>
+            <a:off x="5230875" y="3028025"/>
+            <a:ext cx="1231500" cy="492300"/>
+          </a:xfrm>
+          <a:prstGeom prst="roundRect">
+            <a:avLst>
+              <a:gd fmla="val 16667" name="adj"/>
+            </a:avLst>
+          </a:prstGeom>
+          <a:noFill/>
+          <a:ln cap="flat" cmpd="sng" w="9525">
+            <a:solidFill>
+              <a:schemeClr val="dk2"/>
+            </a:solidFill>
+            <a:prstDash val="solid"/>
+            <a:round/>
+            <a:headEnd len="sm" w="sm" type="none"/>
+            <a:tailEnd len="sm" w="sm" type="none"/>
+          </a:ln>
+        </p:spPr>
+        <p:txBody>
+          <a:bodyPr anchorCtr="0" anchor="ctr" bIns="91425" lIns="91425" spcFirstLastPara="1" rIns="91425" wrap="square" tIns="91425">
+            <a:noAutofit/>
+          </a:bodyPr>
+          <a:lstStyle/>
+          <a:p>
+            <a:pPr indent="0" lvl="0" marL="0" rtl="0" algn="ctr">
+              <a:spcBef>
+                <a:spcPts val="0"/>
+              </a:spcBef>
+              <a:spcAft>
+                <a:spcPts val="0"/>
+              </a:spcAft>
+              <a:buNone/>
+            </a:pPr>
+            <a:r>
+              <a:rPr lang="en"/>
+              <a:t>Local Repo</a:t>
+            </a:r>
+            <a:endParaRPr/>
+          </a:p>
+        </p:txBody>
+      </p:sp>
+      <p:sp>
+        <p:nvSpPr>
+          <p:cNvPr id="133" name="Google Shape;133;p21"/>
+          <p:cNvSpPr/>
+          <p:nvPr/>
+        </p:nvSpPr>
+        <p:spPr>
+          <a:xfrm>
+            <a:off x="4850263" y="3824050"/>
+            <a:ext cx="858600" cy="492300"/>
+          </a:xfrm>
+          <a:prstGeom prst="roundRect">
+            <a:avLst>
+              <a:gd fmla="val 16667" name="adj"/>
+            </a:avLst>
+          </a:prstGeom>
+          <a:noFill/>
+          <a:ln cap="flat" cmpd="sng" w="9525">
+            <a:solidFill>
+              <a:schemeClr val="dk2"/>
+            </a:solidFill>
+            <a:prstDash val="solid"/>
+            <a:round/>
+            <a:headEnd len="sm" w="sm" type="none"/>
+            <a:tailEnd len="sm" w="sm" type="none"/>
+          </a:ln>
+        </p:spPr>
+        <p:txBody>
+          <a:bodyPr anchorCtr="0" anchor="ctr" bIns="91425" lIns="91425" spcFirstLastPara="1" rIns="91425" wrap="square" tIns="91425">
+            <a:noAutofit/>
+          </a:bodyPr>
+          <a:lstStyle/>
+          <a:p>
+            <a:pPr indent="0" lvl="0" marL="0" rtl="0" algn="ctr">
+              <a:spcBef>
+                <a:spcPts val="0"/>
+              </a:spcBef>
+              <a:spcAft>
+                <a:spcPts val="0"/>
+              </a:spcAft>
+              <a:buNone/>
+            </a:pPr>
+            <a:r>
+              <a:rPr lang="en"/>
+              <a:t>JSON</a:t>
+            </a:r>
+            <a:endParaRPr/>
+          </a:p>
+        </p:txBody>
+      </p:sp>
+      <p:sp>
+        <p:nvSpPr>
+          <p:cNvPr id="134" name="Google Shape;134;p21"/>
+          <p:cNvSpPr/>
+          <p:nvPr/>
+        </p:nvSpPr>
+        <p:spPr>
+          <a:xfrm>
+            <a:off x="6046325" y="3824050"/>
+            <a:ext cx="858600" cy="492300"/>
+          </a:xfrm>
+          <a:prstGeom prst="roundRect">
+            <a:avLst>
+              <a:gd fmla="val 16667" name="adj"/>
+            </a:avLst>
+          </a:prstGeom>
+          <a:noFill/>
+          <a:ln cap="flat" cmpd="sng" w="9525">
+            <a:solidFill>
+              <a:schemeClr val="dk2"/>
+            </a:solidFill>
+            <a:prstDash val="solid"/>
+            <a:round/>
+            <a:headEnd len="sm" w="sm" type="none"/>
+            <a:tailEnd len="sm" w="sm" type="none"/>
+          </a:ln>
+        </p:spPr>
+        <p:txBody>
+          <a:bodyPr anchorCtr="0" anchor="ctr" bIns="91425" lIns="91425" spcFirstLastPara="1" rIns="91425" wrap="square" tIns="91425">
+            <a:noAutofit/>
+          </a:bodyPr>
+          <a:lstStyle/>
+          <a:p>
+            <a:pPr indent="0" lvl="0" marL="0" rtl="0" algn="ctr">
+              <a:spcBef>
+                <a:spcPts val="0"/>
+              </a:spcBef>
+              <a:spcAft>
+                <a:spcPts val="0"/>
+              </a:spcAft>
+              <a:buNone/>
+            </a:pPr>
+            <a:r>
+              <a:rPr lang="en"/>
+              <a:t>HTML</a:t>
+            </a:r>
+            <a:endParaRPr/>
+          </a:p>
+        </p:txBody>
+      </p:sp>
+      <p:cxnSp>
+        <p:nvCxnSpPr>
+          <p:cNvPr id="135" name="Google Shape;135;p21"/>
+          <p:cNvCxnSpPr>
+            <a:endCxn id="132" idx="2"/>
+          </p:cNvCxnSpPr>
+          <p:nvPr/>
+        </p:nvCxnSpPr>
+        <p:spPr>
+          <a:xfrm flipH="1" rot="10800000">
+            <a:off x="5291625" y="3520325"/>
+            <a:ext cx="555000" cy="298500"/>
+          </a:xfrm>
+          <a:prstGeom prst="straightConnector1">
+            <a:avLst/>
+          </a:prstGeom>
+          <a:noFill/>
+          <a:ln cap="flat" cmpd="sng" w="9525">
+            <a:solidFill>
+              <a:schemeClr val="dk2"/>
+            </a:solidFill>
+            <a:prstDash val="solid"/>
+            <a:round/>
+            <a:headEnd len="med" w="med" type="none"/>
+            <a:tailEnd len="med" w="med" type="none"/>
+          </a:ln>
+        </p:spPr>
+      </p:cxnSp>
+      <p:cxnSp>
+        <p:nvCxnSpPr>
+          <p:cNvPr id="136" name="Google Shape;136;p21"/>
+          <p:cNvCxnSpPr>
+            <a:stCxn id="134" idx="0"/>
+            <a:endCxn id="132" idx="2"/>
+          </p:cNvCxnSpPr>
+          <p:nvPr/>
+        </p:nvCxnSpPr>
+        <p:spPr>
           <a:xfrm rot="10800000">
-            <a:off x="6183550" y="3026900"/>
-            <a:ext cx="2294100" cy="518100"/>
+            <a:off x="5846525" y="3520450"/>
+            <a:ext cx="629100" cy="303600"/>
+          </a:xfrm>
+          <a:prstGeom prst="straightConnector1">
+            <a:avLst/>
+          </a:prstGeom>
+          <a:noFill/>
+          <a:ln cap="flat" cmpd="sng" w="9525">
+            <a:solidFill>
+              <a:schemeClr val="dk2"/>
+            </a:solidFill>
+            <a:prstDash val="solid"/>
+            <a:round/>
+            <a:headEnd len="med" w="med" type="none"/>
+            <a:tailEnd len="med" w="med" type="none"/>
+          </a:ln>
+        </p:spPr>
+      </p:cxnSp>
+      <p:cxnSp>
+        <p:nvCxnSpPr>
+          <p:cNvPr id="137" name="Google Shape;137;p21"/>
+          <p:cNvCxnSpPr>
+            <a:stCxn id="132" idx="0"/>
+            <a:endCxn id="128" idx="2"/>
+          </p:cNvCxnSpPr>
+          <p:nvPr/>
+        </p:nvCxnSpPr>
+        <p:spPr>
+          <a:xfrm rot="10800000">
+            <a:off x="5846625" y="2572025"/>
+            <a:ext cx="0" cy="456000"/>
+          </a:xfrm>
+          <a:prstGeom prst="straightConnector1">
+            <a:avLst/>
+          </a:prstGeom>
+          <a:noFill/>
+          <a:ln cap="flat" cmpd="sng" w="9525">
+            <a:solidFill>
+              <a:schemeClr val="dk2"/>
+            </a:solidFill>
+            <a:prstDash val="solid"/>
+            <a:round/>
+            <a:headEnd len="med" w="med" type="none"/>
+            <a:tailEnd len="med" w="med" type="none"/>
+          </a:ln>
+        </p:spPr>
+      </p:cxnSp>
+      <p:sp>
+        <p:nvSpPr>
+          <p:cNvPr id="138" name="Google Shape;138;p21"/>
+          <p:cNvSpPr/>
+          <p:nvPr/>
+        </p:nvSpPr>
+        <p:spPr>
+          <a:xfrm>
+            <a:off x="4147275" y="2079600"/>
+            <a:ext cx="1083600" cy="492300"/>
+          </a:xfrm>
+          <a:prstGeom prst="roundRect">
+            <a:avLst>
+              <a:gd fmla="val 16667" name="adj"/>
+            </a:avLst>
+          </a:prstGeom>
+          <a:noFill/>
+          <a:ln cap="flat" cmpd="sng" w="9525">
+            <a:solidFill>
+              <a:schemeClr val="dk2"/>
+            </a:solidFill>
+            <a:prstDash val="solid"/>
+            <a:round/>
+            <a:headEnd len="sm" w="sm" type="none"/>
+            <a:tailEnd len="sm" w="sm" type="none"/>
+          </a:ln>
+        </p:spPr>
+        <p:txBody>
+          <a:bodyPr anchorCtr="0" anchor="ctr" bIns="91425" lIns="91425" spcFirstLastPara="1" rIns="91425" wrap="square" tIns="91425">
+            <a:noAutofit/>
+          </a:bodyPr>
+          <a:lstStyle/>
+          <a:p>
+            <a:pPr indent="0" lvl="0" marL="0" rtl="0" algn="ctr">
+              <a:spcBef>
+                <a:spcPts val="0"/>
+              </a:spcBef>
+              <a:spcAft>
+                <a:spcPts val="0"/>
+              </a:spcAft>
+              <a:buNone/>
+            </a:pPr>
+            <a:r>
+              <a:rPr lang="en"/>
+              <a:t>Algorithm</a:t>
+            </a:r>
+            <a:endParaRPr/>
+          </a:p>
+        </p:txBody>
+      </p:sp>
+      <p:cxnSp>
+        <p:nvCxnSpPr>
+          <p:cNvPr id="139" name="Google Shape;139;p21"/>
+          <p:cNvCxnSpPr>
+            <a:stCxn id="128" idx="1"/>
+            <a:endCxn id="138" idx="3"/>
+          </p:cNvCxnSpPr>
+          <p:nvPr/>
+        </p:nvCxnSpPr>
+        <p:spPr>
+          <a:xfrm rot="10800000">
+            <a:off x="5231025" y="2325750"/>
+            <a:ext cx="186300" cy="0"/>
+          </a:xfrm>
+          <a:prstGeom prst="straightConnector1">
+            <a:avLst/>
+          </a:prstGeom>
+          <a:noFill/>
+          <a:ln cap="flat" cmpd="sng" w="9525">
+            <a:solidFill>
+              <a:schemeClr val="dk2"/>
+            </a:solidFill>
+            <a:prstDash val="solid"/>
+            <a:round/>
+            <a:headEnd len="med" w="med" type="none"/>
+            <a:tailEnd len="med" w="med" type="none"/>
+          </a:ln>
+        </p:spPr>
+      </p:cxnSp>
+      <p:cxnSp>
+        <p:nvCxnSpPr>
+          <p:cNvPr id="140" name="Google Shape;140;p21"/>
+          <p:cNvCxnSpPr>
+            <a:stCxn id="138" idx="1"/>
+            <a:endCxn id="133" idx="0"/>
+          </p:cNvCxnSpPr>
+          <p:nvPr/>
+        </p:nvCxnSpPr>
+        <p:spPr>
+          <a:xfrm>
+            <a:off x="4147275" y="2325750"/>
+            <a:ext cx="1132200" cy="1498200"/>
+          </a:xfrm>
+          <a:prstGeom prst="curvedConnector4">
+            <a:avLst>
+              <a:gd fmla="val -21032" name="adj1"/>
+              <a:gd fmla="val 58218" name="adj2"/>
+            </a:avLst>
+          </a:prstGeom>
+          <a:noFill/>
+          <a:ln cap="flat" cmpd="sng" w="9525">
+            <a:solidFill>
+              <a:schemeClr val="dk2"/>
+            </a:solidFill>
+            <a:prstDash val="solid"/>
+            <a:round/>
+            <a:headEnd len="med" w="med" type="none"/>
+            <a:tailEnd len="med" w="med" type="none"/>
+          </a:ln>
+        </p:spPr>
+      </p:cxnSp>
+      <p:sp>
+        <p:nvSpPr>
+          <p:cNvPr id="141" name="Google Shape;141;p21"/>
+          <p:cNvSpPr/>
+          <p:nvPr/>
+        </p:nvSpPr>
+        <p:spPr>
+          <a:xfrm rot="10800000">
+            <a:off x="6586650" y="2209425"/>
+            <a:ext cx="407100" cy="116400"/>
           </a:xfrm>
           <a:prstGeom prst="rightArrow">
             <a:avLst>
@@ -11029,164 +12715,16 @@
           </a:p>
         </p:txBody>
       </p:sp>
-    </p:spTree>
-  </p:cSld>
-  <p:clrMapOvr>
-    <a:masterClrMapping/>
-  </p:clrMapOvr>
-</p:sld>
-</file>
-
-<file path=ppt/slides/slide8.xml><?xml version="1.0" encoding="utf-8"?>
-<p:sld xmlns:a="http://schemas.openxmlformats.org/drawingml/2006/main" xmlns:r="http://schemas.openxmlformats.org/officeDocument/2006/relationships" xmlns:mc="http://schemas.openxmlformats.org/markup-compatibility/2006" xmlns:mv="urn:schemas-microsoft-com:mac:vml" xmlns:p="http://schemas.openxmlformats.org/presentationml/2006/main" xmlns:c="http://schemas.openxmlformats.org/drawingml/2006/chart" xmlns:dgm="http://schemas.openxmlformats.org/drawingml/2006/diagram" xmlns:o="urn:schemas-microsoft-com:office:office" xmlns:v="urn:schemas-microsoft-com:vml" xmlns:pvml="urn:schemas-microsoft-com:office:powerpoint" xmlns:com="http://schemas.openxmlformats.org/drawingml/2006/compatibility" xmlns:p14="http://schemas.microsoft.com/office/powerpoint/2010/main" xmlns:p15="http://schemas.microsoft.com/office/powerpoint/2012/main" xmlns:ahyp="http://schemas.microsoft.com/office/drawing/2018/hyperlinkcolor">
-  <p:cSld>
-    <p:spTree>
-      <p:nvGrpSpPr>
-        <p:cNvPr id="141" name="Shape 141"/>
-        <p:cNvGrpSpPr/>
-        <p:nvPr/>
-      </p:nvGrpSpPr>
-      <p:grpSpPr>
-        <a:xfrm>
-          <a:off x="0" y="0"/>
-          <a:ext cx="0" cy="0"/>
-          <a:chOff x="0" y="0"/>
-          <a:chExt cx="0" cy="0"/>
-        </a:xfrm>
-      </p:grpSpPr>
       <p:sp>
         <p:nvSpPr>
-          <p:cNvPr id="142" name="Google Shape;142;p20"/>
+          <p:cNvPr id="142" name="Google Shape;142;p21"/>
           <p:cNvSpPr txBox="1"/>
-          <p:nvPr>
-            <p:ph type="title"/>
-          </p:nvPr>
+          <p:nvPr/>
         </p:nvSpPr>
         <p:spPr>
           <a:xfrm>
-            <a:off x="471900" y="738725"/>
-            <a:ext cx="8222100" cy="767700"/>
-          </a:xfrm>
-          <a:prstGeom prst="rect">
-            <a:avLst/>
-          </a:prstGeom>
-        </p:spPr>
-        <p:txBody>
-          <a:bodyPr anchorCtr="0" anchor="b" bIns="91425" lIns="91425" spcFirstLastPara="1" rIns="91425" wrap="square" tIns="91425">
-            <a:normAutofit/>
-          </a:bodyPr>
-          <a:lstStyle/>
-          <a:p>
-            <a:pPr indent="0" lvl="0" marL="0" rtl="0" algn="l">
-              <a:spcBef>
-                <a:spcPts val="0"/>
-              </a:spcBef>
-              <a:spcAft>
-                <a:spcPts val="0"/>
-              </a:spcAft>
-              <a:buNone/>
-            </a:pPr>
-            <a:r>
-              <a:rPr lang="en"/>
-              <a:t>Quadrature Mincut: High Level Overview</a:t>
-            </a:r>
-            <a:endParaRPr/>
-          </a:p>
-        </p:txBody>
-      </p:sp>
-      <p:sp>
-        <p:nvSpPr>
-          <p:cNvPr id="143" name="Google Shape;143;p20"/>
-          <p:cNvSpPr txBox="1"/>
-          <p:nvPr>
-            <p:ph idx="1" type="body"/>
-          </p:nvPr>
-        </p:nvSpPr>
-        <p:spPr>
-          <a:xfrm>
-            <a:off x="471900" y="1919075"/>
-            <a:ext cx="4100100" cy="3007200"/>
-          </a:xfrm>
-          <a:prstGeom prst="rect">
-            <a:avLst/>
-          </a:prstGeom>
-        </p:spPr>
-        <p:txBody>
-          <a:bodyPr anchorCtr="0" anchor="t" bIns="91425" lIns="91425" spcFirstLastPara="1" rIns="91425" wrap="square" tIns="91425">
-            <a:normAutofit fontScale="92500" lnSpcReduction="10000"/>
-          </a:bodyPr>
-          <a:lstStyle/>
-          <a:p>
-            <a:pPr indent="-334327" lvl="0" marL="457200" rtl="0" algn="l">
-              <a:spcBef>
-                <a:spcPts val="0"/>
-              </a:spcBef>
-              <a:spcAft>
-                <a:spcPts val="0"/>
-              </a:spcAft>
-              <a:buSzPct val="100000"/>
-              <a:buChar char="●"/>
-            </a:pPr>
-            <a:r>
-              <a:rPr lang="en"/>
-              <a:t>Goal is to find a placement for each node (representing logic gates) while minimizing wirelength</a:t>
-            </a:r>
-            <a:endParaRPr/>
-          </a:p>
-          <a:p>
-            <a:pPr indent="-334327" lvl="0" marL="457200" rtl="0" algn="l">
-              <a:spcBef>
-                <a:spcPts val="0"/>
-              </a:spcBef>
-              <a:spcAft>
-                <a:spcPts val="0"/>
-              </a:spcAft>
-              <a:buSzPct val="100000"/>
-              <a:buChar char="●"/>
-            </a:pPr>
-            <a:r>
-              <a:rPr lang="en"/>
-              <a:t>Alternate between horizontal and vertical cuts to create smaller and smaller quadrants</a:t>
-            </a:r>
-            <a:endParaRPr/>
-          </a:p>
-          <a:p>
-            <a:pPr indent="-334327" lvl="0" marL="457200" rtl="0" algn="l">
-              <a:spcBef>
-                <a:spcPts val="0"/>
-              </a:spcBef>
-              <a:spcAft>
-                <a:spcPts val="0"/>
-              </a:spcAft>
-              <a:buSzPct val="100000"/>
-              <a:buChar char="●"/>
-            </a:pPr>
-            <a:r>
-              <a:rPr lang="en"/>
-              <a:t>The Kernighan-Lin (KL) algorithm, or some other partitioning algorithm, runs each time a cut is made to minimize the cut size</a:t>
-            </a:r>
-            <a:endParaRPr/>
-          </a:p>
-        </p:txBody>
-      </p:sp>
-      <p:pic>
-        <p:nvPicPr>
-          <p:cNvPr id="144" name="Google Shape;144;p20"/>
-          <p:cNvPicPr preferRelativeResize="0"/>
-          <p:nvPr/>
-        </p:nvPicPr>
-        <p:blipFill>
-          <a:blip r:embed="rId3">
-            <a:alphaModFix/>
-          </a:blip>
-          <a:stretch>
-            <a:fillRect/>
-          </a:stretch>
-        </p:blipFill>
-        <p:spPr>
-          <a:xfrm>
-            <a:off x="4695425" y="1850863"/>
-            <a:ext cx="2481325" cy="1503050"/>
+            <a:off x="6520050" y="2048850"/>
+            <a:ext cx="540300" cy="276900"/>
           </a:xfrm>
           <a:prstGeom prst="rect">
             <a:avLst/>
@@ -11196,25 +12734,128 @@
             <a:noFill/>
           </a:ln>
         </p:spPr>
-      </p:pic>
-      <p:pic>
-        <p:nvPicPr>
-          <p:cNvPr id="145" name="Google Shape;145;p20"/>
-          <p:cNvPicPr preferRelativeResize="0"/>
+        <p:txBody>
+          <a:bodyPr anchorCtr="0" anchor="t" bIns="91425" lIns="91425" spcFirstLastPara="1" rIns="91425" wrap="square" tIns="91425">
+            <a:spAutoFit/>
+          </a:bodyPr>
+          <a:lstStyle/>
+          <a:p>
+            <a:pPr indent="0" lvl="0" marL="0" rtl="0" algn="ctr">
+              <a:spcBef>
+                <a:spcPts val="0"/>
+              </a:spcBef>
+              <a:spcAft>
+                <a:spcPts val="0"/>
+              </a:spcAft>
+              <a:buNone/>
+            </a:pPr>
+            <a:r>
+              <a:rPr lang="en" sz="600">
+                <a:latin typeface="Roboto"/>
+                <a:ea typeface="Roboto"/>
+                <a:cs typeface="Roboto"/>
+                <a:sym typeface="Roboto"/>
+              </a:rPr>
+              <a:t>Request</a:t>
+            </a:r>
+            <a:endParaRPr sz="600">
+              <a:latin typeface="Roboto"/>
+              <a:ea typeface="Roboto"/>
+              <a:cs typeface="Roboto"/>
+              <a:sym typeface="Roboto"/>
+            </a:endParaRPr>
+          </a:p>
+        </p:txBody>
+      </p:sp>
+      <p:sp>
+        <p:nvSpPr>
+          <p:cNvPr id="143" name="Google Shape;143;p21"/>
+          <p:cNvSpPr/>
           <p:nvPr/>
-        </p:nvPicPr>
-        <p:blipFill>
-          <a:blip r:embed="rId4">
-            <a:alphaModFix/>
-          </a:blip>
-          <a:stretch>
-            <a:fillRect/>
-          </a:stretch>
-        </p:blipFill>
+        </p:nvSpPr>
         <p:spPr>
           <a:xfrm>
-            <a:off x="4995363" y="3466675"/>
-            <a:ext cx="1881454" cy="1676825"/>
+            <a:off x="7191975" y="2735250"/>
+            <a:ext cx="1083600" cy="492300"/>
+          </a:xfrm>
+          <a:prstGeom prst="roundRect">
+            <a:avLst>
+              <a:gd fmla="val 16667" name="adj"/>
+            </a:avLst>
+          </a:prstGeom>
+          <a:noFill/>
+          <a:ln cap="flat" cmpd="sng" w="9525">
+            <a:solidFill>
+              <a:schemeClr val="dk2"/>
+            </a:solidFill>
+            <a:prstDash val="solid"/>
+            <a:round/>
+            <a:headEnd len="sm" w="sm" type="none"/>
+            <a:tailEnd len="sm" w="sm" type="none"/>
+          </a:ln>
+        </p:spPr>
+        <p:txBody>
+          <a:bodyPr anchorCtr="0" anchor="ctr" bIns="91425" lIns="91425" spcFirstLastPara="1" rIns="91425" wrap="square" tIns="91425">
+            <a:noAutofit/>
+          </a:bodyPr>
+          <a:lstStyle/>
+          <a:p>
+            <a:pPr indent="0" lvl="0" marL="0" rtl="0" algn="ctr">
+              <a:spcBef>
+                <a:spcPts val="0"/>
+              </a:spcBef>
+              <a:spcAft>
+                <a:spcPts val="0"/>
+              </a:spcAft>
+              <a:buNone/>
+            </a:pPr>
+            <a:r>
+              <a:rPr lang="en"/>
+              <a:t>Javascript</a:t>
+            </a:r>
+            <a:endParaRPr/>
+          </a:p>
+        </p:txBody>
+      </p:sp>
+      <p:cxnSp>
+        <p:nvCxnSpPr>
+          <p:cNvPr id="144" name="Google Shape;144;p21"/>
+          <p:cNvCxnSpPr>
+            <a:stCxn id="143" idx="1"/>
+            <a:endCxn id="133" idx="3"/>
+          </p:cNvCxnSpPr>
+          <p:nvPr/>
+        </p:nvCxnSpPr>
+        <p:spPr>
+          <a:xfrm flipH="1">
+            <a:off x="5708775" y="2981400"/>
+            <a:ext cx="1483200" cy="1088700"/>
+          </a:xfrm>
+          <a:prstGeom prst="straightConnector1">
+            <a:avLst/>
+          </a:prstGeom>
+          <a:noFill/>
+          <a:ln cap="flat" cmpd="sng" w="9525">
+            <a:solidFill>
+              <a:schemeClr val="dk2"/>
+            </a:solidFill>
+            <a:prstDash val="solid"/>
+            <a:round/>
+            <a:headEnd len="med" w="med" type="none"/>
+            <a:tailEnd len="med" w="med" type="none"/>
+          </a:ln>
+        </p:spPr>
+      </p:cxnSp>
+      <p:sp>
+        <p:nvSpPr>
+          <p:cNvPr id="145" name="Google Shape;145;p21"/>
+          <p:cNvSpPr txBox="1"/>
+          <p:nvPr/>
+        </p:nvSpPr>
+        <p:spPr>
+          <a:xfrm rot="-2192938">
+            <a:off x="6623659" y="3032158"/>
+            <a:ext cx="407046" cy="276906"/>
           </a:xfrm>
           <a:prstGeom prst="rect">
             <a:avLst/>
@@ -11224,17 +12865,109 @@
             <a:noFill/>
           </a:ln>
         </p:spPr>
-      </p:pic>
+        <p:txBody>
+          <a:bodyPr anchorCtr="0" anchor="t" bIns="91425" lIns="91425" spcFirstLastPara="1" rIns="91425" wrap="square" tIns="91425">
+            <a:spAutoFit/>
+          </a:bodyPr>
+          <a:lstStyle/>
+          <a:p>
+            <a:pPr indent="0" lvl="0" marL="0" rtl="0" algn="ctr">
+              <a:spcBef>
+                <a:spcPts val="0"/>
+              </a:spcBef>
+              <a:spcAft>
+                <a:spcPts val="0"/>
+              </a:spcAft>
+              <a:buNone/>
+            </a:pPr>
+            <a:r>
+              <a:rPr lang="en" sz="600">
+                <a:latin typeface="Roboto"/>
+                <a:ea typeface="Roboto"/>
+                <a:cs typeface="Roboto"/>
+                <a:sym typeface="Roboto"/>
+              </a:rPr>
+              <a:t>Fetch</a:t>
+            </a:r>
+            <a:endParaRPr sz="600">
+              <a:latin typeface="Roboto"/>
+              <a:ea typeface="Roboto"/>
+              <a:cs typeface="Roboto"/>
+              <a:sym typeface="Roboto"/>
+            </a:endParaRPr>
+          </a:p>
+        </p:txBody>
+      </p:sp>
+      <p:cxnSp>
+        <p:nvCxnSpPr>
+          <p:cNvPr id="146" name="Google Shape;146;p21"/>
+          <p:cNvCxnSpPr>
+            <a:stCxn id="143" idx="3"/>
+            <a:endCxn id="130" idx="3"/>
+          </p:cNvCxnSpPr>
+          <p:nvPr/>
+        </p:nvCxnSpPr>
+        <p:spPr>
+          <a:xfrm rot="10800000">
+            <a:off x="8163075" y="2325900"/>
+            <a:ext cx="112500" cy="655500"/>
+          </a:xfrm>
+          <a:prstGeom prst="curvedConnector3">
+            <a:avLst>
+              <a:gd fmla="val -211667" name="adj1"/>
+            </a:avLst>
+          </a:prstGeom>
+          <a:noFill/>
+          <a:ln cap="flat" cmpd="sng" w="9525">
+            <a:solidFill>
+              <a:schemeClr val="dk2"/>
+            </a:solidFill>
+            <a:prstDash val="solid"/>
+            <a:round/>
+            <a:headEnd len="med" w="med" type="none"/>
+            <a:tailEnd len="med" w="med" type="none"/>
+          </a:ln>
+        </p:spPr>
+      </p:cxnSp>
+      <p:cxnSp>
+        <p:nvCxnSpPr>
+          <p:cNvPr id="147" name="Google Shape;147;p21"/>
+          <p:cNvCxnSpPr>
+            <a:stCxn id="130" idx="2"/>
+            <a:endCxn id="143" idx="0"/>
+          </p:cNvCxnSpPr>
+          <p:nvPr/>
+        </p:nvCxnSpPr>
+        <p:spPr>
+          <a:xfrm>
+            <a:off x="7733775" y="2571900"/>
+            <a:ext cx="0" cy="163500"/>
+          </a:xfrm>
+          <a:prstGeom prst="straightConnector1">
+            <a:avLst/>
+          </a:prstGeom>
+          <a:noFill/>
+          <a:ln cap="flat" cmpd="sng" w="9525">
+            <a:solidFill>
+              <a:schemeClr val="dk2"/>
+            </a:solidFill>
+            <a:prstDash val="solid"/>
+            <a:round/>
+            <a:headEnd len="med" w="med" type="none"/>
+            <a:tailEnd len="med" w="med" type="triangle"/>
+          </a:ln>
+        </p:spPr>
+      </p:cxnSp>
       <p:sp>
         <p:nvSpPr>
-          <p:cNvPr id="146" name="Google Shape;146;p20"/>
+          <p:cNvPr id="148" name="Google Shape;148;p21"/>
           <p:cNvSpPr txBox="1"/>
           <p:nvPr/>
         </p:nvSpPr>
         <p:spPr>
           <a:xfrm>
-            <a:off x="7491200" y="2287050"/>
-            <a:ext cx="1164000" cy="569400"/>
+            <a:off x="8473800" y="2515200"/>
+            <a:ext cx="491700" cy="276900"/>
           </a:xfrm>
           <a:prstGeom prst="rect">
             <a:avLst/>
@@ -11260,67 +12993,15 @@
               <a:buNone/>
             </a:pPr>
             <a:r>
-              <a:rPr lang="en" sz="2500">
+              <a:rPr lang="en" sz="600">
                 <a:latin typeface="Roboto"/>
                 <a:ea typeface="Roboto"/>
                 <a:cs typeface="Roboto"/>
                 <a:sym typeface="Roboto"/>
               </a:rPr>
-              <a:t>Before</a:t>
-            </a:r>
-            <a:endParaRPr sz="2500">
-              <a:latin typeface="Roboto"/>
-              <a:ea typeface="Roboto"/>
-              <a:cs typeface="Roboto"/>
-              <a:sym typeface="Roboto"/>
-            </a:endParaRPr>
-          </a:p>
-        </p:txBody>
-      </p:sp>
-      <p:sp>
-        <p:nvSpPr>
-          <p:cNvPr id="147" name="Google Shape;147;p20"/>
-          <p:cNvSpPr txBox="1"/>
-          <p:nvPr/>
-        </p:nvSpPr>
-        <p:spPr>
-          <a:xfrm>
-            <a:off x="7597992" y="4020388"/>
-            <a:ext cx="950400" cy="569400"/>
-          </a:xfrm>
-          <a:prstGeom prst="rect">
-            <a:avLst/>
-          </a:prstGeom>
-          <a:noFill/>
-          <a:ln>
-            <a:noFill/>
-          </a:ln>
-        </p:spPr>
-        <p:txBody>
-          <a:bodyPr anchorCtr="0" anchor="t" bIns="91425" lIns="91425" spcFirstLastPara="1" rIns="91425" wrap="square" tIns="91425">
-            <a:spAutoFit/>
-          </a:bodyPr>
-          <a:lstStyle/>
-          <a:p>
-            <a:pPr indent="0" lvl="0" marL="0" rtl="0" algn="l">
-              <a:spcBef>
-                <a:spcPts val="0"/>
-              </a:spcBef>
-              <a:spcAft>
-                <a:spcPts val="0"/>
-              </a:spcAft>
-              <a:buNone/>
-            </a:pPr>
-            <a:r>
-              <a:rPr lang="en" sz="2500">
-                <a:latin typeface="Roboto"/>
-                <a:ea typeface="Roboto"/>
-                <a:cs typeface="Roboto"/>
-                <a:sym typeface="Roboto"/>
-              </a:rPr>
-              <a:t>After</a:t>
-            </a:r>
-            <a:endParaRPr sz="2500">
+              <a:t>Display</a:t>
+            </a:r>
+            <a:endParaRPr sz="600">
               <a:latin typeface="Roboto"/>
               <a:ea typeface="Roboto"/>
               <a:cs typeface="Roboto"/>
@@ -11337,354 +13018,286 @@
 </p:sld>
 </file>
 
-<file path=ppt/slides/slide9.xml><?xml version="1.0" encoding="utf-8"?>
-<p:sld xmlns:a="http://schemas.openxmlformats.org/drawingml/2006/main" xmlns:r="http://schemas.openxmlformats.org/officeDocument/2006/relationships" xmlns:mc="http://schemas.openxmlformats.org/markup-compatibility/2006" xmlns:mv="urn:schemas-microsoft-com:mac:vml" xmlns:p="http://schemas.openxmlformats.org/presentationml/2006/main" xmlns:c="http://schemas.openxmlformats.org/drawingml/2006/chart" xmlns:dgm="http://schemas.openxmlformats.org/drawingml/2006/diagram" xmlns:o="urn:schemas-microsoft-com:office:office" xmlns:v="urn:schemas-microsoft-com:vml" xmlns:pvml="urn:schemas-microsoft-com:office:powerpoint" xmlns:com="http://schemas.openxmlformats.org/drawingml/2006/compatibility" xmlns:p14="http://schemas.microsoft.com/office/powerpoint/2010/main" xmlns:p15="http://schemas.microsoft.com/office/powerpoint/2012/main" xmlns:ahyp="http://schemas.microsoft.com/office/drawing/2018/hyperlinkcolor">
-  <p:cSld>
-    <p:spTree>
-      <p:nvGrpSpPr>
-        <p:cNvPr id="151" name="Shape 151"/>
-        <p:cNvGrpSpPr/>
-        <p:nvPr/>
-      </p:nvGrpSpPr>
-      <p:grpSpPr>
-        <a:xfrm>
-          <a:off x="0" y="0"/>
-          <a:ext cx="0" cy="0"/>
-          <a:chOff x="0" y="0"/>
-          <a:chExt cx="0" cy="0"/>
-        </a:xfrm>
-      </p:grpSpPr>
-      <p:sp>
-        <p:nvSpPr>
-          <p:cNvPr id="152" name="Google Shape;152;p21"/>
-          <p:cNvSpPr txBox="1"/>
-          <p:nvPr>
-            <p:ph type="title"/>
-          </p:nvPr>
-        </p:nvSpPr>
-        <p:spPr>
-          <a:xfrm>
-            <a:off x="471900" y="738725"/>
-            <a:ext cx="8222100" cy="767700"/>
-          </a:xfrm>
-          <a:prstGeom prst="rect">
-            <a:avLst/>
-          </a:prstGeom>
-        </p:spPr>
-        <p:txBody>
-          <a:bodyPr anchorCtr="0" anchor="b" bIns="91425" lIns="91425" spcFirstLastPara="1" rIns="91425" wrap="square" tIns="91425">
-            <a:normAutofit/>
-          </a:bodyPr>
-          <a:lstStyle/>
-          <a:p>
-            <a:pPr indent="0" lvl="0" marL="0" rtl="0" algn="l">
-              <a:spcBef>
-                <a:spcPts val="0"/>
-              </a:spcBef>
-              <a:spcAft>
-                <a:spcPts val="0"/>
-              </a:spcAft>
-              <a:buNone/>
-            </a:pPr>
-            <a:r>
-              <a:rPr lang="en"/>
-              <a:t>Quadrature Mincut: Recursion</a:t>
-            </a:r>
-            <a:endParaRPr/>
-          </a:p>
-        </p:txBody>
-      </p:sp>
-      <p:sp>
-        <p:nvSpPr>
-          <p:cNvPr id="153" name="Google Shape;153;p21"/>
-          <p:cNvSpPr txBox="1"/>
-          <p:nvPr>
-            <p:ph idx="1" type="body"/>
-          </p:nvPr>
-        </p:nvSpPr>
-        <p:spPr>
-          <a:xfrm>
-            <a:off x="471900" y="1919075"/>
-            <a:ext cx="4100100" cy="2710200"/>
-          </a:xfrm>
-          <a:prstGeom prst="rect">
-            <a:avLst/>
-          </a:prstGeom>
-        </p:spPr>
-        <p:txBody>
-          <a:bodyPr anchorCtr="0" anchor="t" bIns="91425" lIns="91425" spcFirstLastPara="1" rIns="91425" wrap="square" tIns="91425">
-            <a:normAutofit lnSpcReduction="20000"/>
-          </a:bodyPr>
-          <a:lstStyle/>
-          <a:p>
-            <a:pPr indent="0" lvl="0" marL="0" rtl="0" algn="l">
-              <a:spcBef>
-                <a:spcPts val="0"/>
-              </a:spcBef>
-              <a:spcAft>
-                <a:spcPts val="0"/>
-              </a:spcAft>
-              <a:buNone/>
-            </a:pPr>
-            <a:r>
-              <a:rPr lang="en"/>
-              <a:t>1. Recursion</a:t>
-            </a:r>
-            <a:endParaRPr/>
-          </a:p>
-          <a:p>
-            <a:pPr indent="-317500" lvl="0" marL="457200" rtl="0" algn="l">
-              <a:spcBef>
-                <a:spcPts val="1200"/>
-              </a:spcBef>
-              <a:spcAft>
-                <a:spcPts val="0"/>
-              </a:spcAft>
-              <a:buSzPts val="1400"/>
-              <a:buChar char="●"/>
-            </a:pPr>
-            <a:r>
-              <a:rPr lang="en" sz="1400"/>
-              <a:t>KL runs recursively, repeatedly running with each new grouping that is made</a:t>
-            </a:r>
-            <a:endParaRPr sz="1400"/>
-          </a:p>
-          <a:p>
-            <a:pPr indent="-317500" lvl="0" marL="457200" rtl="0" algn="l">
-              <a:spcBef>
-                <a:spcPts val="0"/>
-              </a:spcBef>
-              <a:spcAft>
-                <a:spcPts val="0"/>
-              </a:spcAft>
-              <a:buSzPts val="1400"/>
-              <a:buChar char="●"/>
-            </a:pPr>
-            <a:r>
-              <a:rPr lang="en" sz="1400"/>
-              <a:t>Lowest cutsize is found by running through the entire KL process until all nodes are locked, but the best cut size and best pair is saved in a variable and returned</a:t>
-            </a:r>
-            <a:endParaRPr sz="1400"/>
-          </a:p>
-          <a:p>
-            <a:pPr indent="-317500" lvl="0" marL="457200" rtl="0" algn="l">
-              <a:spcBef>
-                <a:spcPts val="0"/>
-              </a:spcBef>
-              <a:spcAft>
-                <a:spcPts val="0"/>
-              </a:spcAft>
-              <a:buSzPts val="1400"/>
-              <a:buChar char="●"/>
-            </a:pPr>
-            <a:r>
-              <a:rPr lang="en" sz="1400"/>
-              <a:t>KL runs until each node is allocated one quadrant via Mincut</a:t>
-            </a:r>
-            <a:endParaRPr sz="1400"/>
-          </a:p>
-          <a:p>
-            <a:pPr indent="-317500" lvl="0" marL="457200" rtl="0" algn="l">
-              <a:spcBef>
-                <a:spcPts val="0"/>
-              </a:spcBef>
-              <a:spcAft>
-                <a:spcPts val="0"/>
-              </a:spcAft>
-              <a:buSzPts val="1400"/>
-              <a:buChar char="●"/>
-            </a:pPr>
-            <a:r>
-              <a:rPr lang="en" sz="1400"/>
-              <a:t>Coordinates are set for each grouping</a:t>
-            </a:r>
-            <a:endParaRPr sz="1400"/>
-          </a:p>
-        </p:txBody>
-      </p:sp>
-      <p:sp>
-        <p:nvSpPr>
-          <p:cNvPr id="154" name="Google Shape;154;p21"/>
-          <p:cNvSpPr txBox="1"/>
-          <p:nvPr>
-            <p:ph idx="1" type="body"/>
-          </p:nvPr>
-        </p:nvSpPr>
-        <p:spPr>
-          <a:xfrm>
-            <a:off x="4739100" y="1807450"/>
-            <a:ext cx="4100100" cy="1782600"/>
-          </a:xfrm>
-          <a:prstGeom prst="rect">
-            <a:avLst/>
-          </a:prstGeom>
-        </p:spPr>
-        <p:txBody>
-          <a:bodyPr anchorCtr="0" anchor="t" bIns="91425" lIns="91425" spcFirstLastPara="1" rIns="91425" wrap="square" tIns="91425">
-            <a:normAutofit lnSpcReduction="10000"/>
-          </a:bodyPr>
-          <a:lstStyle/>
-          <a:p>
-            <a:pPr indent="0" lvl="0" marL="0" rtl="0" algn="l">
-              <a:lnSpc>
-                <a:spcPct val="115000"/>
-              </a:lnSpc>
-              <a:spcBef>
-                <a:spcPts val="0"/>
-              </a:spcBef>
-              <a:spcAft>
-                <a:spcPts val="0"/>
-              </a:spcAft>
-              <a:buNone/>
-            </a:pPr>
-            <a:r>
-              <a:rPr lang="en" sz="1200"/>
-              <a:t>function recursive_KL(group_of_nodes) {</a:t>
-            </a:r>
-            <a:endParaRPr sz="1200"/>
-          </a:p>
-          <a:p>
-            <a:pPr indent="0" lvl="0" marL="0" rtl="0" algn="l">
-              <a:lnSpc>
-                <a:spcPct val="115000"/>
-              </a:lnSpc>
-              <a:spcBef>
-                <a:spcPts val="0"/>
-              </a:spcBef>
-              <a:spcAft>
-                <a:spcPts val="0"/>
-              </a:spcAft>
-              <a:buNone/>
-            </a:pPr>
-            <a:r>
-              <a:rPr lang="en" sz="1200"/>
-              <a:t>	First_half, second_half = </a:t>
-            </a:r>
-            <a:r>
-              <a:rPr lang="en" sz="1200"/>
-              <a:t>s</a:t>
-            </a:r>
-            <a:r>
-              <a:rPr lang="en" sz="1200"/>
-              <a:t>plit group_of_nodes into two;</a:t>
-            </a:r>
-            <a:endParaRPr sz="1200"/>
-          </a:p>
-          <a:p>
-            <a:pPr indent="0" lvl="0" marL="0" rtl="0" algn="l">
-              <a:lnSpc>
-                <a:spcPct val="115000"/>
-              </a:lnSpc>
-              <a:spcBef>
-                <a:spcPts val="0"/>
-              </a:spcBef>
-              <a:spcAft>
-                <a:spcPts val="0"/>
-              </a:spcAft>
-              <a:buNone/>
-            </a:pPr>
-            <a:r>
-              <a:rPr lang="en" sz="1200"/>
-              <a:t>	resulting_first_half, resulting_second_half = run_KL_algorithm(first_half, second_half);</a:t>
-            </a:r>
-            <a:endParaRPr sz="1200"/>
-          </a:p>
-          <a:p>
-            <a:pPr indent="0" lvl="0" marL="0" rtl="0" algn="l">
-              <a:lnSpc>
-                <a:spcPct val="115000"/>
-              </a:lnSpc>
-              <a:spcBef>
-                <a:spcPts val="0"/>
-              </a:spcBef>
-              <a:spcAft>
-                <a:spcPts val="0"/>
-              </a:spcAft>
-              <a:buNone/>
-            </a:pPr>
-            <a:r>
-              <a:rPr lang="en" sz="1200"/>
-              <a:t>	recursive_KL(resulting_first_half);</a:t>
-            </a:r>
-            <a:endParaRPr sz="1200"/>
-          </a:p>
-          <a:p>
-            <a:pPr indent="0" lvl="0" marL="0" rtl="0" algn="l">
-              <a:lnSpc>
-                <a:spcPct val="115000"/>
-              </a:lnSpc>
-              <a:spcBef>
-                <a:spcPts val="0"/>
-              </a:spcBef>
-              <a:spcAft>
-                <a:spcPts val="0"/>
-              </a:spcAft>
-              <a:buNone/>
-            </a:pPr>
-            <a:r>
-              <a:rPr lang="en" sz="1200"/>
-              <a:t>	recursive_KL(resulting_second_half);</a:t>
-            </a:r>
-            <a:endParaRPr sz="1200"/>
-          </a:p>
-          <a:p>
-            <a:pPr indent="0" lvl="0" marL="0" rtl="0" algn="l">
-              <a:lnSpc>
-                <a:spcPct val="115000"/>
-              </a:lnSpc>
-              <a:spcBef>
-                <a:spcPts val="0"/>
-              </a:spcBef>
-              <a:spcAft>
-                <a:spcPts val="0"/>
-              </a:spcAft>
-              <a:buNone/>
-            </a:pPr>
-            <a:r>
-              <a:rPr lang="en" sz="1200"/>
-              <a:t>}</a:t>
-            </a:r>
-            <a:endParaRPr sz="800"/>
-          </a:p>
-        </p:txBody>
-      </p:sp>
-      <p:pic>
-        <p:nvPicPr>
-          <p:cNvPr id="155" name="Google Shape;155;p21"/>
-          <p:cNvPicPr preferRelativeResize="0"/>
-          <p:nvPr/>
-        </p:nvPicPr>
-        <p:blipFill>
-          <a:blip r:embed="rId3">
-            <a:alphaModFix/>
-          </a:blip>
-          <a:stretch>
-            <a:fillRect/>
-          </a:stretch>
-        </p:blipFill>
-        <p:spPr>
-          <a:xfrm>
-            <a:off x="5466963" y="3367875"/>
-            <a:ext cx="2644373" cy="1804600"/>
-          </a:xfrm>
-          <a:prstGeom prst="rect">
-            <a:avLst/>
-          </a:prstGeom>
-          <a:noFill/>
-          <a:ln>
-            <a:noFill/>
-          </a:ln>
-        </p:spPr>
-      </p:pic>
-    </p:spTree>
-  </p:cSld>
-  <p:clrMapOvr>
-    <a:masterClrMapping/>
-  </p:clrMapOvr>
-</p:sld>
+<file path=ppt/theme/theme1.xml><?xml version="1.0" encoding="utf-8"?>
+<a:theme xmlns:a="http://schemas.openxmlformats.org/drawingml/2006/main" xmlns:r="http://schemas.openxmlformats.org/officeDocument/2006/relationships" name="Material">
+  <a:themeElements>
+    <a:clrScheme name="Material">
+      <a:dk1>
+        <a:srgbClr val="4285F4"/>
+      </a:dk1>
+      <a:lt1>
+        <a:srgbClr val="FFFFFF"/>
+      </a:lt1>
+      <a:dk2>
+        <a:srgbClr val="424242"/>
+      </a:dk2>
+      <a:lt2>
+        <a:srgbClr val="737373"/>
+      </a:lt2>
+      <a:accent1>
+        <a:srgbClr val="0277BD"/>
+      </a:accent1>
+      <a:accent2>
+        <a:srgbClr val="0F9D58"/>
+      </a:accent2>
+      <a:accent3>
+        <a:srgbClr val="DB4437"/>
+      </a:accent3>
+      <a:accent4>
+        <a:srgbClr val="FAFAFA"/>
+      </a:accent4>
+      <a:accent5>
+        <a:srgbClr val="1A237E"/>
+      </a:accent5>
+      <a:accent6>
+        <a:srgbClr val="F4B400"/>
+      </a:accent6>
+      <a:hlink>
+        <a:srgbClr val="1A237E"/>
+      </a:hlink>
+      <a:folHlink>
+        <a:srgbClr val="1A237E"/>
+      </a:folHlink>
+    </a:clrScheme>
+    <a:fontScheme name="Office">
+      <a:majorFont>
+        <a:latin typeface="Arial"/>
+        <a:ea typeface=""/>
+        <a:cs typeface=""/>
+        <a:font script="Jpan" typeface="ＭＳ Ｐゴシック"/>
+        <a:font script="Hang" typeface="맑은 고딕"/>
+        <a:font script="Hans" typeface="宋体"/>
+        <a:font script="Hant" typeface="新細明體"/>
+        <a:font script="Arab" typeface="Times New Roman"/>
+        <a:font script="Hebr" typeface="Times New Roman"/>
+        <a:font script="Thai" typeface="Angsana New"/>
+        <a:font script="Ethi" typeface="Nyala"/>
+        <a:font script="Beng" typeface="Vrinda"/>
+        <a:font script="Gujr" typeface="Shruti"/>
+        <a:font script="Khmr" typeface="MoolBoran"/>
+        <a:font script="Knda" typeface="Tunga"/>
+        <a:font script="Guru" typeface="Raavi"/>
+        <a:font script="Cans" typeface="Euphemia"/>
+        <a:font script="Cher" typeface="Plantagenet Cherokee"/>
+        <a:font script="Yiii" typeface="Microsoft Yi Baiti"/>
+        <a:font script="Tibt" typeface="Microsoft Himalaya"/>
+        <a:font script="Thaa" typeface="MV Boli"/>
+        <a:font script="Deva" typeface="Mangal"/>
+        <a:font script="Telu" typeface="Gautami"/>
+        <a:font script="Taml" typeface="Latha"/>
+        <a:font script="Syrc" typeface="Estrangelo Edessa"/>
+        <a:font script="Orya" typeface="Kalinga"/>
+        <a:font script="Mlym" typeface="Kartika"/>
+        <a:font script="Laoo" typeface="DokChampa"/>
+        <a:font script="Sinh" typeface="Iskoola Pota"/>
+        <a:font script="Mong" typeface="Mongolian Baiti"/>
+        <a:font script="Viet" typeface="Times New Roman"/>
+        <a:font script="Uigh" typeface="Microsoft Uighur"/>
+        <a:font script="Geor" typeface="Sylfaen"/>
+      </a:majorFont>
+      <a:minorFont>
+        <a:latin typeface="Arial"/>
+        <a:ea typeface=""/>
+        <a:cs typeface=""/>
+        <a:font script="Jpan" typeface="ＭＳ Ｐゴシック"/>
+        <a:font script="Hang" typeface="맑은 고딕"/>
+        <a:font script="Hans" typeface="宋体"/>
+        <a:font script="Hant" typeface="新細明體"/>
+        <a:font script="Arab" typeface="Arial"/>
+        <a:font script="Hebr" typeface="Arial"/>
+        <a:font script="Thai" typeface="Cordia New"/>
+        <a:font script="Ethi" typeface="Nyala"/>
+        <a:font script="Beng" typeface="Vrinda"/>
+        <a:font script="Gujr" typeface="Shruti"/>
+        <a:font script="Khmr" typeface="DaunPenh"/>
+        <a:font script="Knda" typeface="Tunga"/>
+        <a:font script="Guru" typeface="Raavi"/>
+        <a:font script="Cans" typeface="Euphemia"/>
+        <a:font script="Cher" typeface="Plantagenet Cherokee"/>
+        <a:font script="Yiii" typeface="Microsoft Yi Baiti"/>
+        <a:font script="Tibt" typeface="Microsoft Himalaya"/>
+        <a:font script="Thaa" typeface="MV Boli"/>
+        <a:font script="Deva" typeface="Mangal"/>
+        <a:font script="Telu" typeface="Gautami"/>
+        <a:font script="Taml" typeface="Latha"/>
+        <a:font script="Syrc" typeface="Estrangelo Edessa"/>
+        <a:font script="Orya" typeface="Kalinga"/>
+        <a:font script="Mlym" typeface="Kartika"/>
+        <a:font script="Laoo" typeface="DokChampa"/>
+        <a:font script="Sinh" typeface="Iskoola Pota"/>
+        <a:font script="Mong" typeface="Mongolian Baiti"/>
+        <a:font script="Viet" typeface="Arial"/>
+        <a:font script="Uigh" typeface="Microsoft Uighur"/>
+        <a:font script="Geor" typeface="Sylfaen"/>
+      </a:minorFont>
+    </a:fontScheme>
+    <a:fmtScheme name="Office">
+      <a:fillStyleLst>
+        <a:solidFill>
+          <a:schemeClr val="phClr"/>
+        </a:solidFill>
+        <a:gradFill rotWithShape="1">
+          <a:gsLst>
+            <a:gs pos="0">
+              <a:schemeClr val="phClr">
+                <a:tint val="50000"/>
+                <a:satMod val="300000"/>
+              </a:schemeClr>
+            </a:gs>
+            <a:gs pos="35000">
+              <a:schemeClr val="phClr">
+                <a:tint val="37000"/>
+                <a:satMod val="300000"/>
+              </a:schemeClr>
+            </a:gs>
+            <a:gs pos="100000">
+              <a:schemeClr val="phClr">
+                <a:tint val="15000"/>
+                <a:satMod val="350000"/>
+              </a:schemeClr>
+            </a:gs>
+          </a:gsLst>
+          <a:lin ang="16200000" scaled="1"/>
+        </a:gradFill>
+        <a:gradFill rotWithShape="1">
+          <a:gsLst>
+            <a:gs pos="0">
+              <a:schemeClr val="phClr">
+                <a:tint val="100000"/>
+                <a:shade val="100000"/>
+                <a:satMod val="130000"/>
+              </a:schemeClr>
+            </a:gs>
+            <a:gs pos="100000">
+              <a:schemeClr val="phClr">
+                <a:tint val="50000"/>
+                <a:shade val="100000"/>
+                <a:satMod val="350000"/>
+              </a:schemeClr>
+            </a:gs>
+          </a:gsLst>
+          <a:lin ang="16200000" scaled="0"/>
+        </a:gradFill>
+      </a:fillStyleLst>
+      <a:lnStyleLst>
+        <a:ln w="9525" cap="flat" cmpd="sng" algn="ctr">
+          <a:solidFill>
+            <a:schemeClr val="phClr">
+              <a:shade val="95000"/>
+              <a:satMod val="105000"/>
+            </a:schemeClr>
+          </a:solidFill>
+          <a:prstDash val="solid"/>
+        </a:ln>
+        <a:ln w="25400" cap="flat" cmpd="sng" algn="ctr">
+          <a:solidFill>
+            <a:schemeClr val="phClr"/>
+          </a:solidFill>
+          <a:prstDash val="solid"/>
+        </a:ln>
+        <a:ln w="38100" cap="flat" cmpd="sng" algn="ctr">
+          <a:solidFill>
+            <a:schemeClr val="phClr"/>
+          </a:solidFill>
+          <a:prstDash val="solid"/>
+        </a:ln>
+      </a:lnStyleLst>
+      <a:effectStyleLst>
+        <a:effectStyle>
+          <a:effectLst>
+            <a:outerShdw blurRad="40000" dist="20000" dir="5400000" rotWithShape="0">
+              <a:srgbClr val="000000">
+                <a:alpha val="38000"/>
+              </a:srgbClr>
+            </a:outerShdw>
+          </a:effectLst>
+        </a:effectStyle>
+        <a:effectStyle>
+          <a:effectLst>
+            <a:outerShdw blurRad="40000" dist="23000" dir="5400000" rotWithShape="0">
+              <a:srgbClr val="000000">
+                <a:alpha val="35000"/>
+              </a:srgbClr>
+            </a:outerShdw>
+          </a:effectLst>
+        </a:effectStyle>
+        <a:effectStyle>
+          <a:effectLst>
+            <a:outerShdw blurRad="40000" dist="23000" dir="5400000" rotWithShape="0">
+              <a:srgbClr val="000000">
+                <a:alpha val="35000"/>
+              </a:srgbClr>
+            </a:outerShdw>
+          </a:effectLst>
+          <a:scene3d>
+            <a:camera prst="orthographicFront">
+              <a:rot lat="0" lon="0" rev="0"/>
+            </a:camera>
+            <a:lightRig rig="threePt" dir="t">
+              <a:rot lat="0" lon="0" rev="1200000"/>
+            </a:lightRig>
+          </a:scene3d>
+          <a:sp3d>
+            <a:bevelT w="63500" h="25400"/>
+          </a:sp3d>
+        </a:effectStyle>
+      </a:effectStyleLst>
+      <a:bgFillStyleLst>
+        <a:solidFill>
+          <a:schemeClr val="phClr"/>
+        </a:solidFill>
+        <a:gradFill rotWithShape="1">
+          <a:gsLst>
+            <a:gs pos="0">
+              <a:schemeClr val="phClr">
+                <a:tint val="40000"/>
+                <a:satMod val="350000"/>
+              </a:schemeClr>
+            </a:gs>
+            <a:gs pos="40000">
+              <a:schemeClr val="phClr">
+                <a:tint val="45000"/>
+                <a:shade val="99000"/>
+                <a:satMod val="350000"/>
+              </a:schemeClr>
+            </a:gs>
+            <a:gs pos="100000">
+              <a:schemeClr val="phClr">
+                <a:shade val="20000"/>
+                <a:satMod val="255000"/>
+              </a:schemeClr>
+            </a:gs>
+          </a:gsLst>
+          <a:path path="circle">
+            <a:fillToRect l="50000" t="-80000" r="50000" b="180000"/>
+          </a:path>
+        </a:gradFill>
+        <a:gradFill rotWithShape="1">
+          <a:gsLst>
+            <a:gs pos="0">
+              <a:schemeClr val="phClr">
+                <a:tint val="80000"/>
+                <a:satMod val="300000"/>
+              </a:schemeClr>
+            </a:gs>
+            <a:gs pos="100000">
+              <a:schemeClr val="phClr">
+                <a:shade val="30000"/>
+                <a:satMod val="200000"/>
+              </a:schemeClr>
+            </a:gs>
+          </a:gsLst>
+          <a:path path="circle">
+            <a:fillToRect l="50000" t="50000" r="50000" b="50000"/>
+          </a:path>
+        </a:gradFill>
+      </a:bgFillStyleLst>
+    </a:fmtScheme>
+  </a:themeElements>
+</a:theme>
 </file>
 
-<file path=ppt/theme/theme1.xml><?xml version="1.0" encoding="utf-8"?>
+<file path=ppt/theme/theme2.xml><?xml version="1.0" encoding="utf-8"?>
 <a:theme xmlns:a="http://schemas.openxmlformats.org/drawingml/2006/main" xmlns:r="http://schemas.openxmlformats.org/officeDocument/2006/relationships">
   <a:themeElements>
     <a:clrScheme name="Default">
@@ -11961,283 +13574,4 @@
     </a:fmtScheme>
   </a:themeElements>
 </a:theme>
-</file>
-
-<file path=ppt/theme/theme2.xml><?xml version="1.0" encoding="utf-8"?>
-<a:theme xmlns:a="http://schemas.openxmlformats.org/drawingml/2006/main" xmlns:r="http://schemas.openxmlformats.org/officeDocument/2006/relationships" name="Material">
-  <a:themeElements>
-    <a:clrScheme name="Material">
-      <a:dk1>
-        <a:srgbClr val="4285F4"/>
-      </a:dk1>
-      <a:lt1>
-        <a:srgbClr val="FFFFFF"/>
-      </a:lt1>
-      <a:dk2>
-        <a:srgbClr val="424242"/>
-      </a:dk2>
-      <a:lt2>
-        <a:srgbClr val="737373"/>
-      </a:lt2>
-      <a:accent1>
-        <a:srgbClr val="0277BD"/>
-      </a:accent1>
-      <a:accent2>
-        <a:srgbClr val="0F9D58"/>
-      </a:accent2>
-      <a:accent3>
-        <a:srgbClr val="DB4437"/>
-      </a:accent3>
-      <a:accent4>
-        <a:srgbClr val="FAFAFA"/>
-      </a:accent4>
-      <a:accent5>
-        <a:srgbClr val="1A237E"/>
-      </a:accent5>
-      <a:accent6>
-        <a:srgbClr val="F4B400"/>
-      </a:accent6>
-      <a:hlink>
-        <a:srgbClr val="1A237E"/>
-      </a:hlink>
-      <a:folHlink>
-        <a:srgbClr val="1A237E"/>
-      </a:folHlink>
-    </a:clrScheme>
-    <a:fontScheme name="Office">
-      <a:majorFont>
-        <a:latin typeface="Arial"/>
-        <a:ea typeface=""/>
-        <a:cs typeface=""/>
-        <a:font script="Jpan" typeface="ＭＳ Ｐゴシック"/>
-        <a:font script="Hang" typeface="맑은 고딕"/>
-        <a:font script="Hans" typeface="宋体"/>
-        <a:font script="Hant" typeface="新細明體"/>
-        <a:font script="Arab" typeface="Times New Roman"/>
-        <a:font script="Hebr" typeface="Times New Roman"/>
-        <a:font script="Thai" typeface="Angsana New"/>
-        <a:font script="Ethi" typeface="Nyala"/>
-        <a:font script="Beng" typeface="Vrinda"/>
-        <a:font script="Gujr" typeface="Shruti"/>
-        <a:font script="Khmr" typeface="MoolBoran"/>
-        <a:font script="Knda" typeface="Tunga"/>
-        <a:font script="Guru" typeface="Raavi"/>
-        <a:font script="Cans" typeface="Euphemia"/>
-        <a:font script="Cher" typeface="Plantagenet Cherokee"/>
-        <a:font script="Yiii" typeface="Microsoft Yi Baiti"/>
-        <a:font script="Tibt" typeface="Microsoft Himalaya"/>
-        <a:font script="Thaa" typeface="MV Boli"/>
-        <a:font script="Deva" typeface="Mangal"/>
-        <a:font script="Telu" typeface="Gautami"/>
-        <a:font script="Taml" typeface="Latha"/>
-        <a:font script="Syrc" typeface="Estrangelo Edessa"/>
-        <a:font script="Orya" typeface="Kalinga"/>
-        <a:font script="Mlym" typeface="Kartika"/>
-        <a:font script="Laoo" typeface="DokChampa"/>
-        <a:font script="Sinh" typeface="Iskoola Pota"/>
-        <a:font script="Mong" typeface="Mongolian Baiti"/>
-        <a:font script="Viet" typeface="Times New Roman"/>
-        <a:font script="Uigh" typeface="Microsoft Uighur"/>
-        <a:font script="Geor" typeface="Sylfaen"/>
-      </a:majorFont>
-      <a:minorFont>
-        <a:latin typeface="Arial"/>
-        <a:ea typeface=""/>
-        <a:cs typeface=""/>
-        <a:font script="Jpan" typeface="ＭＳ Ｐゴシック"/>
-        <a:font script="Hang" typeface="맑은 고딕"/>
-        <a:font script="Hans" typeface="宋体"/>
-        <a:font script="Hant" typeface="新細明體"/>
-        <a:font script="Arab" typeface="Arial"/>
-        <a:font script="Hebr" typeface="Arial"/>
-        <a:font script="Thai" typeface="Cordia New"/>
-        <a:font script="Ethi" typeface="Nyala"/>
-        <a:font script="Beng" typeface="Vrinda"/>
-        <a:font script="Gujr" typeface="Shruti"/>
-        <a:font script="Khmr" typeface="DaunPenh"/>
-        <a:font script="Knda" typeface="Tunga"/>
-        <a:font script="Guru" typeface="Raavi"/>
-        <a:font script="Cans" typeface="Euphemia"/>
-        <a:font script="Cher" typeface="Plantagenet Cherokee"/>
-        <a:font script="Yiii" typeface="Microsoft Yi Baiti"/>
-        <a:font script="Tibt" typeface="Microsoft Himalaya"/>
-        <a:font script="Thaa" typeface="MV Boli"/>
-        <a:font script="Deva" typeface="Mangal"/>
-        <a:font script="Telu" typeface="Gautami"/>
-        <a:font script="Taml" typeface="Latha"/>
-        <a:font script="Syrc" typeface="Estrangelo Edessa"/>
-        <a:font script="Orya" typeface="Kalinga"/>
-        <a:font script="Mlym" typeface="Kartika"/>
-        <a:font script="Laoo" typeface="DokChampa"/>
-        <a:font script="Sinh" typeface="Iskoola Pota"/>
-        <a:font script="Mong" typeface="Mongolian Baiti"/>
-        <a:font script="Viet" typeface="Arial"/>
-        <a:font script="Uigh" typeface="Microsoft Uighur"/>
-        <a:font script="Geor" typeface="Sylfaen"/>
-      </a:minorFont>
-    </a:fontScheme>
-    <a:fmtScheme name="Office">
-      <a:fillStyleLst>
-        <a:solidFill>
-          <a:schemeClr val="phClr"/>
-        </a:solidFill>
-        <a:gradFill rotWithShape="1">
-          <a:gsLst>
-            <a:gs pos="0">
-              <a:schemeClr val="phClr">
-                <a:tint val="50000"/>
-                <a:satMod val="300000"/>
-              </a:schemeClr>
-            </a:gs>
-            <a:gs pos="35000">
-              <a:schemeClr val="phClr">
-                <a:tint val="37000"/>
-                <a:satMod val="300000"/>
-              </a:schemeClr>
-            </a:gs>
-            <a:gs pos="100000">
-              <a:schemeClr val="phClr">
-                <a:tint val="15000"/>
-                <a:satMod val="350000"/>
-              </a:schemeClr>
-            </a:gs>
-          </a:gsLst>
-          <a:lin ang="16200000" scaled="1"/>
-        </a:gradFill>
-        <a:gradFill rotWithShape="1">
-          <a:gsLst>
-            <a:gs pos="0">
-              <a:schemeClr val="phClr">
-                <a:tint val="100000"/>
-                <a:shade val="100000"/>
-                <a:satMod val="130000"/>
-              </a:schemeClr>
-            </a:gs>
-            <a:gs pos="100000">
-              <a:schemeClr val="phClr">
-                <a:tint val="50000"/>
-                <a:shade val="100000"/>
-                <a:satMod val="350000"/>
-              </a:schemeClr>
-            </a:gs>
-          </a:gsLst>
-          <a:lin ang="16200000" scaled="0"/>
-        </a:gradFill>
-      </a:fillStyleLst>
-      <a:lnStyleLst>
-        <a:ln w="9525" cap="flat" cmpd="sng" algn="ctr">
-          <a:solidFill>
-            <a:schemeClr val="phClr">
-              <a:shade val="95000"/>
-              <a:satMod val="105000"/>
-            </a:schemeClr>
-          </a:solidFill>
-          <a:prstDash val="solid"/>
-        </a:ln>
-        <a:ln w="25400" cap="flat" cmpd="sng" algn="ctr">
-          <a:solidFill>
-            <a:schemeClr val="phClr"/>
-          </a:solidFill>
-          <a:prstDash val="solid"/>
-        </a:ln>
-        <a:ln w="38100" cap="flat" cmpd="sng" algn="ctr">
-          <a:solidFill>
-            <a:schemeClr val="phClr"/>
-          </a:solidFill>
-          <a:prstDash val="solid"/>
-        </a:ln>
-      </a:lnStyleLst>
-      <a:effectStyleLst>
-        <a:effectStyle>
-          <a:effectLst>
-            <a:outerShdw blurRad="40000" dist="20000" dir="5400000" rotWithShape="0">
-              <a:srgbClr val="000000">
-                <a:alpha val="38000"/>
-              </a:srgbClr>
-            </a:outerShdw>
-          </a:effectLst>
-        </a:effectStyle>
-        <a:effectStyle>
-          <a:effectLst>
-            <a:outerShdw blurRad="40000" dist="23000" dir="5400000" rotWithShape="0">
-              <a:srgbClr val="000000">
-                <a:alpha val="35000"/>
-              </a:srgbClr>
-            </a:outerShdw>
-          </a:effectLst>
-        </a:effectStyle>
-        <a:effectStyle>
-          <a:effectLst>
-            <a:outerShdw blurRad="40000" dist="23000" dir="5400000" rotWithShape="0">
-              <a:srgbClr val="000000">
-                <a:alpha val="35000"/>
-              </a:srgbClr>
-            </a:outerShdw>
-          </a:effectLst>
-          <a:scene3d>
-            <a:camera prst="orthographicFront">
-              <a:rot lat="0" lon="0" rev="0"/>
-            </a:camera>
-            <a:lightRig rig="threePt" dir="t">
-              <a:rot lat="0" lon="0" rev="1200000"/>
-            </a:lightRig>
-          </a:scene3d>
-          <a:sp3d>
-            <a:bevelT w="63500" h="25400"/>
-          </a:sp3d>
-        </a:effectStyle>
-      </a:effectStyleLst>
-      <a:bgFillStyleLst>
-        <a:solidFill>
-          <a:schemeClr val="phClr"/>
-        </a:solidFill>
-        <a:gradFill rotWithShape="1">
-          <a:gsLst>
-            <a:gs pos="0">
-              <a:schemeClr val="phClr">
-                <a:tint val="40000"/>
-                <a:satMod val="350000"/>
-              </a:schemeClr>
-            </a:gs>
-            <a:gs pos="40000">
-              <a:schemeClr val="phClr">
-                <a:tint val="45000"/>
-                <a:shade val="99000"/>
-                <a:satMod val="350000"/>
-              </a:schemeClr>
-            </a:gs>
-            <a:gs pos="100000">
-              <a:schemeClr val="phClr">
-                <a:shade val="20000"/>
-                <a:satMod val="255000"/>
-              </a:schemeClr>
-            </a:gs>
-          </a:gsLst>
-          <a:path path="circle">
-            <a:fillToRect l="50000" t="-80000" r="50000" b="180000"/>
-          </a:path>
-        </a:gradFill>
-        <a:gradFill rotWithShape="1">
-          <a:gsLst>
-            <a:gs pos="0">
-              <a:schemeClr val="phClr">
-                <a:tint val="80000"/>
-                <a:satMod val="300000"/>
-              </a:schemeClr>
-            </a:gs>
-            <a:gs pos="100000">
-              <a:schemeClr val="phClr">
-                <a:shade val="30000"/>
-                <a:satMod val="200000"/>
-              </a:schemeClr>
-            </a:gs>
-          </a:gsLst>
-          <a:path path="circle">
-            <a:fillToRect l="50000" t="50000" r="50000" b="50000"/>
-          </a:path>
-        </a:gradFill>
-      </a:bgFillStyleLst>
-    </a:fmtScheme>
-  </a:themeElements>
-</a:theme>
 </file>